--- a/img/아이콘.pptx
+++ b/img/아이콘.pptx
@@ -12,6 +12,8 @@
     <p:sldId id="262" r:id="rId6"/>
     <p:sldId id="263" r:id="rId7"/>
     <p:sldId id="264" r:id="rId8"/>
+    <p:sldId id="265" r:id="rId9"/>
+    <p:sldId id="266" r:id="rId10"/>
   </p:sldIdLst>
   <p:sldSz cx="12192000" cy="6858000"/>
   <p:notesSz cx="6858000" cy="9144000"/>
@@ -265,7 +267,7 @@
           <a:p>
             <a:fld id="{77E60007-40F7-4D56-BEF0-9DFAA54773D8}" type="datetimeFigureOut">
               <a:rPr lang="ko-KR" altLang="en-US" smtClean="0"/>
-              <a:t>2023-07-17</a:t>
+              <a:t>2023-07-23</a:t>
             </a:fld>
             <a:endParaRPr lang="ko-KR" altLang="en-US"/>
           </a:p>
@@ -463,7 +465,7 @@
           <a:p>
             <a:fld id="{77E60007-40F7-4D56-BEF0-9DFAA54773D8}" type="datetimeFigureOut">
               <a:rPr lang="ko-KR" altLang="en-US" smtClean="0"/>
-              <a:t>2023-07-17</a:t>
+              <a:t>2023-07-23</a:t>
             </a:fld>
             <a:endParaRPr lang="ko-KR" altLang="en-US"/>
           </a:p>
@@ -671,7 +673,7 @@
           <a:p>
             <a:fld id="{77E60007-40F7-4D56-BEF0-9DFAA54773D8}" type="datetimeFigureOut">
               <a:rPr lang="ko-KR" altLang="en-US" smtClean="0"/>
-              <a:t>2023-07-17</a:t>
+              <a:t>2023-07-23</a:t>
             </a:fld>
             <a:endParaRPr lang="ko-KR" altLang="en-US"/>
           </a:p>
@@ -869,7 +871,7 @@
           <a:p>
             <a:fld id="{77E60007-40F7-4D56-BEF0-9DFAA54773D8}" type="datetimeFigureOut">
               <a:rPr lang="ko-KR" altLang="en-US" smtClean="0"/>
-              <a:t>2023-07-17</a:t>
+              <a:t>2023-07-23</a:t>
             </a:fld>
             <a:endParaRPr lang="ko-KR" altLang="en-US"/>
           </a:p>
@@ -1144,7 +1146,7 @@
           <a:p>
             <a:fld id="{77E60007-40F7-4D56-BEF0-9DFAA54773D8}" type="datetimeFigureOut">
               <a:rPr lang="ko-KR" altLang="en-US" smtClean="0"/>
-              <a:t>2023-07-17</a:t>
+              <a:t>2023-07-23</a:t>
             </a:fld>
             <a:endParaRPr lang="ko-KR" altLang="en-US"/>
           </a:p>
@@ -1409,7 +1411,7 @@
           <a:p>
             <a:fld id="{77E60007-40F7-4D56-BEF0-9DFAA54773D8}" type="datetimeFigureOut">
               <a:rPr lang="ko-KR" altLang="en-US" smtClean="0"/>
-              <a:t>2023-07-17</a:t>
+              <a:t>2023-07-23</a:t>
             </a:fld>
             <a:endParaRPr lang="ko-KR" altLang="en-US"/>
           </a:p>
@@ -1821,7 +1823,7 @@
           <a:p>
             <a:fld id="{77E60007-40F7-4D56-BEF0-9DFAA54773D8}" type="datetimeFigureOut">
               <a:rPr lang="ko-KR" altLang="en-US" smtClean="0"/>
-              <a:t>2023-07-17</a:t>
+              <a:t>2023-07-23</a:t>
             </a:fld>
             <a:endParaRPr lang="ko-KR" altLang="en-US"/>
           </a:p>
@@ -1962,7 +1964,7 @@
           <a:p>
             <a:fld id="{77E60007-40F7-4D56-BEF0-9DFAA54773D8}" type="datetimeFigureOut">
               <a:rPr lang="ko-KR" altLang="en-US" smtClean="0"/>
-              <a:t>2023-07-17</a:t>
+              <a:t>2023-07-23</a:t>
             </a:fld>
             <a:endParaRPr lang="ko-KR" altLang="en-US"/>
           </a:p>
@@ -2075,7 +2077,7 @@
           <a:p>
             <a:fld id="{77E60007-40F7-4D56-BEF0-9DFAA54773D8}" type="datetimeFigureOut">
               <a:rPr lang="ko-KR" altLang="en-US" smtClean="0"/>
-              <a:t>2023-07-17</a:t>
+              <a:t>2023-07-23</a:t>
             </a:fld>
             <a:endParaRPr lang="ko-KR" altLang="en-US"/>
           </a:p>
@@ -2386,7 +2388,7 @@
           <a:p>
             <a:fld id="{77E60007-40F7-4D56-BEF0-9DFAA54773D8}" type="datetimeFigureOut">
               <a:rPr lang="ko-KR" altLang="en-US" smtClean="0"/>
-              <a:t>2023-07-17</a:t>
+              <a:t>2023-07-23</a:t>
             </a:fld>
             <a:endParaRPr lang="ko-KR" altLang="en-US"/>
           </a:p>
@@ -2674,7 +2676,7 @@
           <a:p>
             <a:fld id="{77E60007-40F7-4D56-BEF0-9DFAA54773D8}" type="datetimeFigureOut">
               <a:rPr lang="ko-KR" altLang="en-US" smtClean="0"/>
-              <a:t>2023-07-17</a:t>
+              <a:t>2023-07-23</a:t>
             </a:fld>
             <a:endParaRPr lang="ko-KR" altLang="en-US"/>
           </a:p>
@@ -2915,7 +2917,7 @@
           <a:p>
             <a:fld id="{77E60007-40F7-4D56-BEF0-9DFAA54773D8}" type="datetimeFigureOut">
               <a:rPr lang="ko-KR" altLang="en-US" smtClean="0"/>
-              <a:t>2023-07-17</a:t>
+              <a:t>2023-07-23</a:t>
             </a:fld>
             <a:endParaRPr lang="ko-KR" altLang="en-US"/>
           </a:p>
@@ -40032,10 +40034,793 @@
           </p:pic>
         </p:grpSp>
       </p:grpSp>
+      <p:pic>
+        <p:nvPicPr>
+          <p:cNvPr id="1026" name="Picture 2" descr="https://lh3.googleusercontent.com/I95wjYii8vhFSSx-aSYdh2hPAMjgZkA9yjarSQoOd98COwOxkAVn_dulBcTcfbsa7Limy6IKX6G95ep6OB6y2yMLMiX0YEqFx3KQHQ=h120">
+            <a:extLst>
+              <a:ext uri="{FF2B5EF4-FFF2-40B4-BE49-F238E27FC236}">
+                <a16:creationId xmlns:a16="http://schemas.microsoft.com/office/drawing/2014/main" id="{2BEB730C-950B-4442-8841-A3F103FC7F05}"/>
+              </a:ext>
+            </a:extLst>
+          </p:cNvPr>
+          <p:cNvPicPr>
+            <a:picLocks noChangeAspect="1" noChangeArrowheads="1"/>
+          </p:cNvPicPr>
+          <p:nvPr/>
+        </p:nvPicPr>
+        <p:blipFill>
+          <a:blip r:embed="rId16">
+            <a:extLst>
+              <a:ext uri="{28A0092B-C50C-407E-A947-70E740481C1C}">
+                <a14:useLocalDpi xmlns:a14="http://schemas.microsoft.com/office/drawing/2010/main" val="0"/>
+              </a:ext>
+            </a:extLst>
+          </a:blip>
+          <a:srcRect/>
+          <a:stretch>
+            <a:fillRect/>
+          </a:stretch>
+        </p:blipFill>
+        <p:spPr bwMode="auto">
+          <a:xfrm>
+            <a:off x="2847750" y="1137709"/>
+            <a:ext cx="552450" cy="552450"/>
+          </a:xfrm>
+          <a:prstGeom prst="rect">
+            <a:avLst/>
+          </a:prstGeom>
+          <a:noFill/>
+          <a:extLst>
+            <a:ext uri="{909E8E84-426E-40DD-AFC4-6F175D3DCCD1}">
+              <a14:hiddenFill xmlns:a14="http://schemas.microsoft.com/office/drawing/2010/main">
+                <a:solidFill>
+                  <a:srgbClr val="FFFFFF"/>
+                </a:solidFill>
+              </a14:hiddenFill>
+            </a:ext>
+          </a:extLst>
+        </p:spPr>
+      </p:pic>
     </p:spTree>
     <p:extLst>
       <p:ext uri="{BB962C8B-B14F-4D97-AF65-F5344CB8AC3E}">
         <p14:creationId xmlns:p14="http://schemas.microsoft.com/office/powerpoint/2010/main" val="1766308557"/>
+      </p:ext>
+    </p:extLst>
+  </p:cSld>
+  <p:clrMapOvr>
+    <a:masterClrMapping/>
+  </p:clrMapOvr>
+</p:sld>
+</file>
+
+<file path=ppt/slides/slide8.xml><?xml version="1.0" encoding="utf-8"?>
+<p:sld xmlns:a="http://schemas.openxmlformats.org/drawingml/2006/main" xmlns:r="http://schemas.openxmlformats.org/officeDocument/2006/relationships" xmlns:p="http://schemas.openxmlformats.org/presentationml/2006/main">
+  <p:cSld>
+    <p:spTree>
+      <p:nvGrpSpPr>
+        <p:cNvPr id="1" name=""/>
+        <p:cNvGrpSpPr/>
+        <p:nvPr/>
+      </p:nvGrpSpPr>
+      <p:grpSpPr>
+        <a:xfrm>
+          <a:off x="0" y="0"/>
+          <a:ext cx="0" cy="0"/>
+          <a:chOff x="0" y="0"/>
+          <a:chExt cx="0" cy="0"/>
+        </a:xfrm>
+      </p:grpSpPr>
+      <p:grpSp>
+        <p:nvGrpSpPr>
+          <p:cNvPr id="30" name="그룹 29">
+            <a:extLst>
+              <a:ext uri="{FF2B5EF4-FFF2-40B4-BE49-F238E27FC236}">
+                <a16:creationId xmlns:a16="http://schemas.microsoft.com/office/drawing/2014/main" id="{2245B29A-4584-480B-B74D-589C37B96A07}"/>
+              </a:ext>
+            </a:extLst>
+          </p:cNvPr>
+          <p:cNvGrpSpPr/>
+          <p:nvPr/>
+        </p:nvGrpSpPr>
+        <p:grpSpPr>
+          <a:xfrm>
+            <a:off x="925473" y="784147"/>
+            <a:ext cx="9819666" cy="4407617"/>
+            <a:chOff x="2231759" y="737494"/>
+            <a:chExt cx="9819666" cy="4407617"/>
+          </a:xfrm>
+        </p:grpSpPr>
+        <p:pic>
+          <p:nvPicPr>
+            <p:cNvPr id="4" name="그림 3">
+              <a:extLst>
+                <a:ext uri="{FF2B5EF4-FFF2-40B4-BE49-F238E27FC236}">
+                  <a16:creationId xmlns:a16="http://schemas.microsoft.com/office/drawing/2014/main" id="{01BDC199-91C5-4810-8C7C-E14BD8685C33}"/>
+                </a:ext>
+              </a:extLst>
+            </p:cNvPr>
+            <p:cNvPicPr>
+              <a:picLocks noChangeAspect="1"/>
+            </p:cNvPicPr>
+            <p:nvPr/>
+          </p:nvPicPr>
+          <p:blipFill>
+            <a:blip r:embed="rId2"/>
+            <a:stretch>
+              <a:fillRect/>
+            </a:stretch>
+          </p:blipFill>
+          <p:spPr>
+            <a:xfrm>
+              <a:off x="2231759" y="737494"/>
+              <a:ext cx="7948616" cy="3296338"/>
+            </a:xfrm>
+            <a:prstGeom prst="rect">
+              <a:avLst/>
+            </a:prstGeom>
+          </p:spPr>
+        </p:pic>
+        <p:sp>
+          <p:nvSpPr>
+            <p:cNvPr id="5" name="직사각형 4">
+              <a:extLst>
+                <a:ext uri="{FF2B5EF4-FFF2-40B4-BE49-F238E27FC236}">
+                  <a16:creationId xmlns:a16="http://schemas.microsoft.com/office/drawing/2014/main" id="{738067A2-75F9-45DC-AA4B-AE3FDBAF4BC1}"/>
+                </a:ext>
+              </a:extLst>
+            </p:cNvPr>
+            <p:cNvSpPr/>
+            <p:nvPr/>
+          </p:nvSpPr>
+          <p:spPr>
+            <a:xfrm>
+              <a:off x="4348065" y="2243321"/>
+              <a:ext cx="2472613" cy="694267"/>
+            </a:xfrm>
+            <a:prstGeom prst="rect">
+              <a:avLst/>
+            </a:prstGeom>
+            <a:noFill/>
+            <a:ln w="38100">
+              <a:solidFill>
+                <a:srgbClr val="FF0000"/>
+              </a:solidFill>
+            </a:ln>
+          </p:spPr>
+          <p:style>
+            <a:lnRef idx="2">
+              <a:schemeClr val="accent1">
+                <a:shade val="50000"/>
+              </a:schemeClr>
+            </a:lnRef>
+            <a:fillRef idx="1">
+              <a:schemeClr val="accent1"/>
+            </a:fillRef>
+            <a:effectRef idx="0">
+              <a:schemeClr val="accent1"/>
+            </a:effectRef>
+            <a:fontRef idx="minor">
+              <a:schemeClr val="lt1"/>
+            </a:fontRef>
+          </p:style>
+          <p:txBody>
+            <a:bodyPr rtlCol="0" anchor="ctr"/>
+            <a:lstStyle/>
+            <a:p>
+              <a:pPr algn="ctr"/>
+              <a:endParaRPr lang="ko-KR" altLang="en-US"/>
+            </a:p>
+          </p:txBody>
+        </p:sp>
+        <p:sp>
+          <p:nvSpPr>
+            <p:cNvPr id="7" name="TextBox 6">
+              <a:extLst>
+                <a:ext uri="{FF2B5EF4-FFF2-40B4-BE49-F238E27FC236}">
+                  <a16:creationId xmlns:a16="http://schemas.microsoft.com/office/drawing/2014/main" id="{7E6B995A-3B93-48FE-A4D6-8EC644CED0F8}"/>
+                </a:ext>
+              </a:extLst>
+            </p:cNvPr>
+            <p:cNvSpPr txBox="1"/>
+            <p:nvPr/>
+          </p:nvSpPr>
+          <p:spPr>
+            <a:xfrm flipH="1">
+              <a:off x="7393553" y="1886701"/>
+              <a:ext cx="4657872" cy="461665"/>
+            </a:xfrm>
+            <a:prstGeom prst="rect">
+              <a:avLst/>
+            </a:prstGeom>
+            <a:noFill/>
+          </p:spPr>
+          <p:txBody>
+            <a:bodyPr wrap="square" rtlCol="0">
+              <a:spAutoFit/>
+            </a:bodyPr>
+            <a:lstStyle/>
+            <a:p>
+              <a:pPr algn="ctr"/>
+              <a:r>
+                <a:rPr lang="en-US" altLang="ko-KR" sz="2400" b="1" dirty="0">
+                  <a:solidFill>
+                    <a:srgbClr val="FF0000"/>
+                  </a:solidFill>
+                </a:rPr>
+                <a:t>3. I changed the YouTube Icon</a:t>
+              </a:r>
+              <a:endParaRPr lang="ko-KR" altLang="en-US" sz="2400" b="1" dirty="0">
+                <a:solidFill>
+                  <a:srgbClr val="FF0000"/>
+                </a:solidFill>
+              </a:endParaRPr>
+            </a:p>
+          </p:txBody>
+        </p:sp>
+        <p:cxnSp>
+          <p:nvCxnSpPr>
+            <p:cNvPr id="9" name="직선 연결선 8">
+              <a:extLst>
+                <a:ext uri="{FF2B5EF4-FFF2-40B4-BE49-F238E27FC236}">
+                  <a16:creationId xmlns:a16="http://schemas.microsoft.com/office/drawing/2014/main" id="{DADBE75F-131B-469A-8C50-690DD022D795}"/>
+                </a:ext>
+              </a:extLst>
+            </p:cNvPr>
+            <p:cNvCxnSpPr>
+              <a:cxnSpLocks/>
+            </p:cNvCxnSpPr>
+            <p:nvPr/>
+          </p:nvCxnSpPr>
+          <p:spPr>
+            <a:xfrm>
+              <a:off x="6820678" y="2590454"/>
+              <a:ext cx="3265714" cy="0"/>
+            </a:xfrm>
+            <a:prstGeom prst="line">
+              <a:avLst/>
+            </a:prstGeom>
+            <a:ln w="38100">
+              <a:solidFill>
+                <a:srgbClr val="FF0000"/>
+              </a:solidFill>
+            </a:ln>
+          </p:spPr>
+          <p:style>
+            <a:lnRef idx="1">
+              <a:schemeClr val="accent1"/>
+            </a:lnRef>
+            <a:fillRef idx="0">
+              <a:schemeClr val="accent1"/>
+            </a:fillRef>
+            <a:effectRef idx="0">
+              <a:schemeClr val="accent1"/>
+            </a:effectRef>
+            <a:fontRef idx="minor">
+              <a:schemeClr val="tx1"/>
+            </a:fontRef>
+          </p:style>
+        </p:cxnSp>
+        <p:cxnSp>
+          <p:nvCxnSpPr>
+            <p:cNvPr id="11" name="직선 연결선 10">
+              <a:extLst>
+                <a:ext uri="{FF2B5EF4-FFF2-40B4-BE49-F238E27FC236}">
+                  <a16:creationId xmlns:a16="http://schemas.microsoft.com/office/drawing/2014/main" id="{E6B3C3AE-62B2-460B-8DF6-D7EE0975F301}"/>
+                </a:ext>
+              </a:extLst>
+            </p:cNvPr>
+            <p:cNvCxnSpPr>
+              <a:cxnSpLocks/>
+            </p:cNvCxnSpPr>
+            <p:nvPr/>
+          </p:nvCxnSpPr>
+          <p:spPr>
+            <a:xfrm flipV="1">
+              <a:off x="10077060" y="2360645"/>
+              <a:ext cx="0" cy="229809"/>
+            </a:xfrm>
+            <a:prstGeom prst="line">
+              <a:avLst/>
+            </a:prstGeom>
+            <a:ln w="38100">
+              <a:solidFill>
+                <a:srgbClr val="FF0000"/>
+              </a:solidFill>
+            </a:ln>
+          </p:spPr>
+          <p:style>
+            <a:lnRef idx="1">
+              <a:schemeClr val="accent1"/>
+            </a:lnRef>
+            <a:fillRef idx="0">
+              <a:schemeClr val="accent1"/>
+            </a:fillRef>
+            <a:effectRef idx="0">
+              <a:schemeClr val="accent1"/>
+            </a:effectRef>
+            <a:fontRef idx="minor">
+              <a:schemeClr val="tx1"/>
+            </a:fontRef>
+          </p:style>
+        </p:cxnSp>
+        <p:sp>
+          <p:nvSpPr>
+            <p:cNvPr id="13" name="직사각형 12">
+              <a:extLst>
+                <a:ext uri="{FF2B5EF4-FFF2-40B4-BE49-F238E27FC236}">
+                  <a16:creationId xmlns:a16="http://schemas.microsoft.com/office/drawing/2014/main" id="{A751D10E-9836-4FCA-ADC1-45DC71108555}"/>
+                </a:ext>
+              </a:extLst>
+            </p:cNvPr>
+            <p:cNvSpPr/>
+            <p:nvPr/>
+          </p:nvSpPr>
+          <p:spPr>
+            <a:xfrm>
+              <a:off x="2771193" y="3011303"/>
+              <a:ext cx="6829998" cy="991530"/>
+            </a:xfrm>
+            <a:prstGeom prst="rect">
+              <a:avLst/>
+            </a:prstGeom>
+            <a:noFill/>
+            <a:ln w="38100">
+              <a:solidFill>
+                <a:srgbClr val="FF0000"/>
+              </a:solidFill>
+            </a:ln>
+          </p:spPr>
+          <p:style>
+            <a:lnRef idx="2">
+              <a:schemeClr val="accent1">
+                <a:shade val="50000"/>
+              </a:schemeClr>
+            </a:lnRef>
+            <a:fillRef idx="1">
+              <a:schemeClr val="accent1"/>
+            </a:fillRef>
+            <a:effectRef idx="0">
+              <a:schemeClr val="accent1"/>
+            </a:effectRef>
+            <a:fontRef idx="minor">
+              <a:schemeClr val="lt1"/>
+            </a:fontRef>
+          </p:style>
+          <p:txBody>
+            <a:bodyPr rtlCol="0" anchor="ctr"/>
+            <a:lstStyle/>
+            <a:p>
+              <a:pPr algn="ctr"/>
+              <a:endParaRPr lang="ko-KR" altLang="en-US"/>
+            </a:p>
+          </p:txBody>
+        </p:sp>
+        <p:cxnSp>
+          <p:nvCxnSpPr>
+            <p:cNvPr id="14" name="직선 연결선 13">
+              <a:extLst>
+                <a:ext uri="{FF2B5EF4-FFF2-40B4-BE49-F238E27FC236}">
+                  <a16:creationId xmlns:a16="http://schemas.microsoft.com/office/drawing/2014/main" id="{2C32116E-E292-43A0-8632-5D6351BB92C1}"/>
+                </a:ext>
+              </a:extLst>
+            </p:cNvPr>
+            <p:cNvCxnSpPr>
+              <a:cxnSpLocks/>
+            </p:cNvCxnSpPr>
+            <p:nvPr/>
+          </p:nvCxnSpPr>
+          <p:spPr>
+            <a:xfrm>
+              <a:off x="3457180" y="3868747"/>
+              <a:ext cx="3382159" cy="0"/>
+            </a:xfrm>
+            <a:prstGeom prst="line">
+              <a:avLst/>
+            </a:prstGeom>
+            <a:ln w="38100">
+              <a:solidFill>
+                <a:srgbClr val="FF0000"/>
+              </a:solidFill>
+            </a:ln>
+          </p:spPr>
+          <p:style>
+            <a:lnRef idx="1">
+              <a:schemeClr val="accent1"/>
+            </a:lnRef>
+            <a:fillRef idx="0">
+              <a:schemeClr val="accent1"/>
+            </a:fillRef>
+            <a:effectRef idx="0">
+              <a:schemeClr val="accent1"/>
+            </a:effectRef>
+            <a:fontRef idx="minor">
+              <a:schemeClr val="tx1"/>
+            </a:fontRef>
+          </p:style>
+        </p:cxnSp>
+        <p:cxnSp>
+          <p:nvCxnSpPr>
+            <p:cNvPr id="18" name="직선 연결선 17">
+              <a:extLst>
+                <a:ext uri="{FF2B5EF4-FFF2-40B4-BE49-F238E27FC236}">
+                  <a16:creationId xmlns:a16="http://schemas.microsoft.com/office/drawing/2014/main" id="{63CD777A-3B9B-4EB8-A8E1-2F27F865B542}"/>
+                </a:ext>
+              </a:extLst>
+            </p:cNvPr>
+            <p:cNvCxnSpPr>
+              <a:cxnSpLocks/>
+            </p:cNvCxnSpPr>
+            <p:nvPr/>
+          </p:nvCxnSpPr>
+          <p:spPr>
+            <a:xfrm flipH="1" flipV="1">
+              <a:off x="5868957" y="3890346"/>
+              <a:ext cx="1156994" cy="403509"/>
+            </a:xfrm>
+            <a:prstGeom prst="line">
+              <a:avLst/>
+            </a:prstGeom>
+            <a:ln w="38100">
+              <a:solidFill>
+                <a:srgbClr val="FF0000"/>
+              </a:solidFill>
+            </a:ln>
+          </p:spPr>
+          <p:style>
+            <a:lnRef idx="1">
+              <a:schemeClr val="accent1"/>
+            </a:lnRef>
+            <a:fillRef idx="0">
+              <a:schemeClr val="accent1"/>
+            </a:fillRef>
+            <a:effectRef idx="0">
+              <a:schemeClr val="accent1"/>
+            </a:effectRef>
+            <a:fontRef idx="minor">
+              <a:schemeClr val="tx1"/>
+            </a:fontRef>
+          </p:style>
+        </p:cxnSp>
+        <p:sp>
+          <p:nvSpPr>
+            <p:cNvPr id="20" name="TextBox 19">
+              <a:extLst>
+                <a:ext uri="{FF2B5EF4-FFF2-40B4-BE49-F238E27FC236}">
+                  <a16:creationId xmlns:a16="http://schemas.microsoft.com/office/drawing/2014/main" id="{249DCC0F-EEFD-49FD-B14F-F16ACCFBB122}"/>
+                </a:ext>
+              </a:extLst>
+            </p:cNvPr>
+            <p:cNvSpPr txBox="1"/>
+            <p:nvPr/>
+          </p:nvSpPr>
+          <p:spPr>
+            <a:xfrm flipH="1">
+              <a:off x="6820678" y="4123402"/>
+              <a:ext cx="4657872" cy="461665"/>
+            </a:xfrm>
+            <a:prstGeom prst="rect">
+              <a:avLst/>
+            </a:prstGeom>
+            <a:noFill/>
+          </p:spPr>
+          <p:txBody>
+            <a:bodyPr wrap="square" rtlCol="0">
+              <a:spAutoFit/>
+            </a:bodyPr>
+            <a:lstStyle/>
+            <a:p>
+              <a:pPr algn="ctr"/>
+              <a:r>
+                <a:rPr lang="en-US" altLang="ko-KR" sz="2400" b="1" dirty="0">
+                  <a:solidFill>
+                    <a:srgbClr val="FF0000"/>
+                  </a:solidFill>
+                </a:rPr>
+                <a:t>2. Google API Service Link</a:t>
+              </a:r>
+              <a:endParaRPr lang="ko-KR" altLang="en-US" sz="2400" b="1" dirty="0">
+                <a:solidFill>
+                  <a:srgbClr val="FF0000"/>
+                </a:solidFill>
+              </a:endParaRPr>
+            </a:p>
+          </p:txBody>
+        </p:sp>
+        <p:cxnSp>
+          <p:nvCxnSpPr>
+            <p:cNvPr id="21" name="직선 연결선 20">
+              <a:extLst>
+                <a:ext uri="{FF2B5EF4-FFF2-40B4-BE49-F238E27FC236}">
+                  <a16:creationId xmlns:a16="http://schemas.microsoft.com/office/drawing/2014/main" id="{2AF5EAA1-582F-468F-BEFC-1FA464380187}"/>
+                </a:ext>
+              </a:extLst>
+            </p:cNvPr>
+            <p:cNvCxnSpPr>
+              <a:cxnSpLocks/>
+            </p:cNvCxnSpPr>
+            <p:nvPr/>
+          </p:nvCxnSpPr>
+          <p:spPr>
+            <a:xfrm flipV="1">
+              <a:off x="3582954" y="4002834"/>
+              <a:ext cx="0" cy="671803"/>
+            </a:xfrm>
+            <a:prstGeom prst="line">
+              <a:avLst/>
+            </a:prstGeom>
+            <a:ln w="38100">
+              <a:solidFill>
+                <a:srgbClr val="FF0000"/>
+              </a:solidFill>
+            </a:ln>
+          </p:spPr>
+          <p:style>
+            <a:lnRef idx="1">
+              <a:schemeClr val="accent1"/>
+            </a:lnRef>
+            <a:fillRef idx="0">
+              <a:schemeClr val="accent1"/>
+            </a:fillRef>
+            <a:effectRef idx="0">
+              <a:schemeClr val="accent1"/>
+            </a:effectRef>
+            <a:fontRef idx="minor">
+              <a:schemeClr val="tx1"/>
+            </a:fontRef>
+          </p:style>
+        </p:cxnSp>
+        <p:sp>
+          <p:nvSpPr>
+            <p:cNvPr id="24" name="TextBox 23">
+              <a:extLst>
+                <a:ext uri="{FF2B5EF4-FFF2-40B4-BE49-F238E27FC236}">
+                  <a16:creationId xmlns:a16="http://schemas.microsoft.com/office/drawing/2014/main" id="{D41B2383-DAEE-4A89-9C31-A1D656021A68}"/>
+                </a:ext>
+              </a:extLst>
+            </p:cNvPr>
+            <p:cNvSpPr txBox="1"/>
+            <p:nvPr/>
+          </p:nvSpPr>
+          <p:spPr>
+            <a:xfrm flipH="1">
+              <a:off x="2244200" y="4683446"/>
+              <a:ext cx="6268956" cy="461665"/>
+            </a:xfrm>
+            <a:prstGeom prst="rect">
+              <a:avLst/>
+            </a:prstGeom>
+            <a:noFill/>
+          </p:spPr>
+          <p:txBody>
+            <a:bodyPr wrap="square" rtlCol="0">
+              <a:spAutoFit/>
+            </a:bodyPr>
+            <a:lstStyle/>
+            <a:p>
+              <a:pPr algn="ctr"/>
+              <a:r>
+                <a:rPr lang="en-US" altLang="ko-KR" sz="2400" b="1" dirty="0">
+                  <a:solidFill>
+                    <a:srgbClr val="FF0000"/>
+                  </a:solidFill>
+                </a:rPr>
+                <a:t>2. Limited Use </a:t>
+              </a:r>
+              <a:r>
+                <a:rPr lang="en-US" altLang="ko-KR" sz="2400" b="1" dirty="0" err="1">
+                  <a:solidFill>
+                    <a:srgbClr val="FF0000"/>
+                  </a:solidFill>
+                </a:rPr>
+                <a:t>Requirments</a:t>
+              </a:r>
+              <a:r>
+                <a:rPr lang="en-US" altLang="ko-KR" sz="2400" b="1" dirty="0">
+                  <a:solidFill>
+                    <a:srgbClr val="FF0000"/>
+                  </a:solidFill>
+                </a:rPr>
+                <a:t> disclosure</a:t>
+              </a:r>
+              <a:endParaRPr lang="ko-KR" altLang="en-US" sz="2400" b="1" dirty="0">
+                <a:solidFill>
+                  <a:srgbClr val="FF0000"/>
+                </a:solidFill>
+              </a:endParaRPr>
+            </a:p>
+          </p:txBody>
+        </p:sp>
+      </p:grpSp>
+    </p:spTree>
+    <p:extLst>
+      <p:ext uri="{BB962C8B-B14F-4D97-AF65-F5344CB8AC3E}">
+        <p14:creationId xmlns:p14="http://schemas.microsoft.com/office/powerpoint/2010/main" val="1056780587"/>
+      </p:ext>
+    </p:extLst>
+  </p:cSld>
+  <p:clrMapOvr>
+    <a:masterClrMapping/>
+  </p:clrMapOvr>
+</p:sld>
+</file>
+
+<file path=ppt/slides/slide9.xml><?xml version="1.0" encoding="utf-8"?>
+<p:sld xmlns:a="http://schemas.openxmlformats.org/drawingml/2006/main" xmlns:r="http://schemas.openxmlformats.org/officeDocument/2006/relationships" xmlns:p="http://schemas.openxmlformats.org/presentationml/2006/main">
+  <p:cSld>
+    <p:spTree>
+      <p:nvGrpSpPr>
+        <p:cNvPr id="1" name=""/>
+        <p:cNvGrpSpPr/>
+        <p:nvPr/>
+      </p:nvGrpSpPr>
+      <p:grpSpPr>
+        <a:xfrm>
+          <a:off x="0" y="0"/>
+          <a:ext cx="0" cy="0"/>
+          <a:chOff x="0" y="0"/>
+          <a:chExt cx="0" cy="0"/>
+        </a:xfrm>
+      </p:grpSpPr>
+      <p:cxnSp>
+        <p:nvCxnSpPr>
+          <p:cNvPr id="7" name="직선 연결선 6">
+            <a:extLst>
+              <a:ext uri="{FF2B5EF4-FFF2-40B4-BE49-F238E27FC236}">
+                <a16:creationId xmlns:a16="http://schemas.microsoft.com/office/drawing/2014/main" id="{23108282-1D62-485F-AB66-6D26B3C57821}"/>
+              </a:ext>
+            </a:extLst>
+          </p:cNvPr>
+          <p:cNvCxnSpPr>
+            <a:cxnSpLocks/>
+          </p:cNvCxnSpPr>
+          <p:nvPr/>
+        </p:nvCxnSpPr>
+        <p:spPr>
+          <a:xfrm>
+            <a:off x="774440" y="718458"/>
+            <a:ext cx="2183364" cy="0"/>
+          </a:xfrm>
+          <a:prstGeom prst="line">
+            <a:avLst/>
+          </a:prstGeom>
+          <a:ln w="38100">
+            <a:solidFill>
+              <a:srgbClr val="FF0000"/>
+            </a:solidFill>
+          </a:ln>
+        </p:spPr>
+        <p:style>
+          <a:lnRef idx="1">
+            <a:schemeClr val="accent1"/>
+          </a:lnRef>
+          <a:fillRef idx="0">
+            <a:schemeClr val="accent1"/>
+          </a:fillRef>
+          <a:effectRef idx="0">
+            <a:schemeClr val="accent1"/>
+          </a:effectRef>
+          <a:fontRef idx="minor">
+            <a:schemeClr val="tx1"/>
+          </a:fontRef>
+        </p:style>
+      </p:cxnSp>
+      <p:grpSp>
+        <p:nvGrpSpPr>
+          <p:cNvPr id="11" name="그룹 10">
+            <a:extLst>
+              <a:ext uri="{FF2B5EF4-FFF2-40B4-BE49-F238E27FC236}">
+                <a16:creationId xmlns:a16="http://schemas.microsoft.com/office/drawing/2014/main" id="{1D8DF944-5EA8-4069-889C-87244ABACC3E}"/>
+              </a:ext>
+            </a:extLst>
+          </p:cNvPr>
+          <p:cNvGrpSpPr/>
+          <p:nvPr/>
+        </p:nvGrpSpPr>
+        <p:grpSpPr>
+          <a:xfrm>
+            <a:off x="0" y="402180"/>
+            <a:ext cx="12192000" cy="6053640"/>
+            <a:chOff x="0" y="402180"/>
+            <a:chExt cx="12192000" cy="6053640"/>
+          </a:xfrm>
+        </p:grpSpPr>
+        <p:pic>
+          <p:nvPicPr>
+            <p:cNvPr id="5" name="그림 4">
+              <a:extLst>
+                <a:ext uri="{FF2B5EF4-FFF2-40B4-BE49-F238E27FC236}">
+                  <a16:creationId xmlns:a16="http://schemas.microsoft.com/office/drawing/2014/main" id="{F33C13C9-F611-48E8-87DE-388F29D4C5BB}"/>
+                </a:ext>
+              </a:extLst>
+            </p:cNvPr>
+            <p:cNvPicPr>
+              <a:picLocks noChangeAspect="1"/>
+            </p:cNvPicPr>
+            <p:nvPr/>
+          </p:nvPicPr>
+          <p:blipFill>
+            <a:blip r:embed="rId2"/>
+            <a:stretch>
+              <a:fillRect/>
+            </a:stretch>
+          </p:blipFill>
+          <p:spPr>
+            <a:xfrm>
+              <a:off x="0" y="402180"/>
+              <a:ext cx="12192000" cy="6053640"/>
+            </a:xfrm>
+            <a:prstGeom prst="rect">
+              <a:avLst/>
+            </a:prstGeom>
+          </p:spPr>
+        </p:pic>
+        <p:sp>
+          <p:nvSpPr>
+            <p:cNvPr id="9" name="TextBox 8">
+              <a:extLst>
+                <a:ext uri="{FF2B5EF4-FFF2-40B4-BE49-F238E27FC236}">
+                  <a16:creationId xmlns:a16="http://schemas.microsoft.com/office/drawing/2014/main" id="{FF808222-E517-4DD9-9ED1-68B604009057}"/>
+                </a:ext>
+              </a:extLst>
+            </p:cNvPr>
+            <p:cNvSpPr txBox="1"/>
+            <p:nvPr/>
+          </p:nvSpPr>
+          <p:spPr>
+            <a:xfrm flipH="1">
+              <a:off x="671785" y="803904"/>
+              <a:ext cx="3489668" cy="461665"/>
+            </a:xfrm>
+            <a:prstGeom prst="rect">
+              <a:avLst/>
+            </a:prstGeom>
+            <a:noFill/>
+          </p:spPr>
+          <p:txBody>
+            <a:bodyPr wrap="square" rtlCol="0">
+              <a:spAutoFit/>
+            </a:bodyPr>
+            <a:lstStyle/>
+            <a:p>
+              <a:pPr algn="ctr"/>
+              <a:r>
+                <a:rPr lang="en-US" altLang="ko-KR" sz="2400" b="1" dirty="0">
+                  <a:solidFill>
+                    <a:srgbClr val="FF0000"/>
+                  </a:solidFill>
+                </a:rPr>
+                <a:t>1. </a:t>
+              </a:r>
+              <a:r>
+                <a:rPr lang="en-US" altLang="ko-KR" sz="2400" b="1" dirty="0" err="1">
+                  <a:solidFill>
+                    <a:srgbClr val="FF0000"/>
+                  </a:solidFill>
+                </a:rPr>
+                <a:t>PrivacyPolicy</a:t>
+              </a:r>
+              <a:r>
+                <a:rPr lang="en-US" altLang="ko-KR" sz="2400" b="1" dirty="0">
+                  <a:solidFill>
+                    <a:srgbClr val="FF0000"/>
+                  </a:solidFill>
+                </a:rPr>
+                <a:t> Link</a:t>
+              </a:r>
+              <a:endParaRPr lang="ko-KR" altLang="en-US" sz="2400" b="1" dirty="0">
+                <a:solidFill>
+                  <a:srgbClr val="FF0000"/>
+                </a:solidFill>
+              </a:endParaRPr>
+            </a:p>
+          </p:txBody>
+        </p:sp>
+      </p:grpSp>
+    </p:spTree>
+    <p:extLst>
+      <p:ext uri="{BB962C8B-B14F-4D97-AF65-F5344CB8AC3E}">
+        <p14:creationId xmlns:p14="http://schemas.microsoft.com/office/powerpoint/2010/main" val="1458383510"/>
       </p:ext>
     </p:extLst>
   </p:cSld>

--- a/img/아이콘.pptx
+++ b/img/아이콘.pptx
@@ -263,7 +263,7 @@
           <a:p>
             <a:fld id="{77E60007-40F7-4D56-BEF0-9DFAA54773D8}" type="datetimeFigureOut">
               <a:rPr lang="ko-KR" altLang="en-US" smtClean="0"/>
-              <a:t>2023-07-27</a:t>
+              <a:t>2023-09-18</a:t>
             </a:fld>
             <a:endParaRPr lang="ko-KR" altLang="en-US"/>
           </a:p>
@@ -461,7 +461,7 @@
           <a:p>
             <a:fld id="{77E60007-40F7-4D56-BEF0-9DFAA54773D8}" type="datetimeFigureOut">
               <a:rPr lang="ko-KR" altLang="en-US" smtClean="0"/>
-              <a:t>2023-07-27</a:t>
+              <a:t>2023-09-18</a:t>
             </a:fld>
             <a:endParaRPr lang="ko-KR" altLang="en-US"/>
           </a:p>
@@ -669,7 +669,7 @@
           <a:p>
             <a:fld id="{77E60007-40F7-4D56-BEF0-9DFAA54773D8}" type="datetimeFigureOut">
               <a:rPr lang="ko-KR" altLang="en-US" smtClean="0"/>
-              <a:t>2023-07-27</a:t>
+              <a:t>2023-09-18</a:t>
             </a:fld>
             <a:endParaRPr lang="ko-KR" altLang="en-US"/>
           </a:p>
@@ -867,7 +867,7 @@
           <a:p>
             <a:fld id="{77E60007-40F7-4D56-BEF0-9DFAA54773D8}" type="datetimeFigureOut">
               <a:rPr lang="ko-KR" altLang="en-US" smtClean="0"/>
-              <a:t>2023-07-27</a:t>
+              <a:t>2023-09-18</a:t>
             </a:fld>
             <a:endParaRPr lang="ko-KR" altLang="en-US"/>
           </a:p>
@@ -1142,7 +1142,7 @@
           <a:p>
             <a:fld id="{77E60007-40F7-4D56-BEF0-9DFAA54773D8}" type="datetimeFigureOut">
               <a:rPr lang="ko-KR" altLang="en-US" smtClean="0"/>
-              <a:t>2023-07-27</a:t>
+              <a:t>2023-09-18</a:t>
             </a:fld>
             <a:endParaRPr lang="ko-KR" altLang="en-US"/>
           </a:p>
@@ -1407,7 +1407,7 @@
           <a:p>
             <a:fld id="{77E60007-40F7-4D56-BEF0-9DFAA54773D8}" type="datetimeFigureOut">
               <a:rPr lang="ko-KR" altLang="en-US" smtClean="0"/>
-              <a:t>2023-07-27</a:t>
+              <a:t>2023-09-18</a:t>
             </a:fld>
             <a:endParaRPr lang="ko-KR" altLang="en-US"/>
           </a:p>
@@ -1819,7 +1819,7 @@
           <a:p>
             <a:fld id="{77E60007-40F7-4D56-BEF0-9DFAA54773D8}" type="datetimeFigureOut">
               <a:rPr lang="ko-KR" altLang="en-US" smtClean="0"/>
-              <a:t>2023-07-27</a:t>
+              <a:t>2023-09-18</a:t>
             </a:fld>
             <a:endParaRPr lang="ko-KR" altLang="en-US"/>
           </a:p>
@@ -1960,7 +1960,7 @@
           <a:p>
             <a:fld id="{77E60007-40F7-4D56-BEF0-9DFAA54773D8}" type="datetimeFigureOut">
               <a:rPr lang="ko-KR" altLang="en-US" smtClean="0"/>
-              <a:t>2023-07-27</a:t>
+              <a:t>2023-09-18</a:t>
             </a:fld>
             <a:endParaRPr lang="ko-KR" altLang="en-US"/>
           </a:p>
@@ -2073,7 +2073,7 @@
           <a:p>
             <a:fld id="{77E60007-40F7-4D56-BEF0-9DFAA54773D8}" type="datetimeFigureOut">
               <a:rPr lang="ko-KR" altLang="en-US" smtClean="0"/>
-              <a:t>2023-07-27</a:t>
+              <a:t>2023-09-18</a:t>
             </a:fld>
             <a:endParaRPr lang="ko-KR" altLang="en-US"/>
           </a:p>
@@ -2384,7 +2384,7 @@
           <a:p>
             <a:fld id="{77E60007-40F7-4D56-BEF0-9DFAA54773D8}" type="datetimeFigureOut">
               <a:rPr lang="ko-KR" altLang="en-US" smtClean="0"/>
-              <a:t>2023-07-27</a:t>
+              <a:t>2023-09-18</a:t>
             </a:fld>
             <a:endParaRPr lang="ko-KR" altLang="en-US"/>
           </a:p>
@@ -2672,7 +2672,7 @@
           <a:p>
             <a:fld id="{77E60007-40F7-4D56-BEF0-9DFAA54773D8}" type="datetimeFigureOut">
               <a:rPr lang="ko-KR" altLang="en-US" smtClean="0"/>
-              <a:t>2023-07-27</a:t>
+              <a:t>2023-09-18</a:t>
             </a:fld>
             <a:endParaRPr lang="ko-KR" altLang="en-US"/>
           </a:p>
@@ -2913,7 +2913,7 @@
           <a:p>
             <a:fld id="{77E60007-40F7-4D56-BEF0-9DFAA54773D8}" type="datetimeFigureOut">
               <a:rPr lang="ko-KR" altLang="en-US" smtClean="0"/>
-              <a:t>2023-07-27</a:t>
+              <a:t>2023-09-18</a:t>
             </a:fld>
             <a:endParaRPr lang="ko-KR" altLang="en-US"/>
           </a:p>
@@ -27447,8 +27447,8 @@
             </a:p>
           </p:txBody>
         </p:sp>
-        <mc:AlternateContent xmlns:mc="http://schemas.openxmlformats.org/markup-compatibility/2006" xmlns:a14="http://schemas.microsoft.com/office/drawing/2010/main">
-          <mc:Choice Requires="a14">
+        <mc:AlternateContent xmlns:mc="http://schemas.openxmlformats.org/markup-compatibility/2006">
+          <mc:Choice xmlns:a14="http://schemas.microsoft.com/office/drawing/2010/main" Requires="a14">
             <p:sp>
               <p:nvSpPr>
                 <p:cNvPr id="179" name="TextBox 178">
@@ -27505,7 +27505,7 @@
               </p:txBody>
             </p:sp>
           </mc:Choice>
-          <mc:Fallback xmlns="">
+          <mc:Fallback>
             <p:sp>
               <p:nvSpPr>
                 <p:cNvPr id="179" name="TextBox 178">
@@ -27550,8 +27550,8 @@
             </p:sp>
           </mc:Fallback>
         </mc:AlternateContent>
-        <mc:AlternateContent xmlns:mc="http://schemas.openxmlformats.org/markup-compatibility/2006" xmlns:a14="http://schemas.microsoft.com/office/drawing/2010/main">
-          <mc:Choice Requires="a14">
+        <mc:AlternateContent xmlns:mc="http://schemas.openxmlformats.org/markup-compatibility/2006">
+          <mc:Choice xmlns:a14="http://schemas.microsoft.com/office/drawing/2010/main" Requires="a14">
             <p:sp>
               <p:nvSpPr>
                 <p:cNvPr id="180" name="TextBox 179">
@@ -27608,7 +27608,7 @@
               </p:txBody>
             </p:sp>
           </mc:Choice>
-          <mc:Fallback xmlns="">
+          <mc:Fallback>
             <p:sp>
               <p:nvSpPr>
                 <p:cNvPr id="180" name="TextBox 179">
@@ -30784,6 +30784,4263 @@
           </a:extLst>
         </p:spPr>
       </p:pic>
+      <p:sp>
+        <p:nvSpPr>
+          <p:cNvPr id="118" name="직사각형 117">
+            <a:extLst>
+              <a:ext uri="{FF2B5EF4-FFF2-40B4-BE49-F238E27FC236}">
+                <a16:creationId xmlns:a16="http://schemas.microsoft.com/office/drawing/2014/main" id="{FD49F257-CF95-4150-AA4B-5C5EABA12F71}"/>
+              </a:ext>
+            </a:extLst>
+          </p:cNvPr>
+          <p:cNvSpPr/>
+          <p:nvPr/>
+        </p:nvSpPr>
+        <p:spPr>
+          <a:xfrm>
+            <a:off x="6638893" y="4725190"/>
+            <a:ext cx="2095500" cy="1333500"/>
+          </a:xfrm>
+          <a:prstGeom prst="rect">
+            <a:avLst/>
+          </a:prstGeom>
+          <a:noFill/>
+          <a:ln>
+            <a:noFill/>
+          </a:ln>
+        </p:spPr>
+        <p:style>
+          <a:lnRef idx="2">
+            <a:schemeClr val="accent1">
+              <a:shade val="50000"/>
+            </a:schemeClr>
+          </a:lnRef>
+          <a:fillRef idx="1">
+            <a:schemeClr val="accent1"/>
+          </a:fillRef>
+          <a:effectRef idx="0">
+            <a:schemeClr val="accent1"/>
+          </a:effectRef>
+          <a:fontRef idx="minor">
+            <a:schemeClr val="lt1"/>
+          </a:fontRef>
+        </p:style>
+        <p:txBody>
+          <a:bodyPr rtlCol="0" anchor="ctr"/>
+          <a:lstStyle/>
+          <a:p>
+            <a:pPr algn="ctr"/>
+            <a:endParaRPr lang="ko-KR" altLang="en-US"/>
+          </a:p>
+        </p:txBody>
+      </p:sp>
+      <p:pic>
+        <p:nvPicPr>
+          <p:cNvPr id="119" name="그래픽 118" descr="아령">
+            <a:extLst>
+              <a:ext uri="{FF2B5EF4-FFF2-40B4-BE49-F238E27FC236}">
+                <a16:creationId xmlns:a16="http://schemas.microsoft.com/office/drawing/2014/main" id="{85414809-E0EA-4012-B922-F7491964F1D8}"/>
+              </a:ext>
+            </a:extLst>
+          </p:cNvPr>
+          <p:cNvPicPr>
+            <a:picLocks noChangeAspect="1"/>
+          </p:cNvPicPr>
+          <p:nvPr/>
+        </p:nvPicPr>
+        <p:blipFill>
+          <a:blip r:embed="rId4">
+            <a:extLst>
+              <a:ext uri="{28A0092B-C50C-407E-A947-70E740481C1C}">
+                <a14:useLocalDpi xmlns:a14="http://schemas.microsoft.com/office/drawing/2010/main" val="0"/>
+              </a:ext>
+              <a:ext uri="{96DAC541-7B7A-43D3-8B79-37D633B846F1}">
+                <asvg:svgBlip xmlns:asvg="http://schemas.microsoft.com/office/drawing/2016/SVG/main" r:embed="rId5"/>
+              </a:ext>
+            </a:extLst>
+          </a:blip>
+          <a:stretch>
+            <a:fillRect/>
+          </a:stretch>
+        </p:blipFill>
+        <p:spPr>
+          <a:xfrm rot="21388885">
+            <a:off x="8271604" y="5349667"/>
+            <a:ext cx="297891" cy="297891"/>
+          </a:xfrm>
+          <a:prstGeom prst="rect">
+            <a:avLst/>
+          </a:prstGeom>
+        </p:spPr>
+      </p:pic>
+      <p:grpSp>
+        <p:nvGrpSpPr>
+          <p:cNvPr id="139" name="그룹 138">
+            <a:extLst>
+              <a:ext uri="{FF2B5EF4-FFF2-40B4-BE49-F238E27FC236}">
+                <a16:creationId xmlns:a16="http://schemas.microsoft.com/office/drawing/2014/main" id="{9A428B21-C94F-4EBD-B3F4-3494F3404A45}"/>
+              </a:ext>
+            </a:extLst>
+          </p:cNvPr>
+          <p:cNvGrpSpPr/>
+          <p:nvPr/>
+        </p:nvGrpSpPr>
+        <p:grpSpPr>
+          <a:xfrm rot="21491552">
+            <a:off x="4750639" y="2633092"/>
+            <a:ext cx="307830" cy="340945"/>
+            <a:chOff x="6273945" y="1609828"/>
+            <a:chExt cx="792770" cy="878053"/>
+          </a:xfrm>
+        </p:grpSpPr>
+        <p:pic>
+          <p:nvPicPr>
+            <p:cNvPr id="209" name="그래픽 208" descr="지구 한글 및 오스트레일리아">
+              <a:extLst>
+                <a:ext uri="{FF2B5EF4-FFF2-40B4-BE49-F238E27FC236}">
+                  <a16:creationId xmlns:a16="http://schemas.microsoft.com/office/drawing/2014/main" id="{FBFBEA66-1E0B-4C14-B1AA-69669D41FD04}"/>
+                </a:ext>
+              </a:extLst>
+            </p:cNvPr>
+            <p:cNvPicPr>
+              <a:picLocks noChangeAspect="1"/>
+            </p:cNvPicPr>
+            <p:nvPr/>
+          </p:nvPicPr>
+          <p:blipFill>
+            <a:blip r:embed="rId6">
+              <a:extLst>
+                <a:ext uri="{28A0092B-C50C-407E-A947-70E740481C1C}">
+                  <a14:useLocalDpi xmlns:a14="http://schemas.microsoft.com/office/drawing/2010/main" val="0"/>
+                </a:ext>
+                <a:ext uri="{96DAC541-7B7A-43D3-8B79-37D633B846F1}">
+                  <asvg:svgBlip xmlns:asvg="http://schemas.microsoft.com/office/drawing/2016/SVG/main" r:embed="rId7"/>
+                </a:ext>
+              </a:extLst>
+            </a:blip>
+            <a:stretch>
+              <a:fillRect/>
+            </a:stretch>
+          </p:blipFill>
+          <p:spPr>
+            <a:xfrm>
+              <a:off x="6273945" y="1609828"/>
+              <a:ext cx="792770" cy="792768"/>
+            </a:xfrm>
+            <a:prstGeom prst="rect">
+              <a:avLst/>
+            </a:prstGeom>
+          </p:spPr>
+        </p:pic>
+        <p:sp>
+          <p:nvSpPr>
+            <p:cNvPr id="220" name="자유형: 도형 219">
+              <a:extLst>
+                <a:ext uri="{FF2B5EF4-FFF2-40B4-BE49-F238E27FC236}">
+                  <a16:creationId xmlns:a16="http://schemas.microsoft.com/office/drawing/2014/main" id="{C1CB9D57-A06A-441F-BF06-CCD93E2E7568}"/>
+                </a:ext>
+              </a:extLst>
+            </p:cNvPr>
+            <p:cNvSpPr/>
+            <p:nvPr/>
+          </p:nvSpPr>
+          <p:spPr>
+            <a:xfrm>
+              <a:off x="6447590" y="1640156"/>
+              <a:ext cx="619125" cy="847725"/>
+            </a:xfrm>
+            <a:custGeom>
+              <a:avLst/>
+              <a:gdLst>
+                <a:gd name="connsiteX0" fmla="*/ 585311 w 619125"/>
+                <a:gd name="connsiteY0" fmla="*/ 212884 h 847725"/>
+                <a:gd name="connsiteX1" fmla="*/ 373856 w 619125"/>
+                <a:gd name="connsiteY1" fmla="*/ 7144 h 847725"/>
+                <a:gd name="connsiteX2" fmla="*/ 359569 w 619125"/>
+                <a:gd name="connsiteY2" fmla="*/ 42386 h 847725"/>
+                <a:gd name="connsiteX3" fmla="*/ 550069 w 619125"/>
+                <a:gd name="connsiteY3" fmla="*/ 228124 h 847725"/>
+                <a:gd name="connsiteX4" fmla="*/ 553879 w 619125"/>
+                <a:gd name="connsiteY4" fmla="*/ 493871 h 847725"/>
+                <a:gd name="connsiteX5" fmla="*/ 368141 w 619125"/>
+                <a:gd name="connsiteY5" fmla="*/ 684371 h 847725"/>
+                <a:gd name="connsiteX6" fmla="*/ 102394 w 619125"/>
+                <a:gd name="connsiteY6" fmla="*/ 688181 h 847725"/>
+                <a:gd name="connsiteX7" fmla="*/ 88106 w 619125"/>
+                <a:gd name="connsiteY7" fmla="*/ 723424 h 847725"/>
+                <a:gd name="connsiteX8" fmla="*/ 197644 w 619125"/>
+                <a:gd name="connsiteY8" fmla="*/ 749141 h 847725"/>
+                <a:gd name="connsiteX9" fmla="*/ 197644 w 619125"/>
+                <a:gd name="connsiteY9" fmla="*/ 786289 h 847725"/>
+                <a:gd name="connsiteX10" fmla="*/ 7144 w 619125"/>
+                <a:gd name="connsiteY10" fmla="*/ 786289 h 847725"/>
+                <a:gd name="connsiteX11" fmla="*/ 7144 w 619125"/>
+                <a:gd name="connsiteY11" fmla="*/ 843439 h 847725"/>
+                <a:gd name="connsiteX12" fmla="*/ 464344 w 619125"/>
+                <a:gd name="connsiteY12" fmla="*/ 843439 h 847725"/>
+                <a:gd name="connsiteX13" fmla="*/ 464344 w 619125"/>
+                <a:gd name="connsiteY13" fmla="*/ 786289 h 847725"/>
+                <a:gd name="connsiteX14" fmla="*/ 273844 w 619125"/>
+                <a:gd name="connsiteY14" fmla="*/ 786289 h 847725"/>
+                <a:gd name="connsiteX15" fmla="*/ 273844 w 619125"/>
+                <a:gd name="connsiteY15" fmla="*/ 748189 h 847725"/>
+                <a:gd name="connsiteX16" fmla="*/ 383381 w 619125"/>
+                <a:gd name="connsiteY16" fmla="*/ 719614 h 847725"/>
+                <a:gd name="connsiteX17" fmla="*/ 589121 w 619125"/>
+                <a:gd name="connsiteY17" fmla="*/ 508159 h 847725"/>
+                <a:gd name="connsiteX18" fmla="*/ 585311 w 619125"/>
+                <a:gd name="connsiteY18" fmla="*/ 212884 h 847725"/>
+              </a:gdLst>
+              <a:ahLst/>
+              <a:cxnLst>
+                <a:cxn ang="0">
+                  <a:pos x="connsiteX0" y="connsiteY0"/>
+                </a:cxn>
+                <a:cxn ang="0">
+                  <a:pos x="connsiteX1" y="connsiteY1"/>
+                </a:cxn>
+                <a:cxn ang="0">
+                  <a:pos x="connsiteX2" y="connsiteY2"/>
+                </a:cxn>
+                <a:cxn ang="0">
+                  <a:pos x="connsiteX3" y="connsiteY3"/>
+                </a:cxn>
+                <a:cxn ang="0">
+                  <a:pos x="connsiteX4" y="connsiteY4"/>
+                </a:cxn>
+                <a:cxn ang="0">
+                  <a:pos x="connsiteX5" y="connsiteY5"/>
+                </a:cxn>
+                <a:cxn ang="0">
+                  <a:pos x="connsiteX6" y="connsiteY6"/>
+                </a:cxn>
+                <a:cxn ang="0">
+                  <a:pos x="connsiteX7" y="connsiteY7"/>
+                </a:cxn>
+                <a:cxn ang="0">
+                  <a:pos x="connsiteX8" y="connsiteY8"/>
+                </a:cxn>
+                <a:cxn ang="0">
+                  <a:pos x="connsiteX9" y="connsiteY9"/>
+                </a:cxn>
+                <a:cxn ang="0">
+                  <a:pos x="connsiteX10" y="connsiteY10"/>
+                </a:cxn>
+                <a:cxn ang="0">
+                  <a:pos x="connsiteX11" y="connsiteY11"/>
+                </a:cxn>
+                <a:cxn ang="0">
+                  <a:pos x="connsiteX12" y="connsiteY12"/>
+                </a:cxn>
+                <a:cxn ang="0">
+                  <a:pos x="connsiteX13" y="connsiteY13"/>
+                </a:cxn>
+                <a:cxn ang="0">
+                  <a:pos x="connsiteX14" y="connsiteY14"/>
+                </a:cxn>
+                <a:cxn ang="0">
+                  <a:pos x="connsiteX15" y="connsiteY15"/>
+                </a:cxn>
+                <a:cxn ang="0">
+                  <a:pos x="connsiteX16" y="connsiteY16"/>
+                </a:cxn>
+                <a:cxn ang="0">
+                  <a:pos x="connsiteX17" y="connsiteY17"/>
+                </a:cxn>
+                <a:cxn ang="0">
+                  <a:pos x="connsiteX18" y="connsiteY18"/>
+                </a:cxn>
+              </a:cxnLst>
+              <a:rect l="l" t="t" r="r" b="b"/>
+              <a:pathLst>
+                <a:path w="619125" h="847725">
+                  <a:moveTo>
+                    <a:pt x="585311" y="212884"/>
+                  </a:moveTo>
+                  <a:cubicBezTo>
+                    <a:pt x="544354" y="118586"/>
+                    <a:pt x="470059" y="45244"/>
+                    <a:pt x="373856" y="7144"/>
+                  </a:cubicBezTo>
+                  <a:lnTo>
+                    <a:pt x="359569" y="42386"/>
+                  </a:lnTo>
+                  <a:cubicBezTo>
+                    <a:pt x="445294" y="76676"/>
+                    <a:pt x="512921" y="142399"/>
+                    <a:pt x="550069" y="228124"/>
+                  </a:cubicBezTo>
+                  <a:cubicBezTo>
+                    <a:pt x="586264" y="313849"/>
+                    <a:pt x="588169" y="408146"/>
+                    <a:pt x="553879" y="493871"/>
+                  </a:cubicBezTo>
+                  <a:cubicBezTo>
+                    <a:pt x="519589" y="579596"/>
+                    <a:pt x="453866" y="647224"/>
+                    <a:pt x="368141" y="684371"/>
+                  </a:cubicBezTo>
+                  <a:cubicBezTo>
+                    <a:pt x="282416" y="720566"/>
+                    <a:pt x="188119" y="722471"/>
+                    <a:pt x="102394" y="688181"/>
+                  </a:cubicBezTo>
+                  <a:lnTo>
+                    <a:pt x="88106" y="723424"/>
+                  </a:lnTo>
+                  <a:cubicBezTo>
+                    <a:pt x="123349" y="737711"/>
+                    <a:pt x="160496" y="746284"/>
+                    <a:pt x="197644" y="749141"/>
+                  </a:cubicBezTo>
+                  <a:lnTo>
+                    <a:pt x="197644" y="786289"/>
+                  </a:lnTo>
+                  <a:lnTo>
+                    <a:pt x="7144" y="786289"/>
+                  </a:lnTo>
+                  <a:lnTo>
+                    <a:pt x="7144" y="843439"/>
+                  </a:lnTo>
+                  <a:lnTo>
+                    <a:pt x="464344" y="843439"/>
+                  </a:lnTo>
+                  <a:lnTo>
+                    <a:pt x="464344" y="786289"/>
+                  </a:lnTo>
+                  <a:lnTo>
+                    <a:pt x="273844" y="786289"/>
+                  </a:lnTo>
+                  <a:lnTo>
+                    <a:pt x="273844" y="748189"/>
+                  </a:lnTo>
+                  <a:cubicBezTo>
+                    <a:pt x="310991" y="744379"/>
+                    <a:pt x="347186" y="733901"/>
+                    <a:pt x="383381" y="719614"/>
+                  </a:cubicBezTo>
+                  <a:cubicBezTo>
+                    <a:pt x="478631" y="678656"/>
+                    <a:pt x="551021" y="604361"/>
+                    <a:pt x="589121" y="508159"/>
+                  </a:cubicBezTo>
+                  <a:cubicBezTo>
+                    <a:pt x="627221" y="411956"/>
+                    <a:pt x="626269" y="308134"/>
+                    <a:pt x="585311" y="212884"/>
+                  </a:cubicBezTo>
+                  <a:close/>
+                </a:path>
+              </a:pathLst>
+            </a:custGeom>
+            <a:solidFill>
+              <a:srgbClr val="000000"/>
+            </a:solidFill>
+            <a:ln w="9525" cap="flat">
+              <a:noFill/>
+              <a:prstDash val="solid"/>
+              <a:miter/>
+            </a:ln>
+          </p:spPr>
+          <p:txBody>
+            <a:bodyPr rtlCol="0" anchor="ctr"/>
+            <a:lstStyle/>
+            <a:p>
+              <a:endParaRPr lang="ko-KR" altLang="en-US"/>
+            </a:p>
+          </p:txBody>
+        </p:sp>
+        <p:cxnSp>
+          <p:nvCxnSpPr>
+            <p:cNvPr id="236" name="직선 연결선 235">
+              <a:extLst>
+                <a:ext uri="{FF2B5EF4-FFF2-40B4-BE49-F238E27FC236}">
+                  <a16:creationId xmlns:a16="http://schemas.microsoft.com/office/drawing/2014/main" id="{0586514D-D486-4817-9634-31DAB8C6658E}"/>
+                </a:ext>
+              </a:extLst>
+            </p:cNvPr>
+            <p:cNvCxnSpPr>
+              <a:stCxn id="220" idx="1"/>
+            </p:cNvCxnSpPr>
+            <p:nvPr/>
+          </p:nvCxnSpPr>
+          <p:spPr>
+            <a:xfrm flipH="1">
+              <a:off x="6791325" y="1647300"/>
+              <a:ext cx="30121" cy="71963"/>
+            </a:xfrm>
+            <a:prstGeom prst="line">
+              <a:avLst/>
+            </a:prstGeom>
+            <a:ln w="25400">
+              <a:solidFill>
+                <a:schemeClr val="tx1"/>
+              </a:solidFill>
+            </a:ln>
+          </p:spPr>
+          <p:style>
+            <a:lnRef idx="1">
+              <a:schemeClr val="accent1"/>
+            </a:lnRef>
+            <a:fillRef idx="0">
+              <a:schemeClr val="accent1"/>
+            </a:fillRef>
+            <a:effectRef idx="0">
+              <a:schemeClr val="accent1"/>
+            </a:effectRef>
+            <a:fontRef idx="minor">
+              <a:schemeClr val="tx1"/>
+            </a:fontRef>
+          </p:style>
+        </p:cxnSp>
+        <p:cxnSp>
+          <p:nvCxnSpPr>
+            <p:cNvPr id="237" name="직선 연결선 236">
+              <a:extLst>
+                <a:ext uri="{FF2B5EF4-FFF2-40B4-BE49-F238E27FC236}">
+                  <a16:creationId xmlns:a16="http://schemas.microsoft.com/office/drawing/2014/main" id="{EA2C860F-AB56-4215-B349-9105995123E7}"/>
+                </a:ext>
+              </a:extLst>
+            </p:cNvPr>
+            <p:cNvCxnSpPr/>
+            <p:nvPr/>
+          </p:nvCxnSpPr>
+          <p:spPr>
+            <a:xfrm flipH="1">
+              <a:off x="6538912" y="2285475"/>
+              <a:ext cx="30121" cy="71963"/>
+            </a:xfrm>
+            <a:prstGeom prst="line">
+              <a:avLst/>
+            </a:prstGeom>
+            <a:ln w="25400">
+              <a:solidFill>
+                <a:schemeClr val="tx1"/>
+              </a:solidFill>
+            </a:ln>
+          </p:spPr>
+          <p:style>
+            <a:lnRef idx="1">
+              <a:schemeClr val="accent1"/>
+            </a:lnRef>
+            <a:fillRef idx="0">
+              <a:schemeClr val="accent1"/>
+            </a:fillRef>
+            <a:effectRef idx="0">
+              <a:schemeClr val="accent1"/>
+            </a:effectRef>
+            <a:fontRef idx="minor">
+              <a:schemeClr val="tx1"/>
+            </a:fontRef>
+          </p:style>
+        </p:cxnSp>
+      </p:grpSp>
+      <p:grpSp>
+        <p:nvGrpSpPr>
+          <p:cNvPr id="141" name="그룹 140">
+            <a:extLst>
+              <a:ext uri="{FF2B5EF4-FFF2-40B4-BE49-F238E27FC236}">
+                <a16:creationId xmlns:a16="http://schemas.microsoft.com/office/drawing/2014/main" id="{863AAC93-9392-4C2D-9A59-FA56B5845E14}"/>
+              </a:ext>
+            </a:extLst>
+          </p:cNvPr>
+          <p:cNvGrpSpPr/>
+          <p:nvPr/>
+        </p:nvGrpSpPr>
+        <p:grpSpPr>
+          <a:xfrm rot="21100391">
+            <a:off x="6750336" y="5306715"/>
+            <a:ext cx="360254" cy="350265"/>
+            <a:chOff x="6890439" y="1707493"/>
+            <a:chExt cx="439049" cy="426875"/>
+          </a:xfrm>
+        </p:grpSpPr>
+        <p:sp>
+          <p:nvSpPr>
+            <p:cNvPr id="175" name="그래픽 34" descr="팔레트">
+              <a:extLst>
+                <a:ext uri="{FF2B5EF4-FFF2-40B4-BE49-F238E27FC236}">
+                  <a16:creationId xmlns:a16="http://schemas.microsoft.com/office/drawing/2014/main" id="{49BC62C2-A3C1-4CA2-9066-6A25BF14E2F3}"/>
+                </a:ext>
+              </a:extLst>
+            </p:cNvPr>
+            <p:cNvSpPr/>
+            <p:nvPr/>
+          </p:nvSpPr>
+          <p:spPr>
+            <a:xfrm>
+              <a:off x="7005839" y="1907813"/>
+              <a:ext cx="323649" cy="226555"/>
+            </a:xfrm>
+            <a:custGeom>
+              <a:avLst/>
+              <a:gdLst>
+                <a:gd name="connsiteX0" fmla="*/ 168737 w 192326"/>
+                <a:gd name="connsiteY0" fmla="*/ 74977 h 134628"/>
+                <a:gd name="connsiteX1" fmla="*/ 156716 w 192326"/>
+                <a:gd name="connsiteY1" fmla="*/ 66563 h 134628"/>
+                <a:gd name="connsiteX2" fmla="*/ 168737 w 192326"/>
+                <a:gd name="connsiteY2" fmla="*/ 58149 h 134628"/>
+                <a:gd name="connsiteX3" fmla="*/ 180757 w 192326"/>
+                <a:gd name="connsiteY3" fmla="*/ 66563 h 134628"/>
+                <a:gd name="connsiteX4" fmla="*/ 168737 w 192326"/>
+                <a:gd name="connsiteY4" fmla="*/ 74977 h 134628"/>
+                <a:gd name="connsiteX5" fmla="*/ 156716 w 192326"/>
+                <a:gd name="connsiteY5" fmla="*/ 101422 h 134628"/>
+                <a:gd name="connsiteX6" fmla="*/ 144696 w 192326"/>
+                <a:gd name="connsiteY6" fmla="*/ 93008 h 134628"/>
+                <a:gd name="connsiteX7" fmla="*/ 156716 w 192326"/>
+                <a:gd name="connsiteY7" fmla="*/ 84594 h 134628"/>
+                <a:gd name="connsiteX8" fmla="*/ 168737 w 192326"/>
+                <a:gd name="connsiteY8" fmla="*/ 93008 h 134628"/>
+                <a:gd name="connsiteX9" fmla="*/ 156716 w 192326"/>
+                <a:gd name="connsiteY9" fmla="*/ 101422 h 134628"/>
+                <a:gd name="connsiteX10" fmla="*/ 130271 w 192326"/>
+                <a:gd name="connsiteY10" fmla="*/ 34108 h 134628"/>
+                <a:gd name="connsiteX11" fmla="*/ 118251 w 192326"/>
+                <a:gd name="connsiteY11" fmla="*/ 25694 h 134628"/>
+                <a:gd name="connsiteX12" fmla="*/ 130271 w 192326"/>
+                <a:gd name="connsiteY12" fmla="*/ 17279 h 134628"/>
+                <a:gd name="connsiteX13" fmla="*/ 142292 w 192326"/>
+                <a:gd name="connsiteY13" fmla="*/ 25694 h 134628"/>
+                <a:gd name="connsiteX14" fmla="*/ 130271 w 192326"/>
+                <a:gd name="connsiteY14" fmla="*/ 34108 h 134628"/>
+                <a:gd name="connsiteX15" fmla="*/ 130271 w 192326"/>
+                <a:gd name="connsiteY15" fmla="*/ 115847 h 134628"/>
+                <a:gd name="connsiteX16" fmla="*/ 118251 w 192326"/>
+                <a:gd name="connsiteY16" fmla="*/ 107432 h 134628"/>
+                <a:gd name="connsiteX17" fmla="*/ 130271 w 192326"/>
+                <a:gd name="connsiteY17" fmla="*/ 99018 h 134628"/>
+                <a:gd name="connsiteX18" fmla="*/ 142292 w 192326"/>
+                <a:gd name="connsiteY18" fmla="*/ 107432 h 134628"/>
+                <a:gd name="connsiteX19" fmla="*/ 130271 w 192326"/>
+                <a:gd name="connsiteY19" fmla="*/ 115847 h 134628"/>
+                <a:gd name="connsiteX20" fmla="*/ 96614 w 192326"/>
+                <a:gd name="connsiteY20" fmla="*/ 123059 h 134628"/>
+                <a:gd name="connsiteX21" fmla="*/ 84594 w 192326"/>
+                <a:gd name="connsiteY21" fmla="*/ 114645 h 134628"/>
+                <a:gd name="connsiteX22" fmla="*/ 96614 w 192326"/>
+                <a:gd name="connsiteY22" fmla="*/ 106230 h 134628"/>
+                <a:gd name="connsiteX23" fmla="*/ 108635 w 192326"/>
+                <a:gd name="connsiteY23" fmla="*/ 114645 h 134628"/>
+                <a:gd name="connsiteX24" fmla="*/ 96614 w 192326"/>
+                <a:gd name="connsiteY24" fmla="*/ 123059 h 134628"/>
+                <a:gd name="connsiteX25" fmla="*/ 83632 w 192326"/>
+                <a:gd name="connsiteY25" fmla="*/ 25934 h 134628"/>
+                <a:gd name="connsiteX26" fmla="*/ 95172 w 192326"/>
+                <a:gd name="connsiteY26" fmla="*/ 24011 h 134628"/>
+                <a:gd name="connsiteX27" fmla="*/ 93248 w 192326"/>
+                <a:gd name="connsiteY27" fmla="*/ 35550 h 134628"/>
+                <a:gd name="connsiteX28" fmla="*/ 81709 w 192326"/>
+                <a:gd name="connsiteY28" fmla="*/ 37474 h 134628"/>
+                <a:gd name="connsiteX29" fmla="*/ 83632 w 192326"/>
+                <a:gd name="connsiteY29" fmla="*/ 25934 h 134628"/>
+                <a:gd name="connsiteX30" fmla="*/ 62957 w 192326"/>
+                <a:gd name="connsiteY30" fmla="*/ 118251 h 134628"/>
+                <a:gd name="connsiteX31" fmla="*/ 50937 w 192326"/>
+                <a:gd name="connsiteY31" fmla="*/ 109837 h 134628"/>
+                <a:gd name="connsiteX32" fmla="*/ 62957 w 192326"/>
+                <a:gd name="connsiteY32" fmla="*/ 101422 h 134628"/>
+                <a:gd name="connsiteX33" fmla="*/ 74977 w 192326"/>
+                <a:gd name="connsiteY33" fmla="*/ 109837 h 134628"/>
+                <a:gd name="connsiteX34" fmla="*/ 62957 w 192326"/>
+                <a:gd name="connsiteY34" fmla="*/ 118251 h 134628"/>
+                <a:gd name="connsiteX35" fmla="*/ 156716 w 192326"/>
+                <a:gd name="connsiteY35" fmla="*/ 34108 h 134628"/>
+                <a:gd name="connsiteX36" fmla="*/ 168737 w 192326"/>
+                <a:gd name="connsiteY36" fmla="*/ 42522 h 134628"/>
+                <a:gd name="connsiteX37" fmla="*/ 156716 w 192326"/>
+                <a:gd name="connsiteY37" fmla="*/ 50937 h 134628"/>
+                <a:gd name="connsiteX38" fmla="*/ 144696 w 192326"/>
+                <a:gd name="connsiteY38" fmla="*/ 42522 h 134628"/>
+                <a:gd name="connsiteX39" fmla="*/ 156716 w 192326"/>
+                <a:gd name="connsiteY39" fmla="*/ 34108 h 134628"/>
+                <a:gd name="connsiteX40" fmla="*/ 96614 w 192326"/>
+                <a:gd name="connsiteY40" fmla="*/ 451 h 134628"/>
+                <a:gd name="connsiteX41" fmla="*/ 55745 w 192326"/>
+                <a:gd name="connsiteY41" fmla="*/ 26896 h 134628"/>
+                <a:gd name="connsiteX42" fmla="*/ 67765 w 192326"/>
+                <a:gd name="connsiteY42" fmla="*/ 38916 h 134628"/>
+                <a:gd name="connsiteX43" fmla="*/ 57187 w 192326"/>
+                <a:gd name="connsiteY43" fmla="*/ 51898 h 134628"/>
+                <a:gd name="connsiteX44" fmla="*/ 27136 w 192326"/>
+                <a:gd name="connsiteY44" fmla="*/ 38916 h 134628"/>
+                <a:gd name="connsiteX45" fmla="*/ 451 w 192326"/>
+                <a:gd name="connsiteY45" fmla="*/ 67765 h 134628"/>
+                <a:gd name="connsiteX46" fmla="*/ 96614 w 192326"/>
+                <a:gd name="connsiteY46" fmla="*/ 135079 h 134628"/>
+                <a:gd name="connsiteX47" fmla="*/ 192777 w 192326"/>
+                <a:gd name="connsiteY47" fmla="*/ 67765 h 134628"/>
+                <a:gd name="connsiteX48" fmla="*/ 96614 w 192326"/>
+                <a:gd name="connsiteY48" fmla="*/ 451 h 134628"/>
+              </a:gdLst>
+              <a:ahLst/>
+              <a:cxnLst>
+                <a:cxn ang="0">
+                  <a:pos x="connsiteX0" y="connsiteY0"/>
+                </a:cxn>
+                <a:cxn ang="0">
+                  <a:pos x="connsiteX1" y="connsiteY1"/>
+                </a:cxn>
+                <a:cxn ang="0">
+                  <a:pos x="connsiteX2" y="connsiteY2"/>
+                </a:cxn>
+                <a:cxn ang="0">
+                  <a:pos x="connsiteX3" y="connsiteY3"/>
+                </a:cxn>
+                <a:cxn ang="0">
+                  <a:pos x="connsiteX4" y="connsiteY4"/>
+                </a:cxn>
+                <a:cxn ang="0">
+                  <a:pos x="connsiteX5" y="connsiteY5"/>
+                </a:cxn>
+                <a:cxn ang="0">
+                  <a:pos x="connsiteX6" y="connsiteY6"/>
+                </a:cxn>
+                <a:cxn ang="0">
+                  <a:pos x="connsiteX7" y="connsiteY7"/>
+                </a:cxn>
+                <a:cxn ang="0">
+                  <a:pos x="connsiteX8" y="connsiteY8"/>
+                </a:cxn>
+                <a:cxn ang="0">
+                  <a:pos x="connsiteX9" y="connsiteY9"/>
+                </a:cxn>
+                <a:cxn ang="0">
+                  <a:pos x="connsiteX10" y="connsiteY10"/>
+                </a:cxn>
+                <a:cxn ang="0">
+                  <a:pos x="connsiteX11" y="connsiteY11"/>
+                </a:cxn>
+                <a:cxn ang="0">
+                  <a:pos x="connsiteX12" y="connsiteY12"/>
+                </a:cxn>
+                <a:cxn ang="0">
+                  <a:pos x="connsiteX13" y="connsiteY13"/>
+                </a:cxn>
+                <a:cxn ang="0">
+                  <a:pos x="connsiteX14" y="connsiteY14"/>
+                </a:cxn>
+                <a:cxn ang="0">
+                  <a:pos x="connsiteX15" y="connsiteY15"/>
+                </a:cxn>
+                <a:cxn ang="0">
+                  <a:pos x="connsiteX16" y="connsiteY16"/>
+                </a:cxn>
+                <a:cxn ang="0">
+                  <a:pos x="connsiteX17" y="connsiteY17"/>
+                </a:cxn>
+                <a:cxn ang="0">
+                  <a:pos x="connsiteX18" y="connsiteY18"/>
+                </a:cxn>
+                <a:cxn ang="0">
+                  <a:pos x="connsiteX19" y="connsiteY19"/>
+                </a:cxn>
+                <a:cxn ang="0">
+                  <a:pos x="connsiteX20" y="connsiteY20"/>
+                </a:cxn>
+                <a:cxn ang="0">
+                  <a:pos x="connsiteX21" y="connsiteY21"/>
+                </a:cxn>
+                <a:cxn ang="0">
+                  <a:pos x="connsiteX22" y="connsiteY22"/>
+                </a:cxn>
+                <a:cxn ang="0">
+                  <a:pos x="connsiteX23" y="connsiteY23"/>
+                </a:cxn>
+                <a:cxn ang="0">
+                  <a:pos x="connsiteX24" y="connsiteY24"/>
+                </a:cxn>
+                <a:cxn ang="0">
+                  <a:pos x="connsiteX25" y="connsiteY25"/>
+                </a:cxn>
+                <a:cxn ang="0">
+                  <a:pos x="connsiteX26" y="connsiteY26"/>
+                </a:cxn>
+                <a:cxn ang="0">
+                  <a:pos x="connsiteX27" y="connsiteY27"/>
+                </a:cxn>
+                <a:cxn ang="0">
+                  <a:pos x="connsiteX28" y="connsiteY28"/>
+                </a:cxn>
+                <a:cxn ang="0">
+                  <a:pos x="connsiteX29" y="connsiteY29"/>
+                </a:cxn>
+                <a:cxn ang="0">
+                  <a:pos x="connsiteX30" y="connsiteY30"/>
+                </a:cxn>
+                <a:cxn ang="0">
+                  <a:pos x="connsiteX31" y="connsiteY31"/>
+                </a:cxn>
+                <a:cxn ang="0">
+                  <a:pos x="connsiteX32" y="connsiteY32"/>
+                </a:cxn>
+                <a:cxn ang="0">
+                  <a:pos x="connsiteX33" y="connsiteY33"/>
+                </a:cxn>
+                <a:cxn ang="0">
+                  <a:pos x="connsiteX34" y="connsiteY34"/>
+                </a:cxn>
+                <a:cxn ang="0">
+                  <a:pos x="connsiteX35" y="connsiteY35"/>
+                </a:cxn>
+                <a:cxn ang="0">
+                  <a:pos x="connsiteX36" y="connsiteY36"/>
+                </a:cxn>
+                <a:cxn ang="0">
+                  <a:pos x="connsiteX37" y="connsiteY37"/>
+                </a:cxn>
+                <a:cxn ang="0">
+                  <a:pos x="connsiteX38" y="connsiteY38"/>
+                </a:cxn>
+                <a:cxn ang="0">
+                  <a:pos x="connsiteX39" y="connsiteY39"/>
+                </a:cxn>
+                <a:cxn ang="0">
+                  <a:pos x="connsiteX40" y="connsiteY40"/>
+                </a:cxn>
+                <a:cxn ang="0">
+                  <a:pos x="connsiteX41" y="connsiteY41"/>
+                </a:cxn>
+                <a:cxn ang="0">
+                  <a:pos x="connsiteX42" y="connsiteY42"/>
+                </a:cxn>
+                <a:cxn ang="0">
+                  <a:pos x="connsiteX43" y="connsiteY43"/>
+                </a:cxn>
+                <a:cxn ang="0">
+                  <a:pos x="connsiteX44" y="connsiteY44"/>
+                </a:cxn>
+                <a:cxn ang="0">
+                  <a:pos x="connsiteX45" y="connsiteY45"/>
+                </a:cxn>
+                <a:cxn ang="0">
+                  <a:pos x="connsiteX46" y="connsiteY46"/>
+                </a:cxn>
+                <a:cxn ang="0">
+                  <a:pos x="connsiteX47" y="connsiteY47"/>
+                </a:cxn>
+                <a:cxn ang="0">
+                  <a:pos x="connsiteX48" y="connsiteY48"/>
+                </a:cxn>
+              </a:cxnLst>
+              <a:rect l="l" t="t" r="r" b="b"/>
+              <a:pathLst>
+                <a:path w="192326" h="134628">
+                  <a:moveTo>
+                    <a:pt x="168737" y="74977"/>
+                  </a:moveTo>
+                  <a:cubicBezTo>
+                    <a:pt x="162005" y="74977"/>
+                    <a:pt x="156716" y="71131"/>
+                    <a:pt x="156716" y="66563"/>
+                  </a:cubicBezTo>
+                  <a:cubicBezTo>
+                    <a:pt x="156716" y="61995"/>
+                    <a:pt x="162005" y="58149"/>
+                    <a:pt x="168737" y="58149"/>
+                  </a:cubicBezTo>
+                  <a:cubicBezTo>
+                    <a:pt x="175468" y="58149"/>
+                    <a:pt x="180757" y="61995"/>
+                    <a:pt x="180757" y="66563"/>
+                  </a:cubicBezTo>
+                  <a:cubicBezTo>
+                    <a:pt x="180757" y="71131"/>
+                    <a:pt x="175468" y="74977"/>
+                    <a:pt x="168737" y="74977"/>
+                  </a:cubicBezTo>
+                  <a:close/>
+                  <a:moveTo>
+                    <a:pt x="156716" y="101422"/>
+                  </a:moveTo>
+                  <a:cubicBezTo>
+                    <a:pt x="149985" y="101422"/>
+                    <a:pt x="144696" y="97576"/>
+                    <a:pt x="144696" y="93008"/>
+                  </a:cubicBezTo>
+                  <a:cubicBezTo>
+                    <a:pt x="144696" y="88440"/>
+                    <a:pt x="149985" y="84594"/>
+                    <a:pt x="156716" y="84594"/>
+                  </a:cubicBezTo>
+                  <a:cubicBezTo>
+                    <a:pt x="163448" y="84594"/>
+                    <a:pt x="168737" y="88440"/>
+                    <a:pt x="168737" y="93008"/>
+                  </a:cubicBezTo>
+                  <a:cubicBezTo>
+                    <a:pt x="168737" y="97576"/>
+                    <a:pt x="163448" y="101422"/>
+                    <a:pt x="156716" y="101422"/>
+                  </a:cubicBezTo>
+                  <a:close/>
+                  <a:moveTo>
+                    <a:pt x="130271" y="34108"/>
+                  </a:moveTo>
+                  <a:cubicBezTo>
+                    <a:pt x="123540" y="34108"/>
+                    <a:pt x="118251" y="30261"/>
+                    <a:pt x="118251" y="25694"/>
+                  </a:cubicBezTo>
+                  <a:cubicBezTo>
+                    <a:pt x="118251" y="21126"/>
+                    <a:pt x="123540" y="17279"/>
+                    <a:pt x="130271" y="17279"/>
+                  </a:cubicBezTo>
+                  <a:cubicBezTo>
+                    <a:pt x="137003" y="17279"/>
+                    <a:pt x="142292" y="21126"/>
+                    <a:pt x="142292" y="25694"/>
+                  </a:cubicBezTo>
+                  <a:cubicBezTo>
+                    <a:pt x="142292" y="30261"/>
+                    <a:pt x="137003" y="34108"/>
+                    <a:pt x="130271" y="34108"/>
+                  </a:cubicBezTo>
+                  <a:close/>
+                  <a:moveTo>
+                    <a:pt x="130271" y="115847"/>
+                  </a:moveTo>
+                  <a:cubicBezTo>
+                    <a:pt x="123540" y="115847"/>
+                    <a:pt x="118251" y="112000"/>
+                    <a:pt x="118251" y="107432"/>
+                  </a:cubicBezTo>
+                  <a:cubicBezTo>
+                    <a:pt x="118251" y="102865"/>
+                    <a:pt x="123540" y="99018"/>
+                    <a:pt x="130271" y="99018"/>
+                  </a:cubicBezTo>
+                  <a:cubicBezTo>
+                    <a:pt x="137003" y="99018"/>
+                    <a:pt x="142292" y="102865"/>
+                    <a:pt x="142292" y="107432"/>
+                  </a:cubicBezTo>
+                  <a:cubicBezTo>
+                    <a:pt x="142292" y="112000"/>
+                    <a:pt x="137003" y="115847"/>
+                    <a:pt x="130271" y="115847"/>
+                  </a:cubicBezTo>
+                  <a:close/>
+                  <a:moveTo>
+                    <a:pt x="96614" y="123059"/>
+                  </a:moveTo>
+                  <a:cubicBezTo>
+                    <a:pt x="89883" y="123059"/>
+                    <a:pt x="84594" y="119212"/>
+                    <a:pt x="84594" y="114645"/>
+                  </a:cubicBezTo>
+                  <a:cubicBezTo>
+                    <a:pt x="84594" y="110077"/>
+                    <a:pt x="89883" y="106230"/>
+                    <a:pt x="96614" y="106230"/>
+                  </a:cubicBezTo>
+                  <a:cubicBezTo>
+                    <a:pt x="103346" y="106230"/>
+                    <a:pt x="108635" y="110077"/>
+                    <a:pt x="108635" y="114645"/>
+                  </a:cubicBezTo>
+                  <a:cubicBezTo>
+                    <a:pt x="108635" y="119212"/>
+                    <a:pt x="103346" y="123059"/>
+                    <a:pt x="96614" y="123059"/>
+                  </a:cubicBezTo>
+                  <a:close/>
+                  <a:moveTo>
+                    <a:pt x="83632" y="25934"/>
+                  </a:moveTo>
+                  <a:cubicBezTo>
+                    <a:pt x="87479" y="22088"/>
+                    <a:pt x="92527" y="21366"/>
+                    <a:pt x="95172" y="24011"/>
+                  </a:cubicBezTo>
+                  <a:cubicBezTo>
+                    <a:pt x="97816" y="26655"/>
+                    <a:pt x="96855" y="31704"/>
+                    <a:pt x="93248" y="35550"/>
+                  </a:cubicBezTo>
+                  <a:cubicBezTo>
+                    <a:pt x="89402" y="39397"/>
+                    <a:pt x="84353" y="40118"/>
+                    <a:pt x="81709" y="37474"/>
+                  </a:cubicBezTo>
+                  <a:cubicBezTo>
+                    <a:pt x="78824" y="34829"/>
+                    <a:pt x="79786" y="29540"/>
+                    <a:pt x="83632" y="25934"/>
+                  </a:cubicBezTo>
+                  <a:close/>
+                  <a:moveTo>
+                    <a:pt x="62957" y="118251"/>
+                  </a:moveTo>
+                  <a:cubicBezTo>
+                    <a:pt x="56226" y="118251"/>
+                    <a:pt x="50937" y="114404"/>
+                    <a:pt x="50937" y="109837"/>
+                  </a:cubicBezTo>
+                  <a:cubicBezTo>
+                    <a:pt x="50937" y="105269"/>
+                    <a:pt x="56226" y="101422"/>
+                    <a:pt x="62957" y="101422"/>
+                  </a:cubicBezTo>
+                  <a:cubicBezTo>
+                    <a:pt x="69688" y="101422"/>
+                    <a:pt x="74977" y="105269"/>
+                    <a:pt x="74977" y="109837"/>
+                  </a:cubicBezTo>
+                  <a:cubicBezTo>
+                    <a:pt x="74977" y="114404"/>
+                    <a:pt x="69688" y="118251"/>
+                    <a:pt x="62957" y="118251"/>
+                  </a:cubicBezTo>
+                  <a:close/>
+                  <a:moveTo>
+                    <a:pt x="156716" y="34108"/>
+                  </a:moveTo>
+                  <a:cubicBezTo>
+                    <a:pt x="163448" y="34108"/>
+                    <a:pt x="168737" y="37954"/>
+                    <a:pt x="168737" y="42522"/>
+                  </a:cubicBezTo>
+                  <a:cubicBezTo>
+                    <a:pt x="168737" y="47090"/>
+                    <a:pt x="163448" y="50937"/>
+                    <a:pt x="156716" y="50937"/>
+                  </a:cubicBezTo>
+                  <a:cubicBezTo>
+                    <a:pt x="149985" y="50937"/>
+                    <a:pt x="144696" y="47090"/>
+                    <a:pt x="144696" y="42522"/>
+                  </a:cubicBezTo>
+                  <a:cubicBezTo>
+                    <a:pt x="144696" y="37954"/>
+                    <a:pt x="149985" y="34108"/>
+                    <a:pt x="156716" y="34108"/>
+                  </a:cubicBezTo>
+                  <a:close/>
+                  <a:moveTo>
+                    <a:pt x="96614" y="451"/>
+                  </a:moveTo>
+                  <a:cubicBezTo>
+                    <a:pt x="42041" y="451"/>
+                    <a:pt x="50696" y="21847"/>
+                    <a:pt x="55745" y="26896"/>
+                  </a:cubicBezTo>
+                  <a:lnTo>
+                    <a:pt x="67765" y="38916"/>
+                  </a:lnTo>
+                  <a:cubicBezTo>
+                    <a:pt x="75458" y="46850"/>
+                    <a:pt x="66082" y="55745"/>
+                    <a:pt x="57187" y="51898"/>
+                  </a:cubicBezTo>
+                  <a:lnTo>
+                    <a:pt x="27136" y="38916"/>
+                  </a:lnTo>
+                  <a:cubicBezTo>
+                    <a:pt x="5980" y="29781"/>
+                    <a:pt x="451" y="55504"/>
+                    <a:pt x="451" y="67765"/>
+                  </a:cubicBezTo>
+                  <a:cubicBezTo>
+                    <a:pt x="451" y="105028"/>
+                    <a:pt x="43484" y="135079"/>
+                    <a:pt x="96614" y="135079"/>
+                  </a:cubicBezTo>
+                  <a:cubicBezTo>
+                    <a:pt x="149744" y="135079"/>
+                    <a:pt x="192777" y="105028"/>
+                    <a:pt x="192777" y="67765"/>
+                  </a:cubicBezTo>
+                  <a:cubicBezTo>
+                    <a:pt x="192777" y="30502"/>
+                    <a:pt x="149744" y="451"/>
+                    <a:pt x="96614" y="451"/>
+                  </a:cubicBezTo>
+                  <a:close/>
+                </a:path>
+              </a:pathLst>
+            </a:custGeom>
+            <a:solidFill>
+              <a:schemeClr val="accent4">
+                <a:lumMod val="20000"/>
+                <a:lumOff val="80000"/>
+              </a:schemeClr>
+            </a:solidFill>
+            <a:ln w="15875" cap="flat">
+              <a:solidFill>
+                <a:schemeClr val="tx1"/>
+              </a:solidFill>
+              <a:prstDash val="solid"/>
+              <a:miter/>
+            </a:ln>
+          </p:spPr>
+          <p:txBody>
+            <a:bodyPr rtlCol="0" anchor="ctr"/>
+            <a:lstStyle/>
+            <a:p>
+              <a:endParaRPr lang="ko-KR" altLang="en-US"/>
+            </a:p>
+          </p:txBody>
+        </p:sp>
+        <p:grpSp>
+          <p:nvGrpSpPr>
+            <p:cNvPr id="176" name="그래픽 53" descr="페인트 브러시">
+              <a:extLst>
+                <a:ext uri="{FF2B5EF4-FFF2-40B4-BE49-F238E27FC236}">
+                  <a16:creationId xmlns:a16="http://schemas.microsoft.com/office/drawing/2014/main" id="{51DD9440-57B9-437B-8DB1-5B01FC1BB6CF}"/>
+                </a:ext>
+              </a:extLst>
+            </p:cNvPr>
+            <p:cNvGrpSpPr/>
+            <p:nvPr/>
+          </p:nvGrpSpPr>
+          <p:grpSpPr>
+            <a:xfrm rot="17622363">
+              <a:off x="6890439" y="1707493"/>
+              <a:ext cx="221274" cy="221274"/>
+              <a:chOff x="5919245" y="1973942"/>
+              <a:chExt cx="486318" cy="486318"/>
+            </a:xfrm>
+            <a:solidFill>
+              <a:schemeClr val="bg2">
+                <a:lumMod val="75000"/>
+              </a:schemeClr>
+            </a:solidFill>
+          </p:grpSpPr>
+          <p:sp>
+            <p:nvSpPr>
+              <p:cNvPr id="177" name="자유형: 도형 176">
+                <a:extLst>
+                  <a:ext uri="{FF2B5EF4-FFF2-40B4-BE49-F238E27FC236}">
+                    <a16:creationId xmlns:a16="http://schemas.microsoft.com/office/drawing/2014/main" id="{698038F0-9715-44FE-96B0-DA5C3EEDDF02}"/>
+                  </a:ext>
+                </a:extLst>
+              </p:cNvPr>
+              <p:cNvSpPr/>
+              <p:nvPr/>
+            </p:nvSpPr>
+            <p:spPr>
+              <a:xfrm>
+                <a:off x="6084745" y="2012323"/>
+                <a:ext cx="288751" cy="288751"/>
+              </a:xfrm>
+              <a:custGeom>
+                <a:avLst/>
+                <a:gdLst>
+                  <a:gd name="connsiteX0" fmla="*/ 280799 w 288751"/>
+                  <a:gd name="connsiteY0" fmla="*/ 9237 h 288751"/>
+                  <a:gd name="connsiteX1" fmla="*/ 253443 w 288751"/>
+                  <a:gd name="connsiteY1" fmla="*/ 6198 h 288751"/>
+                  <a:gd name="connsiteX2" fmla="*/ 48784 w 288751"/>
+                  <a:gd name="connsiteY2" fmla="*/ 195659 h 288751"/>
+                  <a:gd name="connsiteX3" fmla="*/ 3192 w 288751"/>
+                  <a:gd name="connsiteY3" fmla="*/ 251890 h 288751"/>
+                  <a:gd name="connsiteX4" fmla="*/ 10284 w 288751"/>
+                  <a:gd name="connsiteY4" fmla="*/ 274179 h 288751"/>
+                  <a:gd name="connsiteX5" fmla="*/ 14843 w 288751"/>
+                  <a:gd name="connsiteY5" fmla="*/ 278738 h 288751"/>
+                  <a:gd name="connsiteX6" fmla="*/ 37133 w 288751"/>
+                  <a:gd name="connsiteY6" fmla="*/ 285831 h 288751"/>
+                  <a:gd name="connsiteX7" fmla="*/ 93363 w 288751"/>
+                  <a:gd name="connsiteY7" fmla="*/ 240238 h 288751"/>
+                  <a:gd name="connsiteX8" fmla="*/ 283838 w 288751"/>
+                  <a:gd name="connsiteY8" fmla="*/ 35579 h 288751"/>
+                  <a:gd name="connsiteX9" fmla="*/ 280799 w 288751"/>
+                  <a:gd name="connsiteY9" fmla="*/ 9237 h 288751"/>
+                </a:gdLst>
+                <a:ahLst/>
+                <a:cxnLst>
+                  <a:cxn ang="0">
+                    <a:pos x="connsiteX0" y="connsiteY0"/>
+                  </a:cxn>
+                  <a:cxn ang="0">
+                    <a:pos x="connsiteX1" y="connsiteY1"/>
+                  </a:cxn>
+                  <a:cxn ang="0">
+                    <a:pos x="connsiteX2" y="connsiteY2"/>
+                  </a:cxn>
+                  <a:cxn ang="0">
+                    <a:pos x="connsiteX3" y="connsiteY3"/>
+                  </a:cxn>
+                  <a:cxn ang="0">
+                    <a:pos x="connsiteX4" y="connsiteY4"/>
+                  </a:cxn>
+                  <a:cxn ang="0">
+                    <a:pos x="connsiteX5" y="connsiteY5"/>
+                  </a:cxn>
+                  <a:cxn ang="0">
+                    <a:pos x="connsiteX6" y="connsiteY6"/>
+                  </a:cxn>
+                  <a:cxn ang="0">
+                    <a:pos x="connsiteX7" y="connsiteY7"/>
+                  </a:cxn>
+                  <a:cxn ang="0">
+                    <a:pos x="connsiteX8" y="connsiteY8"/>
+                  </a:cxn>
+                  <a:cxn ang="0">
+                    <a:pos x="connsiteX9" y="connsiteY9"/>
+                  </a:cxn>
+                </a:cxnLst>
+                <a:rect l="l" t="t" r="r" b="b"/>
+                <a:pathLst>
+                  <a:path w="288751" h="288751">
+                    <a:moveTo>
+                      <a:pt x="280799" y="9237"/>
+                    </a:moveTo>
+                    <a:cubicBezTo>
+                      <a:pt x="270160" y="-1401"/>
+                      <a:pt x="258002" y="1638"/>
+                      <a:pt x="253443" y="6198"/>
+                    </a:cubicBezTo>
+                    <a:lnTo>
+                      <a:pt x="48784" y="195659"/>
+                    </a:lnTo>
+                    <a:lnTo>
+                      <a:pt x="3192" y="251890"/>
+                    </a:lnTo>
+                    <a:cubicBezTo>
+                      <a:pt x="153" y="257462"/>
+                      <a:pt x="3192" y="267087"/>
+                      <a:pt x="10284" y="274179"/>
+                    </a:cubicBezTo>
+                    <a:lnTo>
+                      <a:pt x="14843" y="278738"/>
+                    </a:lnTo>
+                    <a:cubicBezTo>
+                      <a:pt x="21936" y="285831"/>
+                      <a:pt x="31561" y="289377"/>
+                      <a:pt x="37133" y="285831"/>
+                    </a:cubicBezTo>
+                    <a:lnTo>
+                      <a:pt x="93363" y="240238"/>
+                    </a:lnTo>
+                    <a:lnTo>
+                      <a:pt x="283838" y="35579"/>
+                    </a:lnTo>
+                    <a:cubicBezTo>
+                      <a:pt x="288904" y="30007"/>
+                      <a:pt x="290930" y="19875"/>
+                      <a:pt x="280799" y="9237"/>
+                    </a:cubicBezTo>
+                    <a:close/>
+                  </a:path>
+                </a:pathLst>
+              </a:custGeom>
+              <a:solidFill>
+                <a:schemeClr val="accent2">
+                  <a:lumMod val="75000"/>
+                </a:schemeClr>
+              </a:solidFill>
+              <a:ln w="15875" cap="flat">
+                <a:solidFill>
+                  <a:schemeClr val="tx1"/>
+                </a:solidFill>
+                <a:prstDash val="solid"/>
+                <a:miter/>
+              </a:ln>
+            </p:spPr>
+            <p:txBody>
+              <a:bodyPr rtlCol="0" anchor="ctr"/>
+              <a:lstStyle/>
+              <a:p>
+                <a:endParaRPr lang="ko-KR" altLang="en-US"/>
+              </a:p>
+            </p:txBody>
+          </p:sp>
+          <p:sp>
+            <p:nvSpPr>
+              <p:cNvPr id="182" name="자유형: 도형 181">
+                <a:extLst>
+                  <a:ext uri="{FF2B5EF4-FFF2-40B4-BE49-F238E27FC236}">
+                    <a16:creationId xmlns:a16="http://schemas.microsoft.com/office/drawing/2014/main" id="{078B392C-6571-44B5-9BB1-6DF05FB78587}"/>
+                  </a:ext>
+                </a:extLst>
+              </p:cNvPr>
+              <p:cNvSpPr/>
+              <p:nvPr/>
+            </p:nvSpPr>
+            <p:spPr>
+              <a:xfrm>
+                <a:off x="5950154" y="2288790"/>
+                <a:ext cx="146909" cy="131711"/>
+              </a:xfrm>
+              <a:custGeom>
+                <a:avLst/>
+                <a:gdLst>
+                  <a:gd name="connsiteX0" fmla="*/ 51663 w 146908"/>
+                  <a:gd name="connsiteY0" fmla="*/ 17976 h 131711"/>
+                  <a:gd name="connsiteX1" fmla="*/ 37986 w 146908"/>
+                  <a:gd name="connsiteY1" fmla="*/ 72180 h 131711"/>
+                  <a:gd name="connsiteX2" fmla="*/ 2018 w 146908"/>
+                  <a:gd name="connsiteY2" fmla="*/ 117772 h 131711"/>
+                  <a:gd name="connsiteX3" fmla="*/ 129170 w 146908"/>
+                  <a:gd name="connsiteY3" fmla="*/ 95483 h 131711"/>
+                  <a:gd name="connsiteX4" fmla="*/ 129170 w 146908"/>
+                  <a:gd name="connsiteY4" fmla="*/ 17976 h 131711"/>
+                  <a:gd name="connsiteX5" fmla="*/ 51663 w 146908"/>
+                  <a:gd name="connsiteY5" fmla="*/ 17976 h 131711"/>
+                </a:gdLst>
+                <a:ahLst/>
+                <a:cxnLst>
+                  <a:cxn ang="0">
+                    <a:pos x="connsiteX0" y="connsiteY0"/>
+                  </a:cxn>
+                  <a:cxn ang="0">
+                    <a:pos x="connsiteX1" y="connsiteY1"/>
+                  </a:cxn>
+                  <a:cxn ang="0">
+                    <a:pos x="connsiteX2" y="connsiteY2"/>
+                  </a:cxn>
+                  <a:cxn ang="0">
+                    <a:pos x="connsiteX3" y="connsiteY3"/>
+                  </a:cxn>
+                  <a:cxn ang="0">
+                    <a:pos x="connsiteX4" y="connsiteY4"/>
+                  </a:cxn>
+                  <a:cxn ang="0">
+                    <a:pos x="connsiteX5" y="connsiteY5"/>
+                  </a:cxn>
+                </a:cxnLst>
+                <a:rect l="l" t="t" r="r" b="b"/>
+                <a:pathLst>
+                  <a:path w="146908" h="131711">
+                    <a:moveTo>
+                      <a:pt x="51663" y="17976"/>
+                    </a:moveTo>
+                    <a:cubicBezTo>
+                      <a:pt x="35959" y="34186"/>
+                      <a:pt x="40519" y="53436"/>
+                      <a:pt x="37986" y="72180"/>
+                    </a:cubicBezTo>
+                    <a:cubicBezTo>
+                      <a:pt x="34946" y="104601"/>
+                      <a:pt x="9111" y="115239"/>
+                      <a:pt x="2018" y="117772"/>
+                    </a:cubicBezTo>
+                    <a:cubicBezTo>
+                      <a:pt x="43558" y="148674"/>
+                      <a:pt x="98775" y="125878"/>
+                      <a:pt x="129170" y="95483"/>
+                    </a:cubicBezTo>
+                    <a:cubicBezTo>
+                      <a:pt x="150447" y="74206"/>
+                      <a:pt x="150447" y="39252"/>
+                      <a:pt x="129170" y="17976"/>
+                    </a:cubicBezTo>
+                    <a:cubicBezTo>
+                      <a:pt x="107894" y="-3301"/>
+                      <a:pt x="72940" y="-3301"/>
+                      <a:pt x="51663" y="17976"/>
+                    </a:cubicBezTo>
+                    <a:close/>
+                  </a:path>
+                </a:pathLst>
+              </a:custGeom>
+              <a:solidFill>
+                <a:schemeClr val="accent2">
+                  <a:lumMod val="40000"/>
+                  <a:lumOff val="60000"/>
+                </a:schemeClr>
+              </a:solidFill>
+              <a:ln w="15875" cap="flat">
+                <a:solidFill>
+                  <a:schemeClr val="tx1"/>
+                </a:solidFill>
+                <a:prstDash val="solid"/>
+                <a:miter/>
+              </a:ln>
+            </p:spPr>
+            <p:txBody>
+              <a:bodyPr rtlCol="0" anchor="ctr"/>
+              <a:lstStyle/>
+              <a:p>
+                <a:endParaRPr lang="ko-KR" altLang="en-US"/>
+              </a:p>
+            </p:txBody>
+          </p:sp>
+        </p:grpSp>
+      </p:grpSp>
+      <p:sp>
+        <p:nvSpPr>
+          <p:cNvPr id="142" name="그래픽 30" descr="악보">
+            <a:extLst>
+              <a:ext uri="{FF2B5EF4-FFF2-40B4-BE49-F238E27FC236}">
+                <a16:creationId xmlns:a16="http://schemas.microsoft.com/office/drawing/2014/main" id="{79C1853A-E60B-4B4D-B93D-B130F8D7A745}"/>
+              </a:ext>
+            </a:extLst>
+          </p:cNvPr>
+          <p:cNvSpPr/>
+          <p:nvPr/>
+        </p:nvSpPr>
+        <p:spPr>
+          <a:xfrm rot="1666736">
+            <a:off x="8386761" y="5196450"/>
+            <a:ext cx="100862" cy="166001"/>
+          </a:xfrm>
+          <a:custGeom>
+            <a:avLst/>
+            <a:gdLst>
+              <a:gd name="connsiteX0" fmla="*/ 320226 w 457200"/>
+              <a:gd name="connsiteY0" fmla="*/ 111824 h 752475"/>
+              <a:gd name="connsiteX1" fmla="*/ 278697 w 457200"/>
+              <a:gd name="connsiteY1" fmla="*/ 63532 h 752475"/>
+              <a:gd name="connsiteX2" fmla="*/ 278697 w 457200"/>
+              <a:gd name="connsiteY2" fmla="*/ 45244 h 752475"/>
+              <a:gd name="connsiteX3" fmla="*/ 245359 w 457200"/>
+              <a:gd name="connsiteY3" fmla="*/ 11906 h 752475"/>
+              <a:gd name="connsiteX4" fmla="*/ 212022 w 457200"/>
+              <a:gd name="connsiteY4" fmla="*/ 45244 h 752475"/>
+              <a:gd name="connsiteX5" fmla="*/ 212022 w 457200"/>
+              <a:gd name="connsiteY5" fmla="*/ 552164 h 752475"/>
+              <a:gd name="connsiteX6" fmla="*/ 115629 w 457200"/>
+              <a:gd name="connsiteY6" fmla="*/ 561689 h 752475"/>
+              <a:gd name="connsiteX7" fmla="*/ 15711 w 457200"/>
+              <a:gd name="connsiteY7" fmla="*/ 697325 h 752475"/>
+              <a:gd name="connsiteX8" fmla="*/ 179351 w 457200"/>
+              <a:gd name="connsiteY8" fmla="*/ 737426 h 752475"/>
+              <a:gd name="connsiteX9" fmla="*/ 278697 w 457200"/>
+              <a:gd name="connsiteY9" fmla="*/ 647605 h 752475"/>
+              <a:gd name="connsiteX10" fmla="*/ 278697 w 457200"/>
+              <a:gd name="connsiteY10" fmla="*/ 286798 h 752475"/>
+              <a:gd name="connsiteX11" fmla="*/ 298509 w 457200"/>
+              <a:gd name="connsiteY11" fmla="*/ 300990 h 752475"/>
+              <a:gd name="connsiteX12" fmla="*/ 403379 w 457200"/>
+              <a:gd name="connsiteY12" fmla="*/ 474440 h 752475"/>
+              <a:gd name="connsiteX13" fmla="*/ 320226 w 457200"/>
+              <a:gd name="connsiteY13" fmla="*/ 111824 h 752475"/>
+            </a:gdLst>
+            <a:ahLst/>
+            <a:cxnLst>
+              <a:cxn ang="0">
+                <a:pos x="connsiteX0" y="connsiteY0"/>
+              </a:cxn>
+              <a:cxn ang="0">
+                <a:pos x="connsiteX1" y="connsiteY1"/>
+              </a:cxn>
+              <a:cxn ang="0">
+                <a:pos x="connsiteX2" y="connsiteY2"/>
+              </a:cxn>
+              <a:cxn ang="0">
+                <a:pos x="connsiteX3" y="connsiteY3"/>
+              </a:cxn>
+              <a:cxn ang="0">
+                <a:pos x="connsiteX4" y="connsiteY4"/>
+              </a:cxn>
+              <a:cxn ang="0">
+                <a:pos x="connsiteX5" y="connsiteY5"/>
+              </a:cxn>
+              <a:cxn ang="0">
+                <a:pos x="connsiteX6" y="connsiteY6"/>
+              </a:cxn>
+              <a:cxn ang="0">
+                <a:pos x="connsiteX7" y="connsiteY7"/>
+              </a:cxn>
+              <a:cxn ang="0">
+                <a:pos x="connsiteX8" y="connsiteY8"/>
+              </a:cxn>
+              <a:cxn ang="0">
+                <a:pos x="connsiteX9" y="connsiteY9"/>
+              </a:cxn>
+              <a:cxn ang="0">
+                <a:pos x="connsiteX10" y="connsiteY10"/>
+              </a:cxn>
+              <a:cxn ang="0">
+                <a:pos x="connsiteX11" y="connsiteY11"/>
+              </a:cxn>
+              <a:cxn ang="0">
+                <a:pos x="connsiteX12" y="connsiteY12"/>
+              </a:cxn>
+              <a:cxn ang="0">
+                <a:pos x="connsiteX13" y="connsiteY13"/>
+              </a:cxn>
+            </a:cxnLst>
+            <a:rect l="l" t="t" r="r" b="b"/>
+            <a:pathLst>
+              <a:path w="457200" h="752475">
+                <a:moveTo>
+                  <a:pt x="320226" y="111824"/>
+                </a:moveTo>
+                <a:cubicBezTo>
+                  <a:pt x="302052" y="100027"/>
+                  <a:pt x="287640" y="83268"/>
+                  <a:pt x="278697" y="63532"/>
+                </a:cubicBezTo>
+                <a:lnTo>
+                  <a:pt x="278697" y="45244"/>
+                </a:lnTo>
+                <a:cubicBezTo>
+                  <a:pt x="278697" y="26832"/>
+                  <a:pt x="263771" y="11906"/>
+                  <a:pt x="245359" y="11906"/>
+                </a:cubicBezTo>
+                <a:cubicBezTo>
+                  <a:pt x="226947" y="11906"/>
+                  <a:pt x="212022" y="26832"/>
+                  <a:pt x="212022" y="45244"/>
+                </a:cubicBezTo>
+                <a:lnTo>
+                  <a:pt x="212022" y="552164"/>
+                </a:lnTo>
+                <a:cubicBezTo>
+                  <a:pt x="179618" y="546642"/>
+                  <a:pt x="146325" y="549932"/>
+                  <a:pt x="115629" y="561689"/>
+                </a:cubicBezTo>
+                <a:cubicBezTo>
+                  <a:pt x="42858" y="588074"/>
+                  <a:pt x="-1815" y="648843"/>
+                  <a:pt x="15711" y="697325"/>
+                </a:cubicBezTo>
+                <a:cubicBezTo>
+                  <a:pt x="33237" y="745808"/>
+                  <a:pt x="106580" y="764000"/>
+                  <a:pt x="179351" y="737426"/>
+                </a:cubicBezTo>
+                <a:cubicBezTo>
+                  <a:pt x="230024" y="718661"/>
+                  <a:pt x="266886" y="683990"/>
+                  <a:pt x="278697" y="647605"/>
+                </a:cubicBezTo>
+                <a:lnTo>
+                  <a:pt x="278697" y="286798"/>
+                </a:lnTo>
+                <a:cubicBezTo>
+                  <a:pt x="284896" y="292070"/>
+                  <a:pt x="291522" y="296817"/>
+                  <a:pt x="298509" y="300990"/>
+                </a:cubicBezTo>
+                <a:cubicBezTo>
+                  <a:pt x="410332" y="367094"/>
+                  <a:pt x="348515" y="474440"/>
+                  <a:pt x="403379" y="474440"/>
+                </a:cubicBezTo>
+                <a:cubicBezTo>
+                  <a:pt x="472435" y="475012"/>
+                  <a:pt x="475293" y="215170"/>
+                  <a:pt x="320226" y="111824"/>
+                </a:cubicBezTo>
+                <a:close/>
+              </a:path>
+            </a:pathLst>
+          </a:custGeom>
+          <a:solidFill>
+            <a:schemeClr val="tx1"/>
+          </a:solidFill>
+          <a:ln w="15875" cap="flat">
+            <a:solidFill>
+              <a:schemeClr val="tx1"/>
+            </a:solidFill>
+            <a:prstDash val="solid"/>
+            <a:miter/>
+          </a:ln>
+        </p:spPr>
+        <p:txBody>
+          <a:bodyPr rtlCol="0" anchor="ctr"/>
+          <a:lstStyle/>
+          <a:p>
+            <a:endParaRPr lang="ko-KR" altLang="en-US"/>
+          </a:p>
+        </p:txBody>
+      </p:sp>
+      <p:sp>
+        <p:nvSpPr>
+          <p:cNvPr id="143" name="자유형: 도형 142">
+            <a:extLst>
+              <a:ext uri="{FF2B5EF4-FFF2-40B4-BE49-F238E27FC236}">
+                <a16:creationId xmlns:a16="http://schemas.microsoft.com/office/drawing/2014/main" id="{CB9DACE1-743A-4F94-9AA1-A96092D3F9E2}"/>
+              </a:ext>
+            </a:extLst>
+          </p:cNvPr>
+          <p:cNvSpPr/>
+          <p:nvPr/>
+        </p:nvSpPr>
+        <p:spPr>
+          <a:xfrm rot="19721289">
+            <a:off x="8025188" y="4804102"/>
+            <a:ext cx="157848" cy="240880"/>
+          </a:xfrm>
+          <a:custGeom>
+            <a:avLst/>
+            <a:gdLst>
+              <a:gd name="connsiteX0" fmla="*/ 383254 w 390525"/>
+              <a:gd name="connsiteY0" fmla="*/ 508159 h 590550"/>
+              <a:gd name="connsiteX1" fmla="*/ 273716 w 390525"/>
+              <a:gd name="connsiteY1" fmla="*/ 260509 h 590550"/>
+              <a:gd name="connsiteX2" fmla="*/ 273716 w 390525"/>
+              <a:gd name="connsiteY2" fmla="*/ 92869 h 590550"/>
+              <a:gd name="connsiteX3" fmla="*/ 302291 w 390525"/>
+              <a:gd name="connsiteY3" fmla="*/ 43339 h 590550"/>
+              <a:gd name="connsiteX4" fmla="*/ 310864 w 390525"/>
+              <a:gd name="connsiteY4" fmla="*/ 17621 h 590550"/>
+              <a:gd name="connsiteX5" fmla="*/ 292766 w 390525"/>
+              <a:gd name="connsiteY5" fmla="*/ 7144 h 590550"/>
+              <a:gd name="connsiteX6" fmla="*/ 292766 w 390525"/>
+              <a:gd name="connsiteY6" fmla="*/ 7144 h 590550"/>
+              <a:gd name="connsiteX7" fmla="*/ 102266 w 390525"/>
+              <a:gd name="connsiteY7" fmla="*/ 7144 h 590550"/>
+              <a:gd name="connsiteX8" fmla="*/ 102266 w 390525"/>
+              <a:gd name="connsiteY8" fmla="*/ 7144 h 590550"/>
+              <a:gd name="connsiteX9" fmla="*/ 84169 w 390525"/>
+              <a:gd name="connsiteY9" fmla="*/ 17621 h 590550"/>
+              <a:gd name="connsiteX10" fmla="*/ 92741 w 390525"/>
+              <a:gd name="connsiteY10" fmla="*/ 43339 h 590550"/>
+              <a:gd name="connsiteX11" fmla="*/ 121316 w 390525"/>
+              <a:gd name="connsiteY11" fmla="*/ 92869 h 590550"/>
+              <a:gd name="connsiteX12" fmla="*/ 121316 w 390525"/>
+              <a:gd name="connsiteY12" fmla="*/ 260509 h 590550"/>
+              <a:gd name="connsiteX13" fmla="*/ 11779 w 390525"/>
+              <a:gd name="connsiteY13" fmla="*/ 508159 h 590550"/>
+              <a:gd name="connsiteX14" fmla="*/ 16541 w 390525"/>
+              <a:gd name="connsiteY14" fmla="*/ 562451 h 590550"/>
+              <a:gd name="connsiteX15" fmla="*/ 64166 w 390525"/>
+              <a:gd name="connsiteY15" fmla="*/ 588169 h 590550"/>
+              <a:gd name="connsiteX16" fmla="*/ 330866 w 390525"/>
+              <a:gd name="connsiteY16" fmla="*/ 588169 h 590550"/>
+              <a:gd name="connsiteX17" fmla="*/ 378491 w 390525"/>
+              <a:gd name="connsiteY17" fmla="*/ 562451 h 590550"/>
+              <a:gd name="connsiteX18" fmla="*/ 383254 w 390525"/>
+              <a:gd name="connsiteY18" fmla="*/ 508159 h 590550"/>
+              <a:gd name="connsiteX19" fmla="*/ 235616 w 390525"/>
+              <a:gd name="connsiteY19" fmla="*/ 92869 h 590550"/>
+              <a:gd name="connsiteX20" fmla="*/ 235616 w 390525"/>
+              <a:gd name="connsiteY20" fmla="*/ 130969 h 590550"/>
+              <a:gd name="connsiteX21" fmla="*/ 159416 w 390525"/>
+              <a:gd name="connsiteY21" fmla="*/ 130969 h 590550"/>
+              <a:gd name="connsiteX22" fmla="*/ 159416 w 390525"/>
+              <a:gd name="connsiteY22" fmla="*/ 92869 h 590550"/>
+              <a:gd name="connsiteX23" fmla="*/ 147034 w 390525"/>
+              <a:gd name="connsiteY23" fmla="*/ 45244 h 590550"/>
+              <a:gd name="connsiteX24" fmla="*/ 248951 w 390525"/>
+              <a:gd name="connsiteY24" fmla="*/ 45244 h 590550"/>
+              <a:gd name="connsiteX25" fmla="*/ 235616 w 390525"/>
+              <a:gd name="connsiteY25" fmla="*/ 92869 h 590550"/>
+              <a:gd name="connsiteX0" fmla="*/ 376110 w 380744"/>
+              <a:gd name="connsiteY0" fmla="*/ 501015 h 581026"/>
+              <a:gd name="connsiteX1" fmla="*/ 266572 w 380744"/>
+              <a:gd name="connsiteY1" fmla="*/ 253365 h 581026"/>
+              <a:gd name="connsiteX2" fmla="*/ 266572 w 380744"/>
+              <a:gd name="connsiteY2" fmla="*/ 85725 h 581026"/>
+              <a:gd name="connsiteX3" fmla="*/ 295147 w 380744"/>
+              <a:gd name="connsiteY3" fmla="*/ 36195 h 581026"/>
+              <a:gd name="connsiteX4" fmla="*/ 303720 w 380744"/>
+              <a:gd name="connsiteY4" fmla="*/ 10477 h 581026"/>
+              <a:gd name="connsiteX5" fmla="*/ 285622 w 380744"/>
+              <a:gd name="connsiteY5" fmla="*/ 0 h 581026"/>
+              <a:gd name="connsiteX6" fmla="*/ 285622 w 380744"/>
+              <a:gd name="connsiteY6" fmla="*/ 0 h 581026"/>
+              <a:gd name="connsiteX7" fmla="*/ 95122 w 380744"/>
+              <a:gd name="connsiteY7" fmla="*/ 0 h 581026"/>
+              <a:gd name="connsiteX8" fmla="*/ 95122 w 380744"/>
+              <a:gd name="connsiteY8" fmla="*/ 0 h 581026"/>
+              <a:gd name="connsiteX9" fmla="*/ 77025 w 380744"/>
+              <a:gd name="connsiteY9" fmla="*/ 10477 h 581026"/>
+              <a:gd name="connsiteX10" fmla="*/ 85597 w 380744"/>
+              <a:gd name="connsiteY10" fmla="*/ 36195 h 581026"/>
+              <a:gd name="connsiteX11" fmla="*/ 114172 w 380744"/>
+              <a:gd name="connsiteY11" fmla="*/ 85725 h 581026"/>
+              <a:gd name="connsiteX12" fmla="*/ 114172 w 380744"/>
+              <a:gd name="connsiteY12" fmla="*/ 253365 h 581026"/>
+              <a:gd name="connsiteX13" fmla="*/ 4635 w 380744"/>
+              <a:gd name="connsiteY13" fmla="*/ 501015 h 581026"/>
+              <a:gd name="connsiteX14" fmla="*/ 9397 w 380744"/>
+              <a:gd name="connsiteY14" fmla="*/ 555307 h 581026"/>
+              <a:gd name="connsiteX15" fmla="*/ 57022 w 380744"/>
+              <a:gd name="connsiteY15" fmla="*/ 581025 h 581026"/>
+              <a:gd name="connsiteX16" fmla="*/ 323722 w 380744"/>
+              <a:gd name="connsiteY16" fmla="*/ 581025 h 581026"/>
+              <a:gd name="connsiteX17" fmla="*/ 371347 w 380744"/>
+              <a:gd name="connsiteY17" fmla="*/ 555307 h 581026"/>
+              <a:gd name="connsiteX18" fmla="*/ 376110 w 380744"/>
+              <a:gd name="connsiteY18" fmla="*/ 501015 h 581026"/>
+              <a:gd name="connsiteX19" fmla="*/ 228472 w 380744"/>
+              <a:gd name="connsiteY19" fmla="*/ 85725 h 581026"/>
+              <a:gd name="connsiteX20" fmla="*/ 219316 w 380744"/>
+              <a:gd name="connsiteY20" fmla="*/ 279467 h 581026"/>
+              <a:gd name="connsiteX21" fmla="*/ 152272 w 380744"/>
+              <a:gd name="connsiteY21" fmla="*/ 123825 h 581026"/>
+              <a:gd name="connsiteX22" fmla="*/ 152272 w 380744"/>
+              <a:gd name="connsiteY22" fmla="*/ 85725 h 581026"/>
+              <a:gd name="connsiteX23" fmla="*/ 139890 w 380744"/>
+              <a:gd name="connsiteY23" fmla="*/ 38100 h 581026"/>
+              <a:gd name="connsiteX24" fmla="*/ 241807 w 380744"/>
+              <a:gd name="connsiteY24" fmla="*/ 38100 h 581026"/>
+              <a:gd name="connsiteX25" fmla="*/ 228472 w 380744"/>
+              <a:gd name="connsiteY25" fmla="*/ 85725 h 581026"/>
+              <a:gd name="connsiteX0" fmla="*/ 376110 w 380744"/>
+              <a:gd name="connsiteY0" fmla="*/ 501015 h 581025"/>
+              <a:gd name="connsiteX1" fmla="*/ 266572 w 380744"/>
+              <a:gd name="connsiteY1" fmla="*/ 253365 h 581025"/>
+              <a:gd name="connsiteX2" fmla="*/ 266572 w 380744"/>
+              <a:gd name="connsiteY2" fmla="*/ 85725 h 581025"/>
+              <a:gd name="connsiteX3" fmla="*/ 295147 w 380744"/>
+              <a:gd name="connsiteY3" fmla="*/ 36195 h 581025"/>
+              <a:gd name="connsiteX4" fmla="*/ 303720 w 380744"/>
+              <a:gd name="connsiteY4" fmla="*/ 10477 h 581025"/>
+              <a:gd name="connsiteX5" fmla="*/ 285622 w 380744"/>
+              <a:gd name="connsiteY5" fmla="*/ 0 h 581025"/>
+              <a:gd name="connsiteX6" fmla="*/ 285622 w 380744"/>
+              <a:gd name="connsiteY6" fmla="*/ 0 h 581025"/>
+              <a:gd name="connsiteX7" fmla="*/ 95122 w 380744"/>
+              <a:gd name="connsiteY7" fmla="*/ 0 h 581025"/>
+              <a:gd name="connsiteX8" fmla="*/ 95122 w 380744"/>
+              <a:gd name="connsiteY8" fmla="*/ 0 h 581025"/>
+              <a:gd name="connsiteX9" fmla="*/ 77025 w 380744"/>
+              <a:gd name="connsiteY9" fmla="*/ 10477 h 581025"/>
+              <a:gd name="connsiteX10" fmla="*/ 85597 w 380744"/>
+              <a:gd name="connsiteY10" fmla="*/ 36195 h 581025"/>
+              <a:gd name="connsiteX11" fmla="*/ 114172 w 380744"/>
+              <a:gd name="connsiteY11" fmla="*/ 85725 h 581025"/>
+              <a:gd name="connsiteX12" fmla="*/ 114172 w 380744"/>
+              <a:gd name="connsiteY12" fmla="*/ 253365 h 581025"/>
+              <a:gd name="connsiteX13" fmla="*/ 4635 w 380744"/>
+              <a:gd name="connsiteY13" fmla="*/ 501015 h 581025"/>
+              <a:gd name="connsiteX14" fmla="*/ 9397 w 380744"/>
+              <a:gd name="connsiteY14" fmla="*/ 555307 h 581025"/>
+              <a:gd name="connsiteX15" fmla="*/ 57022 w 380744"/>
+              <a:gd name="connsiteY15" fmla="*/ 581025 h 581025"/>
+              <a:gd name="connsiteX16" fmla="*/ 323722 w 380744"/>
+              <a:gd name="connsiteY16" fmla="*/ 581025 h 581025"/>
+              <a:gd name="connsiteX17" fmla="*/ 371347 w 380744"/>
+              <a:gd name="connsiteY17" fmla="*/ 555307 h 581025"/>
+              <a:gd name="connsiteX18" fmla="*/ 376110 w 380744"/>
+              <a:gd name="connsiteY18" fmla="*/ 501015 h 581025"/>
+              <a:gd name="connsiteX19" fmla="*/ 228472 w 380744"/>
+              <a:gd name="connsiteY19" fmla="*/ 85725 h 581025"/>
+              <a:gd name="connsiteX20" fmla="*/ 219316 w 380744"/>
+              <a:gd name="connsiteY20" fmla="*/ 279467 h 581025"/>
+              <a:gd name="connsiteX21" fmla="*/ 161428 w 380744"/>
+              <a:gd name="connsiteY21" fmla="*/ 279467 h 581025"/>
+              <a:gd name="connsiteX22" fmla="*/ 152272 w 380744"/>
+              <a:gd name="connsiteY22" fmla="*/ 85725 h 581025"/>
+              <a:gd name="connsiteX23" fmla="*/ 139890 w 380744"/>
+              <a:gd name="connsiteY23" fmla="*/ 38100 h 581025"/>
+              <a:gd name="connsiteX24" fmla="*/ 241807 w 380744"/>
+              <a:gd name="connsiteY24" fmla="*/ 38100 h 581025"/>
+              <a:gd name="connsiteX25" fmla="*/ 228472 w 380744"/>
+              <a:gd name="connsiteY25" fmla="*/ 85725 h 581025"/>
+              <a:gd name="connsiteX0" fmla="*/ 376110 w 380744"/>
+              <a:gd name="connsiteY0" fmla="*/ 501015 h 581025"/>
+              <a:gd name="connsiteX1" fmla="*/ 266572 w 380744"/>
+              <a:gd name="connsiteY1" fmla="*/ 253365 h 581025"/>
+              <a:gd name="connsiteX2" fmla="*/ 266572 w 380744"/>
+              <a:gd name="connsiteY2" fmla="*/ 85725 h 581025"/>
+              <a:gd name="connsiteX3" fmla="*/ 295147 w 380744"/>
+              <a:gd name="connsiteY3" fmla="*/ 36195 h 581025"/>
+              <a:gd name="connsiteX4" fmla="*/ 303720 w 380744"/>
+              <a:gd name="connsiteY4" fmla="*/ 10477 h 581025"/>
+              <a:gd name="connsiteX5" fmla="*/ 285622 w 380744"/>
+              <a:gd name="connsiteY5" fmla="*/ 0 h 581025"/>
+              <a:gd name="connsiteX6" fmla="*/ 285622 w 380744"/>
+              <a:gd name="connsiteY6" fmla="*/ 0 h 581025"/>
+              <a:gd name="connsiteX7" fmla="*/ 95122 w 380744"/>
+              <a:gd name="connsiteY7" fmla="*/ 0 h 581025"/>
+              <a:gd name="connsiteX8" fmla="*/ 95122 w 380744"/>
+              <a:gd name="connsiteY8" fmla="*/ 0 h 581025"/>
+              <a:gd name="connsiteX9" fmla="*/ 77025 w 380744"/>
+              <a:gd name="connsiteY9" fmla="*/ 10477 h 581025"/>
+              <a:gd name="connsiteX10" fmla="*/ 85597 w 380744"/>
+              <a:gd name="connsiteY10" fmla="*/ 36195 h 581025"/>
+              <a:gd name="connsiteX11" fmla="*/ 114172 w 380744"/>
+              <a:gd name="connsiteY11" fmla="*/ 85725 h 581025"/>
+              <a:gd name="connsiteX12" fmla="*/ 114172 w 380744"/>
+              <a:gd name="connsiteY12" fmla="*/ 253365 h 581025"/>
+              <a:gd name="connsiteX13" fmla="*/ 4635 w 380744"/>
+              <a:gd name="connsiteY13" fmla="*/ 501015 h 581025"/>
+              <a:gd name="connsiteX14" fmla="*/ 9397 w 380744"/>
+              <a:gd name="connsiteY14" fmla="*/ 555307 h 581025"/>
+              <a:gd name="connsiteX15" fmla="*/ 57022 w 380744"/>
+              <a:gd name="connsiteY15" fmla="*/ 581025 h 581025"/>
+              <a:gd name="connsiteX16" fmla="*/ 323722 w 380744"/>
+              <a:gd name="connsiteY16" fmla="*/ 581025 h 581025"/>
+              <a:gd name="connsiteX17" fmla="*/ 371347 w 380744"/>
+              <a:gd name="connsiteY17" fmla="*/ 555307 h 581025"/>
+              <a:gd name="connsiteX18" fmla="*/ 376110 w 380744"/>
+              <a:gd name="connsiteY18" fmla="*/ 501015 h 581025"/>
+              <a:gd name="connsiteX19" fmla="*/ 228472 w 380744"/>
+              <a:gd name="connsiteY19" fmla="*/ 85725 h 581025"/>
+              <a:gd name="connsiteX20" fmla="*/ 228471 w 380744"/>
+              <a:gd name="connsiteY20" fmla="*/ 265735 h 581025"/>
+              <a:gd name="connsiteX21" fmla="*/ 161428 w 380744"/>
+              <a:gd name="connsiteY21" fmla="*/ 279467 h 581025"/>
+              <a:gd name="connsiteX22" fmla="*/ 152272 w 380744"/>
+              <a:gd name="connsiteY22" fmla="*/ 85725 h 581025"/>
+              <a:gd name="connsiteX23" fmla="*/ 139890 w 380744"/>
+              <a:gd name="connsiteY23" fmla="*/ 38100 h 581025"/>
+              <a:gd name="connsiteX24" fmla="*/ 241807 w 380744"/>
+              <a:gd name="connsiteY24" fmla="*/ 38100 h 581025"/>
+              <a:gd name="connsiteX25" fmla="*/ 228472 w 380744"/>
+              <a:gd name="connsiteY25" fmla="*/ 85725 h 581025"/>
+              <a:gd name="connsiteX0" fmla="*/ 376110 w 380744"/>
+              <a:gd name="connsiteY0" fmla="*/ 501015 h 581025"/>
+              <a:gd name="connsiteX1" fmla="*/ 266572 w 380744"/>
+              <a:gd name="connsiteY1" fmla="*/ 253365 h 581025"/>
+              <a:gd name="connsiteX2" fmla="*/ 266572 w 380744"/>
+              <a:gd name="connsiteY2" fmla="*/ 85725 h 581025"/>
+              <a:gd name="connsiteX3" fmla="*/ 295147 w 380744"/>
+              <a:gd name="connsiteY3" fmla="*/ 36195 h 581025"/>
+              <a:gd name="connsiteX4" fmla="*/ 303720 w 380744"/>
+              <a:gd name="connsiteY4" fmla="*/ 10477 h 581025"/>
+              <a:gd name="connsiteX5" fmla="*/ 285622 w 380744"/>
+              <a:gd name="connsiteY5" fmla="*/ 0 h 581025"/>
+              <a:gd name="connsiteX6" fmla="*/ 285622 w 380744"/>
+              <a:gd name="connsiteY6" fmla="*/ 0 h 581025"/>
+              <a:gd name="connsiteX7" fmla="*/ 95122 w 380744"/>
+              <a:gd name="connsiteY7" fmla="*/ 0 h 581025"/>
+              <a:gd name="connsiteX8" fmla="*/ 95122 w 380744"/>
+              <a:gd name="connsiteY8" fmla="*/ 0 h 581025"/>
+              <a:gd name="connsiteX9" fmla="*/ 77025 w 380744"/>
+              <a:gd name="connsiteY9" fmla="*/ 10477 h 581025"/>
+              <a:gd name="connsiteX10" fmla="*/ 85597 w 380744"/>
+              <a:gd name="connsiteY10" fmla="*/ 36195 h 581025"/>
+              <a:gd name="connsiteX11" fmla="*/ 114172 w 380744"/>
+              <a:gd name="connsiteY11" fmla="*/ 85725 h 581025"/>
+              <a:gd name="connsiteX12" fmla="*/ 114172 w 380744"/>
+              <a:gd name="connsiteY12" fmla="*/ 253365 h 581025"/>
+              <a:gd name="connsiteX13" fmla="*/ 4635 w 380744"/>
+              <a:gd name="connsiteY13" fmla="*/ 501015 h 581025"/>
+              <a:gd name="connsiteX14" fmla="*/ 9397 w 380744"/>
+              <a:gd name="connsiteY14" fmla="*/ 555307 h 581025"/>
+              <a:gd name="connsiteX15" fmla="*/ 57022 w 380744"/>
+              <a:gd name="connsiteY15" fmla="*/ 581025 h 581025"/>
+              <a:gd name="connsiteX16" fmla="*/ 323722 w 380744"/>
+              <a:gd name="connsiteY16" fmla="*/ 581025 h 581025"/>
+              <a:gd name="connsiteX17" fmla="*/ 371347 w 380744"/>
+              <a:gd name="connsiteY17" fmla="*/ 555307 h 581025"/>
+              <a:gd name="connsiteX18" fmla="*/ 376110 w 380744"/>
+              <a:gd name="connsiteY18" fmla="*/ 501015 h 581025"/>
+              <a:gd name="connsiteX19" fmla="*/ 228472 w 380744"/>
+              <a:gd name="connsiteY19" fmla="*/ 85725 h 581025"/>
+              <a:gd name="connsiteX20" fmla="*/ 228471 w 380744"/>
+              <a:gd name="connsiteY20" fmla="*/ 265735 h 581025"/>
+              <a:gd name="connsiteX21" fmla="*/ 147695 w 380744"/>
+              <a:gd name="connsiteY21" fmla="*/ 279468 h 581025"/>
+              <a:gd name="connsiteX22" fmla="*/ 152272 w 380744"/>
+              <a:gd name="connsiteY22" fmla="*/ 85725 h 581025"/>
+              <a:gd name="connsiteX23" fmla="*/ 139890 w 380744"/>
+              <a:gd name="connsiteY23" fmla="*/ 38100 h 581025"/>
+              <a:gd name="connsiteX24" fmla="*/ 241807 w 380744"/>
+              <a:gd name="connsiteY24" fmla="*/ 38100 h 581025"/>
+              <a:gd name="connsiteX25" fmla="*/ 228472 w 380744"/>
+              <a:gd name="connsiteY25" fmla="*/ 85725 h 581025"/>
+              <a:gd name="connsiteX0" fmla="*/ 376110 w 380744"/>
+              <a:gd name="connsiteY0" fmla="*/ 501015 h 581025"/>
+              <a:gd name="connsiteX1" fmla="*/ 266572 w 380744"/>
+              <a:gd name="connsiteY1" fmla="*/ 253365 h 581025"/>
+              <a:gd name="connsiteX2" fmla="*/ 266572 w 380744"/>
+              <a:gd name="connsiteY2" fmla="*/ 85725 h 581025"/>
+              <a:gd name="connsiteX3" fmla="*/ 295147 w 380744"/>
+              <a:gd name="connsiteY3" fmla="*/ 36195 h 581025"/>
+              <a:gd name="connsiteX4" fmla="*/ 303720 w 380744"/>
+              <a:gd name="connsiteY4" fmla="*/ 10477 h 581025"/>
+              <a:gd name="connsiteX5" fmla="*/ 285622 w 380744"/>
+              <a:gd name="connsiteY5" fmla="*/ 0 h 581025"/>
+              <a:gd name="connsiteX6" fmla="*/ 285622 w 380744"/>
+              <a:gd name="connsiteY6" fmla="*/ 0 h 581025"/>
+              <a:gd name="connsiteX7" fmla="*/ 95122 w 380744"/>
+              <a:gd name="connsiteY7" fmla="*/ 0 h 581025"/>
+              <a:gd name="connsiteX8" fmla="*/ 95122 w 380744"/>
+              <a:gd name="connsiteY8" fmla="*/ 0 h 581025"/>
+              <a:gd name="connsiteX9" fmla="*/ 77025 w 380744"/>
+              <a:gd name="connsiteY9" fmla="*/ 10477 h 581025"/>
+              <a:gd name="connsiteX10" fmla="*/ 85597 w 380744"/>
+              <a:gd name="connsiteY10" fmla="*/ 36195 h 581025"/>
+              <a:gd name="connsiteX11" fmla="*/ 114172 w 380744"/>
+              <a:gd name="connsiteY11" fmla="*/ 85725 h 581025"/>
+              <a:gd name="connsiteX12" fmla="*/ 114172 w 380744"/>
+              <a:gd name="connsiteY12" fmla="*/ 253365 h 581025"/>
+              <a:gd name="connsiteX13" fmla="*/ 4635 w 380744"/>
+              <a:gd name="connsiteY13" fmla="*/ 501015 h 581025"/>
+              <a:gd name="connsiteX14" fmla="*/ 9397 w 380744"/>
+              <a:gd name="connsiteY14" fmla="*/ 555307 h 581025"/>
+              <a:gd name="connsiteX15" fmla="*/ 57022 w 380744"/>
+              <a:gd name="connsiteY15" fmla="*/ 581025 h 581025"/>
+              <a:gd name="connsiteX16" fmla="*/ 323722 w 380744"/>
+              <a:gd name="connsiteY16" fmla="*/ 581025 h 581025"/>
+              <a:gd name="connsiteX17" fmla="*/ 371347 w 380744"/>
+              <a:gd name="connsiteY17" fmla="*/ 555307 h 581025"/>
+              <a:gd name="connsiteX18" fmla="*/ 376110 w 380744"/>
+              <a:gd name="connsiteY18" fmla="*/ 501015 h 581025"/>
+              <a:gd name="connsiteX19" fmla="*/ 228472 w 380744"/>
+              <a:gd name="connsiteY19" fmla="*/ 85725 h 581025"/>
+              <a:gd name="connsiteX20" fmla="*/ 228471 w 380744"/>
+              <a:gd name="connsiteY20" fmla="*/ 265735 h 581025"/>
+              <a:gd name="connsiteX21" fmla="*/ 147695 w 380744"/>
+              <a:gd name="connsiteY21" fmla="*/ 261157 h 581025"/>
+              <a:gd name="connsiteX22" fmla="*/ 152272 w 380744"/>
+              <a:gd name="connsiteY22" fmla="*/ 85725 h 581025"/>
+              <a:gd name="connsiteX23" fmla="*/ 139890 w 380744"/>
+              <a:gd name="connsiteY23" fmla="*/ 38100 h 581025"/>
+              <a:gd name="connsiteX24" fmla="*/ 241807 w 380744"/>
+              <a:gd name="connsiteY24" fmla="*/ 38100 h 581025"/>
+              <a:gd name="connsiteX25" fmla="*/ 228472 w 380744"/>
+              <a:gd name="connsiteY25" fmla="*/ 85725 h 581025"/>
+              <a:gd name="connsiteX0" fmla="*/ 376110 w 380744"/>
+              <a:gd name="connsiteY0" fmla="*/ 501015 h 581025"/>
+              <a:gd name="connsiteX1" fmla="*/ 266572 w 380744"/>
+              <a:gd name="connsiteY1" fmla="*/ 253365 h 581025"/>
+              <a:gd name="connsiteX2" fmla="*/ 266572 w 380744"/>
+              <a:gd name="connsiteY2" fmla="*/ 85725 h 581025"/>
+              <a:gd name="connsiteX3" fmla="*/ 295147 w 380744"/>
+              <a:gd name="connsiteY3" fmla="*/ 36195 h 581025"/>
+              <a:gd name="connsiteX4" fmla="*/ 303720 w 380744"/>
+              <a:gd name="connsiteY4" fmla="*/ 10477 h 581025"/>
+              <a:gd name="connsiteX5" fmla="*/ 285622 w 380744"/>
+              <a:gd name="connsiteY5" fmla="*/ 0 h 581025"/>
+              <a:gd name="connsiteX6" fmla="*/ 285622 w 380744"/>
+              <a:gd name="connsiteY6" fmla="*/ 0 h 581025"/>
+              <a:gd name="connsiteX7" fmla="*/ 95122 w 380744"/>
+              <a:gd name="connsiteY7" fmla="*/ 0 h 581025"/>
+              <a:gd name="connsiteX8" fmla="*/ 95122 w 380744"/>
+              <a:gd name="connsiteY8" fmla="*/ 0 h 581025"/>
+              <a:gd name="connsiteX9" fmla="*/ 77025 w 380744"/>
+              <a:gd name="connsiteY9" fmla="*/ 10477 h 581025"/>
+              <a:gd name="connsiteX10" fmla="*/ 85597 w 380744"/>
+              <a:gd name="connsiteY10" fmla="*/ 36195 h 581025"/>
+              <a:gd name="connsiteX11" fmla="*/ 114172 w 380744"/>
+              <a:gd name="connsiteY11" fmla="*/ 85725 h 581025"/>
+              <a:gd name="connsiteX12" fmla="*/ 114172 w 380744"/>
+              <a:gd name="connsiteY12" fmla="*/ 253365 h 581025"/>
+              <a:gd name="connsiteX13" fmla="*/ 4635 w 380744"/>
+              <a:gd name="connsiteY13" fmla="*/ 501015 h 581025"/>
+              <a:gd name="connsiteX14" fmla="*/ 9397 w 380744"/>
+              <a:gd name="connsiteY14" fmla="*/ 555307 h 581025"/>
+              <a:gd name="connsiteX15" fmla="*/ 57022 w 380744"/>
+              <a:gd name="connsiteY15" fmla="*/ 581025 h 581025"/>
+              <a:gd name="connsiteX16" fmla="*/ 323722 w 380744"/>
+              <a:gd name="connsiteY16" fmla="*/ 581025 h 581025"/>
+              <a:gd name="connsiteX17" fmla="*/ 371347 w 380744"/>
+              <a:gd name="connsiteY17" fmla="*/ 555307 h 581025"/>
+              <a:gd name="connsiteX18" fmla="*/ 376110 w 380744"/>
+              <a:gd name="connsiteY18" fmla="*/ 501015 h 581025"/>
+              <a:gd name="connsiteX19" fmla="*/ 228472 w 380744"/>
+              <a:gd name="connsiteY19" fmla="*/ 85725 h 581025"/>
+              <a:gd name="connsiteX20" fmla="*/ 228471 w 380744"/>
+              <a:gd name="connsiteY20" fmla="*/ 265735 h 581025"/>
+              <a:gd name="connsiteX21" fmla="*/ 147695 w 380744"/>
+              <a:gd name="connsiteY21" fmla="*/ 270312 h 581025"/>
+              <a:gd name="connsiteX22" fmla="*/ 152272 w 380744"/>
+              <a:gd name="connsiteY22" fmla="*/ 85725 h 581025"/>
+              <a:gd name="connsiteX23" fmla="*/ 139890 w 380744"/>
+              <a:gd name="connsiteY23" fmla="*/ 38100 h 581025"/>
+              <a:gd name="connsiteX24" fmla="*/ 241807 w 380744"/>
+              <a:gd name="connsiteY24" fmla="*/ 38100 h 581025"/>
+              <a:gd name="connsiteX25" fmla="*/ 228472 w 380744"/>
+              <a:gd name="connsiteY25" fmla="*/ 85725 h 581025"/>
+              <a:gd name="connsiteX0" fmla="*/ 376110 w 380744"/>
+              <a:gd name="connsiteY0" fmla="*/ 501015 h 581025"/>
+              <a:gd name="connsiteX1" fmla="*/ 266572 w 380744"/>
+              <a:gd name="connsiteY1" fmla="*/ 253365 h 581025"/>
+              <a:gd name="connsiteX2" fmla="*/ 266572 w 380744"/>
+              <a:gd name="connsiteY2" fmla="*/ 85725 h 581025"/>
+              <a:gd name="connsiteX3" fmla="*/ 295147 w 380744"/>
+              <a:gd name="connsiteY3" fmla="*/ 36195 h 581025"/>
+              <a:gd name="connsiteX4" fmla="*/ 303720 w 380744"/>
+              <a:gd name="connsiteY4" fmla="*/ 10477 h 581025"/>
+              <a:gd name="connsiteX5" fmla="*/ 285622 w 380744"/>
+              <a:gd name="connsiteY5" fmla="*/ 0 h 581025"/>
+              <a:gd name="connsiteX6" fmla="*/ 285622 w 380744"/>
+              <a:gd name="connsiteY6" fmla="*/ 0 h 581025"/>
+              <a:gd name="connsiteX7" fmla="*/ 95122 w 380744"/>
+              <a:gd name="connsiteY7" fmla="*/ 0 h 581025"/>
+              <a:gd name="connsiteX8" fmla="*/ 95122 w 380744"/>
+              <a:gd name="connsiteY8" fmla="*/ 0 h 581025"/>
+              <a:gd name="connsiteX9" fmla="*/ 77025 w 380744"/>
+              <a:gd name="connsiteY9" fmla="*/ 10477 h 581025"/>
+              <a:gd name="connsiteX10" fmla="*/ 85597 w 380744"/>
+              <a:gd name="connsiteY10" fmla="*/ 36195 h 581025"/>
+              <a:gd name="connsiteX11" fmla="*/ 114172 w 380744"/>
+              <a:gd name="connsiteY11" fmla="*/ 85725 h 581025"/>
+              <a:gd name="connsiteX12" fmla="*/ 114172 w 380744"/>
+              <a:gd name="connsiteY12" fmla="*/ 253365 h 581025"/>
+              <a:gd name="connsiteX13" fmla="*/ 4635 w 380744"/>
+              <a:gd name="connsiteY13" fmla="*/ 501015 h 581025"/>
+              <a:gd name="connsiteX14" fmla="*/ 9397 w 380744"/>
+              <a:gd name="connsiteY14" fmla="*/ 555307 h 581025"/>
+              <a:gd name="connsiteX15" fmla="*/ 57022 w 380744"/>
+              <a:gd name="connsiteY15" fmla="*/ 581025 h 581025"/>
+              <a:gd name="connsiteX16" fmla="*/ 323722 w 380744"/>
+              <a:gd name="connsiteY16" fmla="*/ 581025 h 581025"/>
+              <a:gd name="connsiteX17" fmla="*/ 371347 w 380744"/>
+              <a:gd name="connsiteY17" fmla="*/ 555307 h 581025"/>
+              <a:gd name="connsiteX18" fmla="*/ 376110 w 380744"/>
+              <a:gd name="connsiteY18" fmla="*/ 501015 h 581025"/>
+              <a:gd name="connsiteX19" fmla="*/ 228472 w 380744"/>
+              <a:gd name="connsiteY19" fmla="*/ 85725 h 581025"/>
+              <a:gd name="connsiteX20" fmla="*/ 233049 w 380744"/>
+              <a:gd name="connsiteY20" fmla="*/ 270312 h 581025"/>
+              <a:gd name="connsiteX21" fmla="*/ 147695 w 380744"/>
+              <a:gd name="connsiteY21" fmla="*/ 270312 h 581025"/>
+              <a:gd name="connsiteX22" fmla="*/ 152272 w 380744"/>
+              <a:gd name="connsiteY22" fmla="*/ 85725 h 581025"/>
+              <a:gd name="connsiteX23" fmla="*/ 139890 w 380744"/>
+              <a:gd name="connsiteY23" fmla="*/ 38100 h 581025"/>
+              <a:gd name="connsiteX24" fmla="*/ 241807 w 380744"/>
+              <a:gd name="connsiteY24" fmla="*/ 38100 h 581025"/>
+              <a:gd name="connsiteX25" fmla="*/ 228472 w 380744"/>
+              <a:gd name="connsiteY25" fmla="*/ 85725 h 581025"/>
+            </a:gdLst>
+            <a:ahLst/>
+            <a:cxnLst>
+              <a:cxn ang="0">
+                <a:pos x="connsiteX0" y="connsiteY0"/>
+              </a:cxn>
+              <a:cxn ang="0">
+                <a:pos x="connsiteX1" y="connsiteY1"/>
+              </a:cxn>
+              <a:cxn ang="0">
+                <a:pos x="connsiteX2" y="connsiteY2"/>
+              </a:cxn>
+              <a:cxn ang="0">
+                <a:pos x="connsiteX3" y="connsiteY3"/>
+              </a:cxn>
+              <a:cxn ang="0">
+                <a:pos x="connsiteX4" y="connsiteY4"/>
+              </a:cxn>
+              <a:cxn ang="0">
+                <a:pos x="connsiteX5" y="connsiteY5"/>
+              </a:cxn>
+              <a:cxn ang="0">
+                <a:pos x="connsiteX6" y="connsiteY6"/>
+              </a:cxn>
+              <a:cxn ang="0">
+                <a:pos x="connsiteX7" y="connsiteY7"/>
+              </a:cxn>
+              <a:cxn ang="0">
+                <a:pos x="connsiteX8" y="connsiteY8"/>
+              </a:cxn>
+              <a:cxn ang="0">
+                <a:pos x="connsiteX9" y="connsiteY9"/>
+              </a:cxn>
+              <a:cxn ang="0">
+                <a:pos x="connsiteX10" y="connsiteY10"/>
+              </a:cxn>
+              <a:cxn ang="0">
+                <a:pos x="connsiteX11" y="connsiteY11"/>
+              </a:cxn>
+              <a:cxn ang="0">
+                <a:pos x="connsiteX12" y="connsiteY12"/>
+              </a:cxn>
+              <a:cxn ang="0">
+                <a:pos x="connsiteX13" y="connsiteY13"/>
+              </a:cxn>
+              <a:cxn ang="0">
+                <a:pos x="connsiteX14" y="connsiteY14"/>
+              </a:cxn>
+              <a:cxn ang="0">
+                <a:pos x="connsiteX15" y="connsiteY15"/>
+              </a:cxn>
+              <a:cxn ang="0">
+                <a:pos x="connsiteX16" y="connsiteY16"/>
+              </a:cxn>
+              <a:cxn ang="0">
+                <a:pos x="connsiteX17" y="connsiteY17"/>
+              </a:cxn>
+              <a:cxn ang="0">
+                <a:pos x="connsiteX18" y="connsiteY18"/>
+              </a:cxn>
+              <a:cxn ang="0">
+                <a:pos x="connsiteX19" y="connsiteY19"/>
+              </a:cxn>
+              <a:cxn ang="0">
+                <a:pos x="connsiteX20" y="connsiteY20"/>
+              </a:cxn>
+              <a:cxn ang="0">
+                <a:pos x="connsiteX21" y="connsiteY21"/>
+              </a:cxn>
+              <a:cxn ang="0">
+                <a:pos x="connsiteX22" y="connsiteY22"/>
+              </a:cxn>
+              <a:cxn ang="0">
+                <a:pos x="connsiteX23" y="connsiteY23"/>
+              </a:cxn>
+              <a:cxn ang="0">
+                <a:pos x="connsiteX24" y="connsiteY24"/>
+              </a:cxn>
+              <a:cxn ang="0">
+                <a:pos x="connsiteX25" y="connsiteY25"/>
+              </a:cxn>
+            </a:cxnLst>
+            <a:rect l="l" t="t" r="r" b="b"/>
+            <a:pathLst>
+              <a:path w="380744" h="581025">
+                <a:moveTo>
+                  <a:pt x="376110" y="501015"/>
+                </a:moveTo>
+                <a:lnTo>
+                  <a:pt x="266572" y="253365"/>
+                </a:lnTo>
+                <a:lnTo>
+                  <a:pt x="266572" y="85725"/>
+                </a:lnTo>
+                <a:cubicBezTo>
+                  <a:pt x="266572" y="51435"/>
+                  <a:pt x="294195" y="37147"/>
+                  <a:pt x="295147" y="36195"/>
+                </a:cubicBezTo>
+                <a:cubicBezTo>
+                  <a:pt x="304672" y="31432"/>
+                  <a:pt x="308482" y="20002"/>
+                  <a:pt x="303720" y="10477"/>
+                </a:cubicBezTo>
+                <a:cubicBezTo>
+                  <a:pt x="299910" y="3810"/>
+                  <a:pt x="293242" y="0"/>
+                  <a:pt x="285622" y="0"/>
+                </a:cubicBezTo>
+                <a:lnTo>
+                  <a:pt x="285622" y="0"/>
+                </a:lnTo>
+                <a:lnTo>
+                  <a:pt x="95122" y="0"/>
+                </a:lnTo>
+                <a:lnTo>
+                  <a:pt x="95122" y="0"/>
+                </a:lnTo>
+                <a:cubicBezTo>
+                  <a:pt x="87502" y="0"/>
+                  <a:pt x="80835" y="3810"/>
+                  <a:pt x="77025" y="10477"/>
+                </a:cubicBezTo>
+                <a:cubicBezTo>
+                  <a:pt x="72262" y="20002"/>
+                  <a:pt x="76072" y="31432"/>
+                  <a:pt x="85597" y="36195"/>
+                </a:cubicBezTo>
+                <a:cubicBezTo>
+                  <a:pt x="85597" y="36195"/>
+                  <a:pt x="114172" y="51435"/>
+                  <a:pt x="114172" y="85725"/>
+                </a:cubicBezTo>
+                <a:lnTo>
+                  <a:pt x="114172" y="253365"/>
+                </a:lnTo>
+                <a:lnTo>
+                  <a:pt x="4635" y="501015"/>
+                </a:lnTo>
+                <a:cubicBezTo>
+                  <a:pt x="-2985" y="519112"/>
+                  <a:pt x="-1080" y="539115"/>
+                  <a:pt x="9397" y="555307"/>
+                </a:cubicBezTo>
+                <a:cubicBezTo>
+                  <a:pt x="19875" y="571500"/>
+                  <a:pt x="37972" y="581025"/>
+                  <a:pt x="57022" y="581025"/>
+                </a:cubicBezTo>
+                <a:lnTo>
+                  <a:pt x="323722" y="581025"/>
+                </a:lnTo>
+                <a:cubicBezTo>
+                  <a:pt x="342772" y="581025"/>
+                  <a:pt x="360870" y="571500"/>
+                  <a:pt x="371347" y="555307"/>
+                </a:cubicBezTo>
+                <a:cubicBezTo>
+                  <a:pt x="381825" y="539115"/>
+                  <a:pt x="383730" y="519112"/>
+                  <a:pt x="376110" y="501015"/>
+                </a:cubicBezTo>
+                <a:close/>
+                <a:moveTo>
+                  <a:pt x="228472" y="85725"/>
+                </a:moveTo>
+                <a:cubicBezTo>
+                  <a:pt x="228472" y="145728"/>
+                  <a:pt x="233049" y="210309"/>
+                  <a:pt x="233049" y="270312"/>
+                </a:cubicBezTo>
+                <a:lnTo>
+                  <a:pt x="147695" y="270312"/>
+                </a:lnTo>
+                <a:lnTo>
+                  <a:pt x="152272" y="85725"/>
+                </a:lnTo>
+                <a:cubicBezTo>
+                  <a:pt x="152272" y="65722"/>
+                  <a:pt x="146557" y="50482"/>
+                  <a:pt x="139890" y="38100"/>
+                </a:cubicBezTo>
+                <a:lnTo>
+                  <a:pt x="241807" y="38100"/>
+                </a:lnTo>
+                <a:cubicBezTo>
+                  <a:pt x="234187" y="50482"/>
+                  <a:pt x="228472" y="65722"/>
+                  <a:pt x="228472" y="85725"/>
+                </a:cubicBezTo>
+                <a:close/>
+              </a:path>
+            </a:pathLst>
+          </a:custGeom>
+          <a:solidFill>
+            <a:schemeClr val="accent2">
+              <a:lumMod val="75000"/>
+            </a:schemeClr>
+          </a:solidFill>
+          <a:ln w="15875" cap="flat">
+            <a:solidFill>
+              <a:schemeClr val="tx1"/>
+            </a:solidFill>
+            <a:prstDash val="solid"/>
+            <a:miter/>
+          </a:ln>
+        </p:spPr>
+        <p:txBody>
+          <a:bodyPr rtlCol="0" anchor="ctr"/>
+          <a:lstStyle/>
+          <a:p>
+            <a:endParaRPr lang="ko-KR" altLang="en-US" dirty="0"/>
+          </a:p>
+        </p:txBody>
+      </p:sp>
+      <mc:AlternateContent xmlns:mc="http://schemas.openxmlformats.org/markup-compatibility/2006">
+        <mc:Choice xmlns:a14="http://schemas.microsoft.com/office/drawing/2010/main" Requires="a14">
+          <p:sp>
+            <p:nvSpPr>
+              <p:cNvPr id="144" name="TextBox 143">
+                <a:extLst>
+                  <a:ext uri="{FF2B5EF4-FFF2-40B4-BE49-F238E27FC236}">
+                    <a16:creationId xmlns:a16="http://schemas.microsoft.com/office/drawing/2014/main" id="{D305D432-2CA2-4F97-8A33-78A3DC4D5455}"/>
+                  </a:ext>
+                </a:extLst>
+              </p:cNvPr>
+              <p:cNvSpPr txBox="1"/>
+              <p:nvPr/>
+            </p:nvSpPr>
+            <p:spPr>
+              <a:xfrm rot="400391">
+                <a:off x="7468204" y="4721488"/>
+                <a:ext cx="240450" cy="276999"/>
+              </a:xfrm>
+              <a:prstGeom prst="rect">
+                <a:avLst/>
+              </a:prstGeom>
+              <a:noFill/>
+            </p:spPr>
+            <p:txBody>
+              <a:bodyPr wrap="none" lIns="0" tIns="0" rIns="0" bIns="0" rtlCol="0">
+                <a:spAutoFit/>
+              </a:bodyPr>
+              <a:lstStyle/>
+              <a:p>
+                <a:pPr/>
+                <a14:m>
+                  <m:oMathPara xmlns:m="http://schemas.openxmlformats.org/officeDocument/2006/math">
+                    <m:oMathParaPr>
+                      <m:jc m:val="centerGroup"/>
+                    </m:oMathParaPr>
+                    <m:oMath xmlns:m="http://schemas.openxmlformats.org/officeDocument/2006/math">
+                      <m:r>
+                        <a:rPr lang="ko-KR" altLang="en-US" b="1" i="1" smtClean="0">
+                          <a:solidFill>
+                            <a:srgbClr val="FF0000"/>
+                          </a:solidFill>
+                          <a:latin typeface="Cambria Math" panose="02040503050406030204" pitchFamily="18" charset="0"/>
+                        </a:rPr>
+                        <m:t>𝝅</m:t>
+                      </m:r>
+                    </m:oMath>
+                  </m:oMathPara>
+                </a14:m>
+                <a:endParaRPr lang="ko-KR" altLang="en-US" b="1" dirty="0">
+                  <a:solidFill>
+                    <a:srgbClr val="FF0000"/>
+                  </a:solidFill>
+                </a:endParaRPr>
+              </a:p>
+            </p:txBody>
+          </p:sp>
+        </mc:Choice>
+        <mc:Fallback>
+          <p:sp>
+            <p:nvSpPr>
+              <p:cNvPr id="144" name="TextBox 143">
+                <a:extLst>
+                  <a:ext uri="{FF2B5EF4-FFF2-40B4-BE49-F238E27FC236}">
+                    <a16:creationId xmlns:a16="http://schemas.microsoft.com/office/drawing/2014/main" id="{D305D432-2CA2-4F97-8A33-78A3DC4D5455}"/>
+                  </a:ext>
+                </a:extLst>
+              </p:cNvPr>
+              <p:cNvSpPr txBox="1">
+                <a:spLocks noRot="1" noChangeAspect="1" noMove="1" noResize="1" noEditPoints="1" noAdjustHandles="1" noChangeArrowheads="1" noChangeShapeType="1" noTextEdit="1"/>
+              </p:cNvSpPr>
+              <p:nvPr/>
+            </p:nvSpPr>
+            <p:spPr>
+              <a:xfrm rot="400391">
+                <a:off x="7468204" y="4721488"/>
+                <a:ext cx="240450" cy="276999"/>
+              </a:xfrm>
+              <a:prstGeom prst="rect">
+                <a:avLst/>
+              </a:prstGeom>
+              <a:blipFill>
+                <a:blip r:embed="rId17"/>
+                <a:stretch>
+                  <a:fillRect l="-6522" r="-2174" b="-1961"/>
+                </a:stretch>
+              </a:blipFill>
+            </p:spPr>
+            <p:txBody>
+              <a:bodyPr/>
+              <a:lstStyle/>
+              <a:p>
+                <a:r>
+                  <a:rPr lang="ko-KR" altLang="en-US">
+                    <a:noFill/>
+                  </a:rPr>
+                  <a:t> </a:t>
+                </a:r>
+              </a:p>
+            </p:txBody>
+          </p:sp>
+        </mc:Fallback>
+      </mc:AlternateContent>
+      <mc:AlternateContent xmlns:mc="http://schemas.openxmlformats.org/markup-compatibility/2006">
+        <mc:Choice xmlns:a14="http://schemas.microsoft.com/office/drawing/2010/main" Requires="a14">
+          <p:sp>
+            <p:nvSpPr>
+              <p:cNvPr id="145" name="TextBox 144">
+                <a:extLst>
+                  <a:ext uri="{FF2B5EF4-FFF2-40B4-BE49-F238E27FC236}">
+                    <a16:creationId xmlns:a16="http://schemas.microsoft.com/office/drawing/2014/main" id="{B4A12E6E-9FC8-41A8-AE6A-F86ADC08F646}"/>
+                  </a:ext>
+                </a:extLst>
+              </p:cNvPr>
+              <p:cNvSpPr txBox="1"/>
+              <p:nvPr/>
+            </p:nvSpPr>
+            <p:spPr>
+              <a:xfrm rot="20905432">
+                <a:off x="7041856" y="5166904"/>
+                <a:ext cx="208390" cy="246221"/>
+              </a:xfrm>
+              <a:prstGeom prst="rect">
+                <a:avLst/>
+              </a:prstGeom>
+              <a:noFill/>
+            </p:spPr>
+            <p:txBody>
+              <a:bodyPr wrap="none" lIns="0" tIns="0" rIns="0" bIns="0" rtlCol="0">
+                <a:spAutoFit/>
+              </a:bodyPr>
+              <a:lstStyle/>
+              <a:p>
+                <a:pPr/>
+                <a14:m>
+                  <m:oMathPara xmlns:m="http://schemas.openxmlformats.org/officeDocument/2006/math">
+                    <m:oMathParaPr>
+                      <m:jc m:val="centerGroup"/>
+                    </m:oMathParaPr>
+                    <m:oMath xmlns:m="http://schemas.openxmlformats.org/officeDocument/2006/math">
+                      <m:r>
+                        <a:rPr lang="en-US" altLang="ko-KR" sz="1600" b="1" i="1" smtClean="0">
+                          <a:solidFill>
+                            <a:srgbClr val="0000CC"/>
+                          </a:solidFill>
+                          <a:latin typeface="Cambria Math" panose="02040503050406030204" pitchFamily="18" charset="0"/>
+                        </a:rPr>
+                        <m:t>𝑨</m:t>
+                      </m:r>
+                    </m:oMath>
+                  </m:oMathPara>
+                </a14:m>
+                <a:endParaRPr lang="ko-KR" altLang="en-US" sz="1600" b="1" dirty="0">
+                  <a:solidFill>
+                    <a:srgbClr val="0000CC"/>
+                  </a:solidFill>
+                </a:endParaRPr>
+              </a:p>
+            </p:txBody>
+          </p:sp>
+        </mc:Choice>
+        <mc:Fallback>
+          <p:sp>
+            <p:nvSpPr>
+              <p:cNvPr id="145" name="TextBox 144">
+                <a:extLst>
+                  <a:ext uri="{FF2B5EF4-FFF2-40B4-BE49-F238E27FC236}">
+                    <a16:creationId xmlns:a16="http://schemas.microsoft.com/office/drawing/2014/main" id="{B4A12E6E-9FC8-41A8-AE6A-F86ADC08F646}"/>
+                  </a:ext>
+                </a:extLst>
+              </p:cNvPr>
+              <p:cNvSpPr txBox="1">
+                <a:spLocks noRot="1" noChangeAspect="1" noMove="1" noResize="1" noEditPoints="1" noAdjustHandles="1" noChangeArrowheads="1" noChangeShapeType="1" noTextEdit="1"/>
+              </p:cNvSpPr>
+              <p:nvPr/>
+            </p:nvSpPr>
+            <p:spPr>
+              <a:xfrm rot="20905432">
+                <a:off x="7041856" y="5166904"/>
+                <a:ext cx="208390" cy="246221"/>
+              </a:xfrm>
+              <a:prstGeom prst="rect">
+                <a:avLst/>
+              </a:prstGeom>
+              <a:blipFill>
+                <a:blip r:embed="rId18"/>
+                <a:stretch>
+                  <a:fillRect l="-9302" r="-11628" b="-10638"/>
+                </a:stretch>
+              </a:blipFill>
+            </p:spPr>
+            <p:txBody>
+              <a:bodyPr/>
+              <a:lstStyle/>
+              <a:p>
+                <a:r>
+                  <a:rPr lang="ko-KR" altLang="en-US">
+                    <a:noFill/>
+                  </a:rPr>
+                  <a:t> </a:t>
+                </a:r>
+              </a:p>
+            </p:txBody>
+          </p:sp>
+        </mc:Fallback>
+      </mc:AlternateContent>
+      <p:sp>
+        <p:nvSpPr>
+          <p:cNvPr id="146" name="TextBox 145">
+            <a:extLst>
+              <a:ext uri="{FF2B5EF4-FFF2-40B4-BE49-F238E27FC236}">
+                <a16:creationId xmlns:a16="http://schemas.microsoft.com/office/drawing/2014/main" id="{C906EED3-8750-4CD5-A9CD-0BF484BF77FA}"/>
+              </a:ext>
+            </a:extLst>
+          </p:cNvPr>
+          <p:cNvSpPr txBox="1"/>
+          <p:nvPr/>
+        </p:nvSpPr>
+        <p:spPr>
+          <a:xfrm rot="20905432">
+            <a:off x="8353986" y="4891450"/>
+            <a:ext cx="179536" cy="215444"/>
+          </a:xfrm>
+          <a:prstGeom prst="rect">
+            <a:avLst/>
+          </a:prstGeom>
+          <a:noFill/>
+        </p:spPr>
+        <p:txBody>
+          <a:bodyPr wrap="none" lIns="0" tIns="0" rIns="0" bIns="0" rtlCol="0">
+            <a:spAutoFit/>
+          </a:bodyPr>
+          <a:lstStyle/>
+          <a:p>
+            <a:r>
+              <a:rPr lang="ko-KR" altLang="en-US" sz="1400" b="1" dirty="0">
+                <a:solidFill>
+                  <a:srgbClr val="FF0000"/>
+                </a:solidFill>
+              </a:rPr>
+              <a:t>가</a:t>
+            </a:r>
+          </a:p>
+        </p:txBody>
+      </p:sp>
+      <p:grpSp>
+        <p:nvGrpSpPr>
+          <p:cNvPr id="147" name="그룹 146">
+            <a:extLst>
+              <a:ext uri="{FF2B5EF4-FFF2-40B4-BE49-F238E27FC236}">
+                <a16:creationId xmlns:a16="http://schemas.microsoft.com/office/drawing/2014/main" id="{FAF721FD-837A-4270-8DBE-195427C8EAA7}"/>
+              </a:ext>
+            </a:extLst>
+          </p:cNvPr>
+          <p:cNvGrpSpPr/>
+          <p:nvPr/>
+        </p:nvGrpSpPr>
+        <p:grpSpPr>
+          <a:xfrm>
+            <a:off x="7138514" y="4953996"/>
+            <a:ext cx="1096258" cy="1047041"/>
+            <a:chOff x="1565378" y="2893059"/>
+            <a:chExt cx="1451037" cy="1385892"/>
+          </a:xfrm>
+        </p:grpSpPr>
+        <p:sp>
+          <p:nvSpPr>
+            <p:cNvPr id="148" name="타원 147">
+              <a:extLst>
+                <a:ext uri="{FF2B5EF4-FFF2-40B4-BE49-F238E27FC236}">
+                  <a16:creationId xmlns:a16="http://schemas.microsoft.com/office/drawing/2014/main" id="{BC1083B8-6183-4934-9D3F-2F1C3E50303F}"/>
+                </a:ext>
+              </a:extLst>
+            </p:cNvPr>
+            <p:cNvSpPr/>
+            <p:nvPr/>
+          </p:nvSpPr>
+          <p:spPr>
+            <a:xfrm>
+              <a:off x="2093176" y="3840175"/>
+              <a:ext cx="125684" cy="438776"/>
+            </a:xfrm>
+            <a:prstGeom prst="ellipse">
+              <a:avLst/>
+            </a:prstGeom>
+            <a:solidFill>
+              <a:schemeClr val="accent4">
+                <a:lumMod val="20000"/>
+                <a:lumOff val="80000"/>
+              </a:schemeClr>
+            </a:solidFill>
+            <a:ln w="25400">
+              <a:solidFill>
+                <a:schemeClr val="tx1"/>
+              </a:solidFill>
+            </a:ln>
+          </p:spPr>
+          <p:style>
+            <a:lnRef idx="2">
+              <a:schemeClr val="accent1">
+                <a:shade val="50000"/>
+              </a:schemeClr>
+            </a:lnRef>
+            <a:fillRef idx="1">
+              <a:schemeClr val="accent1"/>
+            </a:fillRef>
+            <a:effectRef idx="0">
+              <a:schemeClr val="accent1"/>
+            </a:effectRef>
+            <a:fontRef idx="minor">
+              <a:schemeClr val="lt1"/>
+            </a:fontRef>
+          </p:style>
+          <p:txBody>
+            <a:bodyPr rtlCol="0" anchor="ctr"/>
+            <a:lstStyle/>
+            <a:p>
+              <a:pPr algn="ctr"/>
+              <a:endParaRPr lang="ko-KR" altLang="en-US" b="1" dirty="0"/>
+            </a:p>
+          </p:txBody>
+        </p:sp>
+        <p:sp>
+          <p:nvSpPr>
+            <p:cNvPr id="149" name="타원 148">
+              <a:extLst>
+                <a:ext uri="{FF2B5EF4-FFF2-40B4-BE49-F238E27FC236}">
+                  <a16:creationId xmlns:a16="http://schemas.microsoft.com/office/drawing/2014/main" id="{BB8130C3-CDA8-4E8D-B01A-1B75FDBCC595}"/>
+                </a:ext>
+              </a:extLst>
+            </p:cNvPr>
+            <p:cNvSpPr/>
+            <p:nvPr/>
+          </p:nvSpPr>
+          <p:spPr>
+            <a:xfrm>
+              <a:off x="2167899" y="3840175"/>
+              <a:ext cx="125684" cy="438776"/>
+            </a:xfrm>
+            <a:prstGeom prst="ellipse">
+              <a:avLst/>
+            </a:prstGeom>
+            <a:solidFill>
+              <a:schemeClr val="accent4">
+                <a:lumMod val="20000"/>
+                <a:lumOff val="80000"/>
+              </a:schemeClr>
+            </a:solidFill>
+            <a:ln w="25400">
+              <a:solidFill>
+                <a:schemeClr val="tx1"/>
+              </a:solidFill>
+            </a:ln>
+          </p:spPr>
+          <p:style>
+            <a:lnRef idx="2">
+              <a:schemeClr val="accent1">
+                <a:shade val="50000"/>
+              </a:schemeClr>
+            </a:lnRef>
+            <a:fillRef idx="1">
+              <a:schemeClr val="accent1"/>
+            </a:fillRef>
+            <a:effectRef idx="0">
+              <a:schemeClr val="accent1"/>
+            </a:effectRef>
+            <a:fontRef idx="minor">
+              <a:schemeClr val="lt1"/>
+            </a:fontRef>
+          </p:style>
+          <p:txBody>
+            <a:bodyPr rtlCol="0" anchor="ctr"/>
+            <a:lstStyle/>
+            <a:p>
+              <a:pPr algn="ctr"/>
+              <a:endParaRPr lang="ko-KR" altLang="en-US" b="1" dirty="0"/>
+            </a:p>
+          </p:txBody>
+        </p:sp>
+        <p:sp>
+          <p:nvSpPr>
+            <p:cNvPr id="150" name="타원 38">
+              <a:extLst>
+                <a:ext uri="{FF2B5EF4-FFF2-40B4-BE49-F238E27FC236}">
+                  <a16:creationId xmlns:a16="http://schemas.microsoft.com/office/drawing/2014/main" id="{6A03D59B-ED70-4C06-AA0E-3DA05540046B}"/>
+                </a:ext>
+              </a:extLst>
+            </p:cNvPr>
+            <p:cNvSpPr/>
+            <p:nvPr/>
+          </p:nvSpPr>
+          <p:spPr>
+            <a:xfrm rot="16200000">
+              <a:off x="2278999" y="3409260"/>
+              <a:ext cx="134321" cy="370096"/>
+            </a:xfrm>
+            <a:custGeom>
+              <a:avLst/>
+              <a:gdLst>
+                <a:gd name="connsiteX0" fmla="*/ 0 w 187900"/>
+                <a:gd name="connsiteY0" fmla="*/ 334999 h 669997"/>
+                <a:gd name="connsiteX1" fmla="*/ 93950 w 187900"/>
+                <a:gd name="connsiteY1" fmla="*/ 0 h 669997"/>
+                <a:gd name="connsiteX2" fmla="*/ 187900 w 187900"/>
+                <a:gd name="connsiteY2" fmla="*/ 334999 h 669997"/>
+                <a:gd name="connsiteX3" fmla="*/ 93950 w 187900"/>
+                <a:gd name="connsiteY3" fmla="*/ 669998 h 669997"/>
+                <a:gd name="connsiteX4" fmla="*/ 0 w 187900"/>
+                <a:gd name="connsiteY4" fmla="*/ 334999 h 669997"/>
+                <a:gd name="connsiteX0" fmla="*/ 61 w 187961"/>
+                <a:gd name="connsiteY0" fmla="*/ 258796 h 593795"/>
+                <a:gd name="connsiteX1" fmla="*/ 83851 w 187961"/>
+                <a:gd name="connsiteY1" fmla="*/ 0 h 593795"/>
+                <a:gd name="connsiteX2" fmla="*/ 187961 w 187961"/>
+                <a:gd name="connsiteY2" fmla="*/ 258796 h 593795"/>
+                <a:gd name="connsiteX3" fmla="*/ 94011 w 187961"/>
+                <a:gd name="connsiteY3" fmla="*/ 593795 h 593795"/>
+                <a:gd name="connsiteX4" fmla="*/ 61 w 187961"/>
+                <a:gd name="connsiteY4" fmla="*/ 258796 h 593795"/>
+                <a:gd name="connsiteX0" fmla="*/ 61 w 187961"/>
+                <a:gd name="connsiteY0" fmla="*/ 192756 h 527755"/>
+                <a:gd name="connsiteX1" fmla="*/ 83851 w 187961"/>
+                <a:gd name="connsiteY1" fmla="*/ 0 h 527755"/>
+                <a:gd name="connsiteX2" fmla="*/ 187961 w 187961"/>
+                <a:gd name="connsiteY2" fmla="*/ 192756 h 527755"/>
+                <a:gd name="connsiteX3" fmla="*/ 94011 w 187961"/>
+                <a:gd name="connsiteY3" fmla="*/ 527755 h 527755"/>
+                <a:gd name="connsiteX4" fmla="*/ 61 w 187961"/>
+                <a:gd name="connsiteY4" fmla="*/ 192756 h 527755"/>
+                <a:gd name="connsiteX0" fmla="*/ 61 w 187961"/>
+                <a:gd name="connsiteY0" fmla="*/ 192756 h 527755"/>
+                <a:gd name="connsiteX1" fmla="*/ 83851 w 187961"/>
+                <a:gd name="connsiteY1" fmla="*/ 0 h 527755"/>
+                <a:gd name="connsiteX2" fmla="*/ 187961 w 187961"/>
+                <a:gd name="connsiteY2" fmla="*/ 192756 h 527755"/>
+                <a:gd name="connsiteX3" fmla="*/ 94011 w 187961"/>
+                <a:gd name="connsiteY3" fmla="*/ 527755 h 527755"/>
+                <a:gd name="connsiteX4" fmla="*/ 61 w 187961"/>
+                <a:gd name="connsiteY4" fmla="*/ 192756 h 527755"/>
+                <a:gd name="connsiteX0" fmla="*/ 61 w 187961"/>
+                <a:gd name="connsiteY0" fmla="*/ 192756 h 527755"/>
+                <a:gd name="connsiteX1" fmla="*/ 83851 w 187961"/>
+                <a:gd name="connsiteY1" fmla="*/ 0 h 527755"/>
+                <a:gd name="connsiteX2" fmla="*/ 187961 w 187961"/>
+                <a:gd name="connsiteY2" fmla="*/ 192756 h 527755"/>
+                <a:gd name="connsiteX3" fmla="*/ 94011 w 187961"/>
+                <a:gd name="connsiteY3" fmla="*/ 527755 h 527755"/>
+                <a:gd name="connsiteX4" fmla="*/ 61 w 187961"/>
+                <a:gd name="connsiteY4" fmla="*/ 192756 h 527755"/>
+                <a:gd name="connsiteX0" fmla="*/ 61 w 187961"/>
+                <a:gd name="connsiteY0" fmla="*/ 192756 h 527755"/>
+                <a:gd name="connsiteX1" fmla="*/ 83851 w 187961"/>
+                <a:gd name="connsiteY1" fmla="*/ 0 h 527755"/>
+                <a:gd name="connsiteX2" fmla="*/ 187961 w 187961"/>
+                <a:gd name="connsiteY2" fmla="*/ 192756 h 527755"/>
+                <a:gd name="connsiteX3" fmla="*/ 94011 w 187961"/>
+                <a:gd name="connsiteY3" fmla="*/ 527755 h 527755"/>
+                <a:gd name="connsiteX4" fmla="*/ 61 w 187961"/>
+                <a:gd name="connsiteY4" fmla="*/ 192756 h 527755"/>
+                <a:gd name="connsiteX0" fmla="*/ 61 w 187961"/>
+                <a:gd name="connsiteY0" fmla="*/ 192756 h 527755"/>
+                <a:gd name="connsiteX1" fmla="*/ 83851 w 187961"/>
+                <a:gd name="connsiteY1" fmla="*/ 0 h 527755"/>
+                <a:gd name="connsiteX2" fmla="*/ 187961 w 187961"/>
+                <a:gd name="connsiteY2" fmla="*/ 192756 h 527755"/>
+                <a:gd name="connsiteX3" fmla="*/ 94011 w 187961"/>
+                <a:gd name="connsiteY3" fmla="*/ 527755 h 527755"/>
+                <a:gd name="connsiteX4" fmla="*/ 61 w 187961"/>
+                <a:gd name="connsiteY4" fmla="*/ 192756 h 527755"/>
+                <a:gd name="connsiteX0" fmla="*/ 61 w 187961"/>
+                <a:gd name="connsiteY0" fmla="*/ 192756 h 527755"/>
+                <a:gd name="connsiteX1" fmla="*/ 83851 w 187961"/>
+                <a:gd name="connsiteY1" fmla="*/ 0 h 527755"/>
+                <a:gd name="connsiteX2" fmla="*/ 187961 w 187961"/>
+                <a:gd name="connsiteY2" fmla="*/ 192756 h 527755"/>
+                <a:gd name="connsiteX3" fmla="*/ 94011 w 187961"/>
+                <a:gd name="connsiteY3" fmla="*/ 527755 h 527755"/>
+                <a:gd name="connsiteX4" fmla="*/ 61 w 187961"/>
+                <a:gd name="connsiteY4" fmla="*/ 192756 h 527755"/>
+                <a:gd name="connsiteX0" fmla="*/ 61 w 187961"/>
+                <a:gd name="connsiteY0" fmla="*/ 192756 h 527755"/>
+                <a:gd name="connsiteX1" fmla="*/ 83851 w 187961"/>
+                <a:gd name="connsiteY1" fmla="*/ 0 h 527755"/>
+                <a:gd name="connsiteX2" fmla="*/ 187961 w 187961"/>
+                <a:gd name="connsiteY2" fmla="*/ 192756 h 527755"/>
+                <a:gd name="connsiteX3" fmla="*/ 94011 w 187961"/>
+                <a:gd name="connsiteY3" fmla="*/ 527755 h 527755"/>
+                <a:gd name="connsiteX4" fmla="*/ 61 w 187961"/>
+                <a:gd name="connsiteY4" fmla="*/ 192756 h 527755"/>
+                <a:gd name="connsiteX0" fmla="*/ 61 w 187961"/>
+                <a:gd name="connsiteY0" fmla="*/ 192756 h 527755"/>
+                <a:gd name="connsiteX1" fmla="*/ 83851 w 187961"/>
+                <a:gd name="connsiteY1" fmla="*/ 0 h 527755"/>
+                <a:gd name="connsiteX2" fmla="*/ 187961 w 187961"/>
+                <a:gd name="connsiteY2" fmla="*/ 192756 h 527755"/>
+                <a:gd name="connsiteX3" fmla="*/ 94011 w 187961"/>
+                <a:gd name="connsiteY3" fmla="*/ 527755 h 527755"/>
+                <a:gd name="connsiteX4" fmla="*/ 61 w 187961"/>
+                <a:gd name="connsiteY4" fmla="*/ 192756 h 527755"/>
+                <a:gd name="connsiteX0" fmla="*/ 61 w 187961"/>
+                <a:gd name="connsiteY0" fmla="*/ 192756 h 527755"/>
+                <a:gd name="connsiteX1" fmla="*/ 83851 w 187961"/>
+                <a:gd name="connsiteY1" fmla="*/ 0 h 527755"/>
+                <a:gd name="connsiteX2" fmla="*/ 187961 w 187961"/>
+                <a:gd name="connsiteY2" fmla="*/ 192756 h 527755"/>
+                <a:gd name="connsiteX3" fmla="*/ 94011 w 187961"/>
+                <a:gd name="connsiteY3" fmla="*/ 527755 h 527755"/>
+                <a:gd name="connsiteX4" fmla="*/ 61 w 187961"/>
+                <a:gd name="connsiteY4" fmla="*/ 192756 h 527755"/>
+                <a:gd name="connsiteX0" fmla="*/ 61 w 187961"/>
+                <a:gd name="connsiteY0" fmla="*/ 192756 h 527755"/>
+                <a:gd name="connsiteX1" fmla="*/ 83851 w 187961"/>
+                <a:gd name="connsiteY1" fmla="*/ 0 h 527755"/>
+                <a:gd name="connsiteX2" fmla="*/ 187961 w 187961"/>
+                <a:gd name="connsiteY2" fmla="*/ 192756 h 527755"/>
+                <a:gd name="connsiteX3" fmla="*/ 94011 w 187961"/>
+                <a:gd name="connsiteY3" fmla="*/ 527755 h 527755"/>
+                <a:gd name="connsiteX4" fmla="*/ 61 w 187961"/>
+                <a:gd name="connsiteY4" fmla="*/ 192756 h 527755"/>
+                <a:gd name="connsiteX0" fmla="*/ 61 w 187961"/>
+                <a:gd name="connsiteY0" fmla="*/ 192756 h 527755"/>
+                <a:gd name="connsiteX1" fmla="*/ 83851 w 187961"/>
+                <a:gd name="connsiteY1" fmla="*/ 0 h 527755"/>
+                <a:gd name="connsiteX2" fmla="*/ 187961 w 187961"/>
+                <a:gd name="connsiteY2" fmla="*/ 192756 h 527755"/>
+                <a:gd name="connsiteX3" fmla="*/ 94011 w 187961"/>
+                <a:gd name="connsiteY3" fmla="*/ 527755 h 527755"/>
+                <a:gd name="connsiteX4" fmla="*/ 61 w 187961"/>
+                <a:gd name="connsiteY4" fmla="*/ 192756 h 527755"/>
+                <a:gd name="connsiteX0" fmla="*/ 20 w 245024"/>
+                <a:gd name="connsiteY0" fmla="*/ 196022 h 527776"/>
+                <a:gd name="connsiteX1" fmla="*/ 140914 w 245024"/>
+                <a:gd name="connsiteY1" fmla="*/ 21 h 527776"/>
+                <a:gd name="connsiteX2" fmla="*/ 245024 w 245024"/>
+                <a:gd name="connsiteY2" fmla="*/ 192777 h 527776"/>
+                <a:gd name="connsiteX3" fmla="*/ 151074 w 245024"/>
+                <a:gd name="connsiteY3" fmla="*/ 527776 h 527776"/>
+                <a:gd name="connsiteX4" fmla="*/ 20 w 245024"/>
+                <a:gd name="connsiteY4" fmla="*/ 196022 h 527776"/>
+                <a:gd name="connsiteX0" fmla="*/ 20 w 245565"/>
+                <a:gd name="connsiteY0" fmla="*/ 196008 h 527762"/>
+                <a:gd name="connsiteX1" fmla="*/ 140914 w 245565"/>
+                <a:gd name="connsiteY1" fmla="*/ 7 h 527762"/>
+                <a:gd name="connsiteX2" fmla="*/ 245565 w 245565"/>
+                <a:gd name="connsiteY2" fmla="*/ 194215 h 527762"/>
+                <a:gd name="connsiteX3" fmla="*/ 151074 w 245565"/>
+                <a:gd name="connsiteY3" fmla="*/ 527762 h 527762"/>
+                <a:gd name="connsiteX4" fmla="*/ 20 w 245565"/>
+                <a:gd name="connsiteY4" fmla="*/ 196008 h 527762"/>
+                <a:gd name="connsiteX0" fmla="*/ 20 w 246094"/>
+                <a:gd name="connsiteY0" fmla="*/ 196002 h 527756"/>
+                <a:gd name="connsiteX1" fmla="*/ 140914 w 246094"/>
+                <a:gd name="connsiteY1" fmla="*/ 1 h 527756"/>
+                <a:gd name="connsiteX2" fmla="*/ 245565 w 246094"/>
+                <a:gd name="connsiteY2" fmla="*/ 194209 h 527756"/>
+                <a:gd name="connsiteX3" fmla="*/ 151074 w 246094"/>
+                <a:gd name="connsiteY3" fmla="*/ 527756 h 527756"/>
+                <a:gd name="connsiteX4" fmla="*/ 20 w 246094"/>
+                <a:gd name="connsiteY4" fmla="*/ 196002 h 527756"/>
+                <a:gd name="connsiteX0" fmla="*/ 48 w 246122"/>
+                <a:gd name="connsiteY0" fmla="*/ 196035 h 527789"/>
+                <a:gd name="connsiteX1" fmla="*/ 140942 w 246122"/>
+                <a:gd name="connsiteY1" fmla="*/ 34 h 527789"/>
+                <a:gd name="connsiteX2" fmla="*/ 245593 w 246122"/>
+                <a:gd name="connsiteY2" fmla="*/ 194242 h 527789"/>
+                <a:gd name="connsiteX3" fmla="*/ 151102 w 246122"/>
+                <a:gd name="connsiteY3" fmla="*/ 527789 h 527789"/>
+                <a:gd name="connsiteX4" fmla="*/ 48 w 246122"/>
+                <a:gd name="connsiteY4" fmla="*/ 196035 h 527789"/>
+                <a:gd name="connsiteX0" fmla="*/ 19 w 190356"/>
+                <a:gd name="connsiteY0" fmla="*/ 196030 h 527784"/>
+                <a:gd name="connsiteX1" fmla="*/ 140913 w 190356"/>
+                <a:gd name="connsiteY1" fmla="*/ 29 h 527784"/>
+                <a:gd name="connsiteX2" fmla="*/ 152690 w 190356"/>
+                <a:gd name="connsiteY2" fmla="*/ 182599 h 527784"/>
+                <a:gd name="connsiteX3" fmla="*/ 151073 w 190356"/>
+                <a:gd name="connsiteY3" fmla="*/ 527784 h 527784"/>
+                <a:gd name="connsiteX4" fmla="*/ 19 w 190356"/>
+                <a:gd name="connsiteY4" fmla="*/ 196030 h 527784"/>
+                <a:gd name="connsiteX0" fmla="*/ 92 w 197623"/>
+                <a:gd name="connsiteY0" fmla="*/ 198010 h 529764"/>
+                <a:gd name="connsiteX1" fmla="*/ 140986 w 197623"/>
+                <a:gd name="connsiteY1" fmla="*/ 2009 h 529764"/>
+                <a:gd name="connsiteX2" fmla="*/ 152763 w 197623"/>
+                <a:gd name="connsiteY2" fmla="*/ 184579 h 529764"/>
+                <a:gd name="connsiteX3" fmla="*/ 151146 w 197623"/>
+                <a:gd name="connsiteY3" fmla="*/ 529764 h 529764"/>
+                <a:gd name="connsiteX4" fmla="*/ 92 w 197623"/>
+                <a:gd name="connsiteY4" fmla="*/ 198010 h 529764"/>
+                <a:gd name="connsiteX0" fmla="*/ 92 w 197623"/>
+                <a:gd name="connsiteY0" fmla="*/ 198010 h 529764"/>
+                <a:gd name="connsiteX1" fmla="*/ 140986 w 197623"/>
+                <a:gd name="connsiteY1" fmla="*/ 2009 h 529764"/>
+                <a:gd name="connsiteX2" fmla="*/ 152763 w 197623"/>
+                <a:gd name="connsiteY2" fmla="*/ 184579 h 529764"/>
+                <a:gd name="connsiteX3" fmla="*/ 151146 w 197623"/>
+                <a:gd name="connsiteY3" fmla="*/ 529764 h 529764"/>
+                <a:gd name="connsiteX4" fmla="*/ 92 w 197623"/>
+                <a:gd name="connsiteY4" fmla="*/ 198010 h 529764"/>
+                <a:gd name="connsiteX0" fmla="*/ 19 w 191216"/>
+                <a:gd name="connsiteY0" fmla="*/ 196472 h 528226"/>
+                <a:gd name="connsiteX1" fmla="*/ 140913 w 191216"/>
+                <a:gd name="connsiteY1" fmla="*/ 471 h 528226"/>
+                <a:gd name="connsiteX2" fmla="*/ 155757 w 191216"/>
+                <a:gd name="connsiteY2" fmla="*/ 249374 h 528226"/>
+                <a:gd name="connsiteX3" fmla="*/ 151073 w 191216"/>
+                <a:gd name="connsiteY3" fmla="*/ 528226 h 528226"/>
+                <a:gd name="connsiteX4" fmla="*/ 19 w 191216"/>
+                <a:gd name="connsiteY4" fmla="*/ 196472 h 528226"/>
+                <a:gd name="connsiteX0" fmla="*/ 43 w 191240"/>
+                <a:gd name="connsiteY0" fmla="*/ 196392 h 528146"/>
+                <a:gd name="connsiteX1" fmla="*/ 140937 w 191240"/>
+                <a:gd name="connsiteY1" fmla="*/ 391 h 528146"/>
+                <a:gd name="connsiteX2" fmla="*/ 155781 w 191240"/>
+                <a:gd name="connsiteY2" fmla="*/ 249294 h 528146"/>
+                <a:gd name="connsiteX3" fmla="*/ 151097 w 191240"/>
+                <a:gd name="connsiteY3" fmla="*/ 528146 h 528146"/>
+                <a:gd name="connsiteX4" fmla="*/ 43 w 191240"/>
+                <a:gd name="connsiteY4" fmla="*/ 196392 h 528146"/>
+                <a:gd name="connsiteX0" fmla="*/ 18 w 182293"/>
+                <a:gd name="connsiteY0" fmla="*/ 196264 h 528018"/>
+                <a:gd name="connsiteX1" fmla="*/ 140912 w 182293"/>
+                <a:gd name="connsiteY1" fmla="*/ 263 h 528018"/>
+                <a:gd name="connsiteX2" fmla="*/ 115957 w 182293"/>
+                <a:gd name="connsiteY2" fmla="*/ 235061 h 528018"/>
+                <a:gd name="connsiteX3" fmla="*/ 151072 w 182293"/>
+                <a:gd name="connsiteY3" fmla="*/ 528018 h 528018"/>
+                <a:gd name="connsiteX4" fmla="*/ 18 w 182293"/>
+                <a:gd name="connsiteY4" fmla="*/ 196264 h 528018"/>
+                <a:gd name="connsiteX0" fmla="*/ 37 w 182312"/>
+                <a:gd name="connsiteY0" fmla="*/ 196230 h 527984"/>
+                <a:gd name="connsiteX1" fmla="*/ 140931 w 182312"/>
+                <a:gd name="connsiteY1" fmla="*/ 229 h 527984"/>
+                <a:gd name="connsiteX2" fmla="*/ 115976 w 182312"/>
+                <a:gd name="connsiteY2" fmla="*/ 235027 h 527984"/>
+                <a:gd name="connsiteX3" fmla="*/ 151091 w 182312"/>
+                <a:gd name="connsiteY3" fmla="*/ 527984 h 527984"/>
+                <a:gd name="connsiteX4" fmla="*/ 37 w 182312"/>
+                <a:gd name="connsiteY4" fmla="*/ 196230 h 527984"/>
+                <a:gd name="connsiteX0" fmla="*/ 34 w 182309"/>
+                <a:gd name="connsiteY0" fmla="*/ 199645 h 531399"/>
+                <a:gd name="connsiteX1" fmla="*/ 140928 w 182309"/>
+                <a:gd name="connsiteY1" fmla="*/ 3644 h 531399"/>
+                <a:gd name="connsiteX2" fmla="*/ 115973 w 182309"/>
+                <a:gd name="connsiteY2" fmla="*/ 238442 h 531399"/>
+                <a:gd name="connsiteX3" fmla="*/ 151088 w 182309"/>
+                <a:gd name="connsiteY3" fmla="*/ 531399 h 531399"/>
+                <a:gd name="connsiteX4" fmla="*/ 34 w 182309"/>
+                <a:gd name="connsiteY4" fmla="*/ 199645 h 531399"/>
+                <a:gd name="connsiteX0" fmla="*/ 335 w 203165"/>
+                <a:gd name="connsiteY0" fmla="*/ 199524 h 497072"/>
+                <a:gd name="connsiteX1" fmla="*/ 141229 w 203165"/>
+                <a:gd name="connsiteY1" fmla="*/ 3523 h 497072"/>
+                <a:gd name="connsiteX2" fmla="*/ 116274 w 203165"/>
+                <a:gd name="connsiteY2" fmla="*/ 238321 h 497072"/>
+                <a:gd name="connsiteX3" fmla="*/ 175387 w 203165"/>
+                <a:gd name="connsiteY3" fmla="*/ 497072 h 497072"/>
+                <a:gd name="connsiteX4" fmla="*/ 335 w 203165"/>
+                <a:gd name="connsiteY4" fmla="*/ 199524 h 497072"/>
+                <a:gd name="connsiteX0" fmla="*/ 170 w 216276"/>
+                <a:gd name="connsiteY0" fmla="*/ 212648 h 493625"/>
+                <a:gd name="connsiteX1" fmla="*/ 154340 w 216276"/>
+                <a:gd name="connsiteY1" fmla="*/ 76 h 493625"/>
+                <a:gd name="connsiteX2" fmla="*/ 129385 w 216276"/>
+                <a:gd name="connsiteY2" fmla="*/ 234874 h 493625"/>
+                <a:gd name="connsiteX3" fmla="*/ 188498 w 216276"/>
+                <a:gd name="connsiteY3" fmla="*/ 493625 h 493625"/>
+                <a:gd name="connsiteX4" fmla="*/ 170 w 216276"/>
+                <a:gd name="connsiteY4" fmla="*/ 212648 h 493625"/>
+                <a:gd name="connsiteX0" fmla="*/ 266 w 216372"/>
+                <a:gd name="connsiteY0" fmla="*/ 215534 h 496511"/>
+                <a:gd name="connsiteX1" fmla="*/ 154436 w 216372"/>
+                <a:gd name="connsiteY1" fmla="*/ 2962 h 496511"/>
+                <a:gd name="connsiteX2" fmla="*/ 129481 w 216372"/>
+                <a:gd name="connsiteY2" fmla="*/ 237760 h 496511"/>
+                <a:gd name="connsiteX3" fmla="*/ 188594 w 216372"/>
+                <a:gd name="connsiteY3" fmla="*/ 496511 h 496511"/>
+                <a:gd name="connsiteX4" fmla="*/ 266 w 216372"/>
+                <a:gd name="connsiteY4" fmla="*/ 215534 h 496511"/>
+                <a:gd name="connsiteX0" fmla="*/ 291 w 216397"/>
+                <a:gd name="connsiteY0" fmla="*/ 219066 h 500043"/>
+                <a:gd name="connsiteX1" fmla="*/ 154461 w 216397"/>
+                <a:gd name="connsiteY1" fmla="*/ 6494 h 500043"/>
+                <a:gd name="connsiteX2" fmla="*/ 129506 w 216397"/>
+                <a:gd name="connsiteY2" fmla="*/ 241292 h 500043"/>
+                <a:gd name="connsiteX3" fmla="*/ 188619 w 216397"/>
+                <a:gd name="connsiteY3" fmla="*/ 500043 h 500043"/>
+                <a:gd name="connsiteX4" fmla="*/ 291 w 216397"/>
+                <a:gd name="connsiteY4" fmla="*/ 219066 h 500043"/>
+                <a:gd name="connsiteX0" fmla="*/ 291 w 226555"/>
+                <a:gd name="connsiteY0" fmla="*/ 219066 h 500043"/>
+                <a:gd name="connsiteX1" fmla="*/ 154461 w 226555"/>
+                <a:gd name="connsiteY1" fmla="*/ 6494 h 500043"/>
+                <a:gd name="connsiteX2" fmla="*/ 129506 w 226555"/>
+                <a:gd name="connsiteY2" fmla="*/ 241292 h 500043"/>
+                <a:gd name="connsiteX3" fmla="*/ 188619 w 226555"/>
+                <a:gd name="connsiteY3" fmla="*/ 500043 h 500043"/>
+                <a:gd name="connsiteX4" fmla="*/ 291 w 226555"/>
+                <a:gd name="connsiteY4" fmla="*/ 219066 h 500043"/>
+                <a:gd name="connsiteX0" fmla="*/ 545 w 226809"/>
+                <a:gd name="connsiteY0" fmla="*/ 221397 h 502374"/>
+                <a:gd name="connsiteX1" fmla="*/ 154715 w 226809"/>
+                <a:gd name="connsiteY1" fmla="*/ 8825 h 502374"/>
+                <a:gd name="connsiteX2" fmla="*/ 129760 w 226809"/>
+                <a:gd name="connsiteY2" fmla="*/ 243623 h 502374"/>
+                <a:gd name="connsiteX3" fmla="*/ 188873 w 226809"/>
+                <a:gd name="connsiteY3" fmla="*/ 502374 h 502374"/>
+                <a:gd name="connsiteX4" fmla="*/ 545 w 226809"/>
+                <a:gd name="connsiteY4" fmla="*/ 221397 h 502374"/>
+                <a:gd name="connsiteX0" fmla="*/ 561 w 226825"/>
+                <a:gd name="connsiteY0" fmla="*/ 222493 h 503470"/>
+                <a:gd name="connsiteX1" fmla="*/ 154731 w 226825"/>
+                <a:gd name="connsiteY1" fmla="*/ 9921 h 503470"/>
+                <a:gd name="connsiteX2" fmla="*/ 129776 w 226825"/>
+                <a:gd name="connsiteY2" fmla="*/ 244719 h 503470"/>
+                <a:gd name="connsiteX3" fmla="*/ 188889 w 226825"/>
+                <a:gd name="connsiteY3" fmla="*/ 503470 h 503470"/>
+                <a:gd name="connsiteX4" fmla="*/ 561 w 226825"/>
+                <a:gd name="connsiteY4" fmla="*/ 222493 h 503470"/>
+                <a:gd name="connsiteX0" fmla="*/ 561 w 225902"/>
+                <a:gd name="connsiteY0" fmla="*/ 222493 h 503470"/>
+                <a:gd name="connsiteX1" fmla="*/ 154731 w 225902"/>
+                <a:gd name="connsiteY1" fmla="*/ 9921 h 503470"/>
+                <a:gd name="connsiteX2" fmla="*/ 129776 w 225902"/>
+                <a:gd name="connsiteY2" fmla="*/ 244719 h 503470"/>
+                <a:gd name="connsiteX3" fmla="*/ 188889 w 225902"/>
+                <a:gd name="connsiteY3" fmla="*/ 503470 h 503470"/>
+                <a:gd name="connsiteX4" fmla="*/ 561 w 225902"/>
+                <a:gd name="connsiteY4" fmla="*/ 222493 h 503470"/>
+                <a:gd name="connsiteX0" fmla="*/ 561 w 211779"/>
+                <a:gd name="connsiteY0" fmla="*/ 222493 h 503470"/>
+                <a:gd name="connsiteX1" fmla="*/ 154731 w 211779"/>
+                <a:gd name="connsiteY1" fmla="*/ 9921 h 503470"/>
+                <a:gd name="connsiteX2" fmla="*/ 129776 w 211779"/>
+                <a:gd name="connsiteY2" fmla="*/ 244719 h 503470"/>
+                <a:gd name="connsiteX3" fmla="*/ 188889 w 211779"/>
+                <a:gd name="connsiteY3" fmla="*/ 503470 h 503470"/>
+                <a:gd name="connsiteX4" fmla="*/ 561 w 211779"/>
+                <a:gd name="connsiteY4" fmla="*/ 222493 h 503470"/>
+                <a:gd name="connsiteX0" fmla="*/ 169 w 212249"/>
+                <a:gd name="connsiteY0" fmla="*/ 233491 h 493550"/>
+                <a:gd name="connsiteX1" fmla="*/ 155201 w 212249"/>
+                <a:gd name="connsiteY1" fmla="*/ 1 h 493550"/>
+                <a:gd name="connsiteX2" fmla="*/ 130246 w 212249"/>
+                <a:gd name="connsiteY2" fmla="*/ 234799 h 493550"/>
+                <a:gd name="connsiteX3" fmla="*/ 189359 w 212249"/>
+                <a:gd name="connsiteY3" fmla="*/ 493550 h 493550"/>
+                <a:gd name="connsiteX4" fmla="*/ 169 w 212249"/>
+                <a:gd name="connsiteY4" fmla="*/ 233491 h 493550"/>
+                <a:gd name="connsiteX0" fmla="*/ 371 w 212451"/>
+                <a:gd name="connsiteY0" fmla="*/ 236155 h 496214"/>
+                <a:gd name="connsiteX1" fmla="*/ 155403 w 212451"/>
+                <a:gd name="connsiteY1" fmla="*/ 2665 h 496214"/>
+                <a:gd name="connsiteX2" fmla="*/ 130448 w 212451"/>
+                <a:gd name="connsiteY2" fmla="*/ 237463 h 496214"/>
+                <a:gd name="connsiteX3" fmla="*/ 189561 w 212451"/>
+                <a:gd name="connsiteY3" fmla="*/ 496214 h 496214"/>
+                <a:gd name="connsiteX4" fmla="*/ 371 w 212451"/>
+                <a:gd name="connsiteY4" fmla="*/ 236155 h 496214"/>
+                <a:gd name="connsiteX0" fmla="*/ 390 w 212470"/>
+                <a:gd name="connsiteY0" fmla="*/ 236412 h 496471"/>
+                <a:gd name="connsiteX1" fmla="*/ 155422 w 212470"/>
+                <a:gd name="connsiteY1" fmla="*/ 2922 h 496471"/>
+                <a:gd name="connsiteX2" fmla="*/ 130467 w 212470"/>
+                <a:gd name="connsiteY2" fmla="*/ 237720 h 496471"/>
+                <a:gd name="connsiteX3" fmla="*/ 189580 w 212470"/>
+                <a:gd name="connsiteY3" fmla="*/ 496471 h 496471"/>
+                <a:gd name="connsiteX4" fmla="*/ 390 w 212470"/>
+                <a:gd name="connsiteY4" fmla="*/ 236412 h 496471"/>
+              </a:gdLst>
+              <a:ahLst/>
+              <a:cxnLst>
+                <a:cxn ang="0">
+                  <a:pos x="connsiteX0" y="connsiteY0"/>
+                </a:cxn>
+                <a:cxn ang="0">
+                  <a:pos x="connsiteX1" y="connsiteY1"/>
+                </a:cxn>
+                <a:cxn ang="0">
+                  <a:pos x="connsiteX2" y="connsiteY2"/>
+                </a:cxn>
+                <a:cxn ang="0">
+                  <a:pos x="connsiteX3" y="connsiteY3"/>
+                </a:cxn>
+                <a:cxn ang="0">
+                  <a:pos x="connsiteX4" y="connsiteY4"/>
+                </a:cxn>
+              </a:cxnLst>
+              <a:rect l="l" t="t" r="r" b="b"/>
+              <a:pathLst>
+                <a:path w="212470" h="496471">
+                  <a:moveTo>
+                    <a:pt x="390" y="236412"/>
+                  </a:moveTo>
+                  <a:cubicBezTo>
+                    <a:pt x="-5303" y="154154"/>
+                    <a:pt x="51457" y="-24986"/>
+                    <a:pt x="155422" y="2922"/>
+                  </a:cubicBezTo>
+                  <a:cubicBezTo>
+                    <a:pt x="259387" y="30830"/>
+                    <a:pt x="131446" y="181151"/>
+                    <a:pt x="130467" y="237720"/>
+                  </a:cubicBezTo>
+                  <a:cubicBezTo>
+                    <a:pt x="129488" y="294289"/>
+                    <a:pt x="265099" y="465063"/>
+                    <a:pt x="189580" y="496471"/>
+                  </a:cubicBezTo>
+                  <a:cubicBezTo>
+                    <a:pt x="101172" y="492171"/>
+                    <a:pt x="6083" y="318670"/>
+                    <a:pt x="390" y="236412"/>
+                  </a:cubicBezTo>
+                  <a:close/>
+                </a:path>
+              </a:pathLst>
+            </a:custGeom>
+            <a:solidFill>
+              <a:schemeClr val="accent4">
+                <a:lumMod val="20000"/>
+                <a:lumOff val="80000"/>
+              </a:schemeClr>
+            </a:solidFill>
+            <a:ln w="25400">
+              <a:solidFill>
+                <a:schemeClr val="tx1"/>
+              </a:solidFill>
+            </a:ln>
+          </p:spPr>
+          <p:style>
+            <a:lnRef idx="2">
+              <a:schemeClr val="accent1">
+                <a:shade val="50000"/>
+              </a:schemeClr>
+            </a:lnRef>
+            <a:fillRef idx="1">
+              <a:schemeClr val="accent1"/>
+            </a:fillRef>
+            <a:effectRef idx="0">
+              <a:schemeClr val="accent1"/>
+            </a:effectRef>
+            <a:fontRef idx="minor">
+              <a:schemeClr val="lt1"/>
+            </a:fontRef>
+          </p:style>
+          <p:txBody>
+            <a:bodyPr rtlCol="0" anchor="ctr"/>
+            <a:lstStyle/>
+            <a:p>
+              <a:pPr algn="ctr"/>
+              <a:endParaRPr lang="ko-KR" altLang="en-US" b="1"/>
+            </a:p>
+          </p:txBody>
+        </p:sp>
+        <p:grpSp>
+          <p:nvGrpSpPr>
+            <p:cNvPr id="151" name="그룹 150">
+              <a:extLst>
+                <a:ext uri="{FF2B5EF4-FFF2-40B4-BE49-F238E27FC236}">
+                  <a16:creationId xmlns:a16="http://schemas.microsoft.com/office/drawing/2014/main" id="{20C317A1-54D2-4A7C-888F-14CA453AD22E}"/>
+                </a:ext>
+              </a:extLst>
+            </p:cNvPr>
+            <p:cNvGrpSpPr/>
+            <p:nvPr/>
+          </p:nvGrpSpPr>
+          <p:grpSpPr>
+            <a:xfrm>
+              <a:off x="1919436" y="3011439"/>
+              <a:ext cx="512660" cy="933000"/>
+              <a:chOff x="5719295" y="1566581"/>
+              <a:chExt cx="766077" cy="1394204"/>
+            </a:xfrm>
+          </p:grpSpPr>
+          <p:sp>
+            <p:nvSpPr>
+              <p:cNvPr id="172" name="타원 21">
+                <a:extLst>
+                  <a:ext uri="{FF2B5EF4-FFF2-40B4-BE49-F238E27FC236}">
+                    <a16:creationId xmlns:a16="http://schemas.microsoft.com/office/drawing/2014/main" id="{3C6C4D18-1A7F-49B4-997D-F7F1744BB20B}"/>
+                  </a:ext>
+                </a:extLst>
+              </p:cNvPr>
+              <p:cNvSpPr/>
+              <p:nvPr/>
+            </p:nvSpPr>
+            <p:spPr>
+              <a:xfrm>
+                <a:off x="5907455" y="2164657"/>
+                <a:ext cx="403199" cy="796128"/>
+              </a:xfrm>
+              <a:custGeom>
+                <a:avLst/>
+                <a:gdLst>
+                  <a:gd name="connsiteX0" fmla="*/ 0 w 542925"/>
+                  <a:gd name="connsiteY0" fmla="*/ 411957 h 823913"/>
+                  <a:gd name="connsiteX1" fmla="*/ 271463 w 542925"/>
+                  <a:gd name="connsiteY1" fmla="*/ 0 h 823913"/>
+                  <a:gd name="connsiteX2" fmla="*/ 542926 w 542925"/>
+                  <a:gd name="connsiteY2" fmla="*/ 411957 h 823913"/>
+                  <a:gd name="connsiteX3" fmla="*/ 271463 w 542925"/>
+                  <a:gd name="connsiteY3" fmla="*/ 823914 h 823913"/>
+                  <a:gd name="connsiteX4" fmla="*/ 0 w 542925"/>
+                  <a:gd name="connsiteY4" fmla="*/ 411957 h 823913"/>
+                  <a:gd name="connsiteX0" fmla="*/ 16 w 542942"/>
+                  <a:gd name="connsiteY0" fmla="*/ 411957 h 513697"/>
+                  <a:gd name="connsiteX1" fmla="*/ 271479 w 542942"/>
+                  <a:gd name="connsiteY1" fmla="*/ 0 h 513697"/>
+                  <a:gd name="connsiteX2" fmla="*/ 542942 w 542942"/>
+                  <a:gd name="connsiteY2" fmla="*/ 411957 h 513697"/>
+                  <a:gd name="connsiteX3" fmla="*/ 261954 w 542942"/>
+                  <a:gd name="connsiteY3" fmla="*/ 414339 h 513697"/>
+                  <a:gd name="connsiteX4" fmla="*/ 16 w 542942"/>
+                  <a:gd name="connsiteY4" fmla="*/ 411957 h 513697"/>
+                  <a:gd name="connsiteX0" fmla="*/ 16 w 542942"/>
+                  <a:gd name="connsiteY0" fmla="*/ 411957 h 443278"/>
+                  <a:gd name="connsiteX1" fmla="*/ 271479 w 542942"/>
+                  <a:gd name="connsiteY1" fmla="*/ 0 h 443278"/>
+                  <a:gd name="connsiteX2" fmla="*/ 542942 w 542942"/>
+                  <a:gd name="connsiteY2" fmla="*/ 411957 h 443278"/>
+                  <a:gd name="connsiteX3" fmla="*/ 261954 w 542942"/>
+                  <a:gd name="connsiteY3" fmla="*/ 414339 h 443278"/>
+                  <a:gd name="connsiteX4" fmla="*/ 16 w 542942"/>
+                  <a:gd name="connsiteY4" fmla="*/ 411957 h 443278"/>
+                  <a:gd name="connsiteX0" fmla="*/ 16 w 542942"/>
+                  <a:gd name="connsiteY0" fmla="*/ 411957 h 443278"/>
+                  <a:gd name="connsiteX1" fmla="*/ 271479 w 542942"/>
+                  <a:gd name="connsiteY1" fmla="*/ 0 h 443278"/>
+                  <a:gd name="connsiteX2" fmla="*/ 542942 w 542942"/>
+                  <a:gd name="connsiteY2" fmla="*/ 411957 h 443278"/>
+                  <a:gd name="connsiteX3" fmla="*/ 261954 w 542942"/>
+                  <a:gd name="connsiteY3" fmla="*/ 414339 h 443278"/>
+                  <a:gd name="connsiteX4" fmla="*/ 16 w 542942"/>
+                  <a:gd name="connsiteY4" fmla="*/ 411957 h 443278"/>
+                  <a:gd name="connsiteX0" fmla="*/ 0 w 542926"/>
+                  <a:gd name="connsiteY0" fmla="*/ 411957 h 417945"/>
+                  <a:gd name="connsiteX1" fmla="*/ 271463 w 542926"/>
+                  <a:gd name="connsiteY1" fmla="*/ 0 h 417945"/>
+                  <a:gd name="connsiteX2" fmla="*/ 542926 w 542926"/>
+                  <a:gd name="connsiteY2" fmla="*/ 411957 h 417945"/>
+                  <a:gd name="connsiteX3" fmla="*/ 261938 w 542926"/>
+                  <a:gd name="connsiteY3" fmla="*/ 414339 h 417945"/>
+                  <a:gd name="connsiteX4" fmla="*/ 0 w 542926"/>
+                  <a:gd name="connsiteY4" fmla="*/ 411957 h 417945"/>
+                </a:gdLst>
+                <a:ahLst/>
+                <a:cxnLst>
+                  <a:cxn ang="0">
+                    <a:pos x="connsiteX0" y="connsiteY0"/>
+                  </a:cxn>
+                  <a:cxn ang="0">
+                    <a:pos x="connsiteX1" y="connsiteY1"/>
+                  </a:cxn>
+                  <a:cxn ang="0">
+                    <a:pos x="connsiteX2" y="connsiteY2"/>
+                  </a:cxn>
+                  <a:cxn ang="0">
+                    <a:pos x="connsiteX3" y="connsiteY3"/>
+                  </a:cxn>
+                  <a:cxn ang="0">
+                    <a:pos x="connsiteX4" y="connsiteY4"/>
+                  </a:cxn>
+                </a:cxnLst>
+                <a:rect l="l" t="t" r="r" b="b"/>
+                <a:pathLst>
+                  <a:path w="542926" h="417945">
+                    <a:moveTo>
+                      <a:pt x="0" y="411957"/>
+                    </a:moveTo>
+                    <a:cubicBezTo>
+                      <a:pt x="1587" y="342901"/>
+                      <a:pt x="121538" y="0"/>
+                      <a:pt x="271463" y="0"/>
+                    </a:cubicBezTo>
+                    <a:cubicBezTo>
+                      <a:pt x="421388" y="0"/>
+                      <a:pt x="542926" y="184439"/>
+                      <a:pt x="542926" y="411957"/>
+                    </a:cubicBezTo>
+                    <a:cubicBezTo>
+                      <a:pt x="266701" y="420400"/>
+                      <a:pt x="411863" y="414339"/>
+                      <a:pt x="261938" y="414339"/>
+                    </a:cubicBezTo>
+                    <a:cubicBezTo>
+                      <a:pt x="112013" y="414339"/>
+                      <a:pt x="236538" y="423863"/>
+                      <a:pt x="0" y="411957"/>
+                    </a:cubicBezTo>
+                    <a:close/>
+                  </a:path>
+                </a:pathLst>
+              </a:custGeom>
+              <a:solidFill>
+                <a:srgbClr val="0070C0"/>
+              </a:solidFill>
+              <a:ln w="25400">
+                <a:solidFill>
+                  <a:schemeClr val="tx1"/>
+                </a:solidFill>
+              </a:ln>
+            </p:spPr>
+            <p:style>
+              <a:lnRef idx="2">
+                <a:schemeClr val="accent1">
+                  <a:shade val="50000"/>
+                </a:schemeClr>
+              </a:lnRef>
+              <a:fillRef idx="1">
+                <a:schemeClr val="accent1"/>
+              </a:fillRef>
+              <a:effectRef idx="0">
+                <a:schemeClr val="accent1"/>
+              </a:effectRef>
+              <a:fontRef idx="minor">
+                <a:schemeClr val="lt1"/>
+              </a:fontRef>
+            </p:style>
+            <p:txBody>
+              <a:bodyPr rtlCol="0" anchor="ctr"/>
+              <a:lstStyle/>
+              <a:p>
+                <a:pPr algn="ctr"/>
+                <a:endParaRPr lang="ko-KR" altLang="en-US" b="1"/>
+              </a:p>
+            </p:txBody>
+          </p:sp>
+          <p:sp>
+            <p:nvSpPr>
+              <p:cNvPr id="173" name="타원 172">
+                <a:extLst>
+                  <a:ext uri="{FF2B5EF4-FFF2-40B4-BE49-F238E27FC236}">
+                    <a16:creationId xmlns:a16="http://schemas.microsoft.com/office/drawing/2014/main" id="{E400BED0-6137-41DF-BD93-BC1A8CA5E08D}"/>
+                  </a:ext>
+                </a:extLst>
+              </p:cNvPr>
+              <p:cNvSpPr/>
+              <p:nvPr/>
+            </p:nvSpPr>
+            <p:spPr>
+              <a:xfrm>
+                <a:off x="5719295" y="1566581"/>
+                <a:ext cx="766077" cy="766077"/>
+              </a:xfrm>
+              <a:prstGeom prst="ellipse">
+                <a:avLst/>
+              </a:prstGeom>
+              <a:solidFill>
+                <a:schemeClr val="accent4">
+                  <a:lumMod val="20000"/>
+                  <a:lumOff val="80000"/>
+                </a:schemeClr>
+              </a:solidFill>
+              <a:ln w="25400">
+                <a:solidFill>
+                  <a:schemeClr val="tx1"/>
+                </a:solidFill>
+              </a:ln>
+            </p:spPr>
+            <p:style>
+              <a:lnRef idx="2">
+                <a:schemeClr val="accent1">
+                  <a:shade val="50000"/>
+                </a:schemeClr>
+              </a:lnRef>
+              <a:fillRef idx="1">
+                <a:schemeClr val="accent1"/>
+              </a:fillRef>
+              <a:effectRef idx="0">
+                <a:schemeClr val="accent1"/>
+              </a:effectRef>
+              <a:fontRef idx="minor">
+                <a:schemeClr val="lt1"/>
+              </a:fontRef>
+            </p:style>
+            <p:txBody>
+              <a:bodyPr rtlCol="0" anchor="ctr"/>
+              <a:lstStyle/>
+              <a:p>
+                <a:pPr algn="ctr"/>
+                <a:endParaRPr lang="ko-KR" altLang="en-US" b="1"/>
+              </a:p>
+            </p:txBody>
+          </p:sp>
+          <p:sp>
+            <p:nvSpPr>
+              <p:cNvPr id="174" name="타원 173">
+                <a:extLst>
+                  <a:ext uri="{FF2B5EF4-FFF2-40B4-BE49-F238E27FC236}">
+                    <a16:creationId xmlns:a16="http://schemas.microsoft.com/office/drawing/2014/main" id="{B42DEF7B-E52B-4C70-8E64-059CD7BB8C47}"/>
+                  </a:ext>
+                </a:extLst>
+              </p:cNvPr>
+              <p:cNvSpPr/>
+              <p:nvPr/>
+            </p:nvSpPr>
+            <p:spPr>
+              <a:xfrm flipH="1">
+                <a:off x="6310653" y="1752112"/>
+                <a:ext cx="92607" cy="164940"/>
+              </a:xfrm>
+              <a:prstGeom prst="ellipse">
+                <a:avLst/>
+              </a:prstGeom>
+              <a:solidFill>
+                <a:schemeClr val="tx1"/>
+              </a:solidFill>
+              <a:ln>
+                <a:solidFill>
+                  <a:schemeClr val="tx1"/>
+                </a:solidFill>
+              </a:ln>
+            </p:spPr>
+            <p:style>
+              <a:lnRef idx="2">
+                <a:schemeClr val="accent1">
+                  <a:shade val="50000"/>
+                </a:schemeClr>
+              </a:lnRef>
+              <a:fillRef idx="1">
+                <a:schemeClr val="accent1"/>
+              </a:fillRef>
+              <a:effectRef idx="0">
+                <a:schemeClr val="accent1"/>
+              </a:effectRef>
+              <a:fontRef idx="minor">
+                <a:schemeClr val="lt1"/>
+              </a:fontRef>
+            </p:style>
+            <p:txBody>
+              <a:bodyPr rtlCol="0" anchor="ctr"/>
+              <a:lstStyle/>
+              <a:p>
+                <a:pPr algn="ctr"/>
+                <a:endParaRPr lang="ko-KR" altLang="en-US" b="1"/>
+              </a:p>
+            </p:txBody>
+          </p:sp>
+        </p:grpSp>
+        <p:grpSp>
+          <p:nvGrpSpPr>
+            <p:cNvPr id="152" name="그룹 151">
+              <a:extLst>
+                <a:ext uri="{FF2B5EF4-FFF2-40B4-BE49-F238E27FC236}">
+                  <a16:creationId xmlns:a16="http://schemas.microsoft.com/office/drawing/2014/main" id="{F2A80410-E4A7-40B2-B76A-A5C9D60BE46A}"/>
+                </a:ext>
+              </a:extLst>
+            </p:cNvPr>
+            <p:cNvGrpSpPr/>
+            <p:nvPr/>
+          </p:nvGrpSpPr>
+          <p:grpSpPr>
+            <a:xfrm>
+              <a:off x="2468736" y="3385912"/>
+              <a:ext cx="417005" cy="488759"/>
+              <a:chOff x="2468736" y="3385912"/>
+              <a:chExt cx="417005" cy="488759"/>
+            </a:xfrm>
+          </p:grpSpPr>
+          <p:sp>
+            <p:nvSpPr>
+              <p:cNvPr id="164" name="사각형: 둥근 모서리 163">
+                <a:extLst>
+                  <a:ext uri="{FF2B5EF4-FFF2-40B4-BE49-F238E27FC236}">
+                    <a16:creationId xmlns:a16="http://schemas.microsoft.com/office/drawing/2014/main" id="{5FA572ED-9188-4674-BC8A-C2722D58E12C}"/>
+                  </a:ext>
+                </a:extLst>
+              </p:cNvPr>
+              <p:cNvSpPr/>
+              <p:nvPr/>
+            </p:nvSpPr>
+            <p:spPr>
+              <a:xfrm rot="1800000">
+                <a:off x="2468736" y="3385912"/>
+                <a:ext cx="417005" cy="488759"/>
+              </a:xfrm>
+              <a:prstGeom prst="roundRect">
+                <a:avLst>
+                  <a:gd name="adj" fmla="val 13233"/>
+                </a:avLst>
+              </a:prstGeom>
+              <a:solidFill>
+                <a:schemeClr val="accent2">
+                  <a:lumMod val="60000"/>
+                  <a:lumOff val="40000"/>
+                </a:schemeClr>
+              </a:solidFill>
+              <a:ln w="25400">
+                <a:solidFill>
+                  <a:schemeClr val="tx1"/>
+                </a:solidFill>
+              </a:ln>
+            </p:spPr>
+            <p:style>
+              <a:lnRef idx="2">
+                <a:schemeClr val="accent1">
+                  <a:shade val="50000"/>
+                </a:schemeClr>
+              </a:lnRef>
+              <a:fillRef idx="1">
+                <a:schemeClr val="accent1"/>
+              </a:fillRef>
+              <a:effectRef idx="0">
+                <a:schemeClr val="accent1"/>
+              </a:effectRef>
+              <a:fontRef idx="minor">
+                <a:schemeClr val="lt1"/>
+              </a:fontRef>
+            </p:style>
+            <p:txBody>
+              <a:bodyPr rtlCol="0" anchor="ctr"/>
+              <a:lstStyle/>
+              <a:p>
+                <a:pPr algn="ctr"/>
+                <a:endParaRPr lang="ko-KR" altLang="en-US" dirty="0"/>
+              </a:p>
+            </p:txBody>
+          </p:sp>
+          <p:sp>
+            <p:nvSpPr>
+              <p:cNvPr id="171" name="사각형: 둥근 모서리 170">
+                <a:extLst>
+                  <a:ext uri="{FF2B5EF4-FFF2-40B4-BE49-F238E27FC236}">
+                    <a16:creationId xmlns:a16="http://schemas.microsoft.com/office/drawing/2014/main" id="{DCA06C8F-5DC8-4DA6-BEC9-070331938309}"/>
+                  </a:ext>
+                </a:extLst>
+              </p:cNvPr>
+              <p:cNvSpPr/>
+              <p:nvPr/>
+            </p:nvSpPr>
+            <p:spPr>
+              <a:xfrm rot="1800000">
+                <a:off x="2506833" y="3426234"/>
+                <a:ext cx="329075" cy="405992"/>
+              </a:xfrm>
+              <a:prstGeom prst="roundRect">
+                <a:avLst>
+                  <a:gd name="adj" fmla="val 13233"/>
+                </a:avLst>
+              </a:prstGeom>
+              <a:solidFill>
+                <a:schemeClr val="bg1"/>
+              </a:solidFill>
+              <a:ln w="25400">
+                <a:solidFill>
+                  <a:schemeClr val="tx1"/>
+                </a:solidFill>
+              </a:ln>
+            </p:spPr>
+            <p:style>
+              <a:lnRef idx="2">
+                <a:schemeClr val="accent1">
+                  <a:shade val="50000"/>
+                </a:schemeClr>
+              </a:lnRef>
+              <a:fillRef idx="1">
+                <a:schemeClr val="accent1"/>
+              </a:fillRef>
+              <a:effectRef idx="0">
+                <a:schemeClr val="accent1"/>
+              </a:effectRef>
+              <a:fontRef idx="minor">
+                <a:schemeClr val="lt1"/>
+              </a:fontRef>
+            </p:style>
+            <p:txBody>
+              <a:bodyPr rtlCol="0" anchor="ctr"/>
+              <a:lstStyle/>
+              <a:p>
+                <a:pPr algn="ctr"/>
+                <a:endParaRPr lang="ko-KR" altLang="en-US"/>
+              </a:p>
+            </p:txBody>
+          </p:sp>
+        </p:grpSp>
+        <p:grpSp>
+          <p:nvGrpSpPr>
+            <p:cNvPr id="153" name="그룹 152">
+              <a:extLst>
+                <a:ext uri="{FF2B5EF4-FFF2-40B4-BE49-F238E27FC236}">
+                  <a16:creationId xmlns:a16="http://schemas.microsoft.com/office/drawing/2014/main" id="{AFCBF15E-29B5-42B4-AD63-56C060B7C0B9}"/>
+                </a:ext>
+              </a:extLst>
+            </p:cNvPr>
+            <p:cNvGrpSpPr/>
+            <p:nvPr/>
+          </p:nvGrpSpPr>
+          <p:grpSpPr>
+            <a:xfrm rot="20700000">
+              <a:off x="2152562" y="3363566"/>
+              <a:ext cx="503804" cy="284194"/>
+              <a:chOff x="4712378" y="2712650"/>
+              <a:chExt cx="749766" cy="422941"/>
+            </a:xfrm>
+          </p:grpSpPr>
+          <p:pic>
+            <p:nvPicPr>
+              <p:cNvPr id="162" name="그래픽 161" descr="연필">
+                <a:extLst>
+                  <a:ext uri="{FF2B5EF4-FFF2-40B4-BE49-F238E27FC236}">
+                    <a16:creationId xmlns:a16="http://schemas.microsoft.com/office/drawing/2014/main" id="{65EB9C4F-0F92-4884-81A6-16D01621EF3F}"/>
+                  </a:ext>
+                </a:extLst>
+              </p:cNvPr>
+              <p:cNvPicPr>
+                <a:picLocks noChangeAspect="1"/>
+              </p:cNvPicPr>
+              <p:nvPr/>
+            </p:nvPicPr>
+            <p:blipFill>
+              <a:blip r:embed="rId2">
+                <a:extLst>
+                  <a:ext uri="{28A0092B-C50C-407E-A947-70E740481C1C}">
+                    <a14:useLocalDpi xmlns:a14="http://schemas.microsoft.com/office/drawing/2010/main" val="0"/>
+                  </a:ext>
+                  <a:ext uri="{96DAC541-7B7A-43D3-8B79-37D633B846F1}">
+                    <asvg:svgBlip xmlns:asvg="http://schemas.microsoft.com/office/drawing/2016/SVG/main" r:embed="rId3"/>
+                  </a:ext>
+                </a:extLst>
+              </a:blip>
+              <a:stretch>
+                <a:fillRect/>
+              </a:stretch>
+            </p:blipFill>
+            <p:spPr>
+              <a:xfrm rot="17100000">
+                <a:off x="5039203" y="2712650"/>
+                <a:ext cx="422941" cy="422941"/>
+              </a:xfrm>
+              <a:prstGeom prst="rect">
+                <a:avLst/>
+              </a:prstGeom>
+            </p:spPr>
+          </p:pic>
+          <p:sp>
+            <p:nvSpPr>
+              <p:cNvPr id="163" name="타원 38">
+                <a:extLst>
+                  <a:ext uri="{FF2B5EF4-FFF2-40B4-BE49-F238E27FC236}">
+                    <a16:creationId xmlns:a16="http://schemas.microsoft.com/office/drawing/2014/main" id="{D224689B-3E50-4AFF-85E2-1475A0465A29}"/>
+                  </a:ext>
+                </a:extLst>
+              </p:cNvPr>
+              <p:cNvSpPr/>
+              <p:nvPr/>
+            </p:nvSpPr>
+            <p:spPr>
+              <a:xfrm rot="16200000">
+                <a:off x="4887820" y="2688814"/>
+                <a:ext cx="199898" cy="550781"/>
+              </a:xfrm>
+              <a:custGeom>
+                <a:avLst/>
+                <a:gdLst>
+                  <a:gd name="connsiteX0" fmla="*/ 0 w 187900"/>
+                  <a:gd name="connsiteY0" fmla="*/ 334999 h 669997"/>
+                  <a:gd name="connsiteX1" fmla="*/ 93950 w 187900"/>
+                  <a:gd name="connsiteY1" fmla="*/ 0 h 669997"/>
+                  <a:gd name="connsiteX2" fmla="*/ 187900 w 187900"/>
+                  <a:gd name="connsiteY2" fmla="*/ 334999 h 669997"/>
+                  <a:gd name="connsiteX3" fmla="*/ 93950 w 187900"/>
+                  <a:gd name="connsiteY3" fmla="*/ 669998 h 669997"/>
+                  <a:gd name="connsiteX4" fmla="*/ 0 w 187900"/>
+                  <a:gd name="connsiteY4" fmla="*/ 334999 h 669997"/>
+                  <a:gd name="connsiteX0" fmla="*/ 61 w 187961"/>
+                  <a:gd name="connsiteY0" fmla="*/ 258796 h 593795"/>
+                  <a:gd name="connsiteX1" fmla="*/ 83851 w 187961"/>
+                  <a:gd name="connsiteY1" fmla="*/ 0 h 593795"/>
+                  <a:gd name="connsiteX2" fmla="*/ 187961 w 187961"/>
+                  <a:gd name="connsiteY2" fmla="*/ 258796 h 593795"/>
+                  <a:gd name="connsiteX3" fmla="*/ 94011 w 187961"/>
+                  <a:gd name="connsiteY3" fmla="*/ 593795 h 593795"/>
+                  <a:gd name="connsiteX4" fmla="*/ 61 w 187961"/>
+                  <a:gd name="connsiteY4" fmla="*/ 258796 h 593795"/>
+                  <a:gd name="connsiteX0" fmla="*/ 61 w 187961"/>
+                  <a:gd name="connsiteY0" fmla="*/ 192756 h 527755"/>
+                  <a:gd name="connsiteX1" fmla="*/ 83851 w 187961"/>
+                  <a:gd name="connsiteY1" fmla="*/ 0 h 527755"/>
+                  <a:gd name="connsiteX2" fmla="*/ 187961 w 187961"/>
+                  <a:gd name="connsiteY2" fmla="*/ 192756 h 527755"/>
+                  <a:gd name="connsiteX3" fmla="*/ 94011 w 187961"/>
+                  <a:gd name="connsiteY3" fmla="*/ 527755 h 527755"/>
+                  <a:gd name="connsiteX4" fmla="*/ 61 w 187961"/>
+                  <a:gd name="connsiteY4" fmla="*/ 192756 h 527755"/>
+                  <a:gd name="connsiteX0" fmla="*/ 61 w 187961"/>
+                  <a:gd name="connsiteY0" fmla="*/ 192756 h 527755"/>
+                  <a:gd name="connsiteX1" fmla="*/ 83851 w 187961"/>
+                  <a:gd name="connsiteY1" fmla="*/ 0 h 527755"/>
+                  <a:gd name="connsiteX2" fmla="*/ 187961 w 187961"/>
+                  <a:gd name="connsiteY2" fmla="*/ 192756 h 527755"/>
+                  <a:gd name="connsiteX3" fmla="*/ 94011 w 187961"/>
+                  <a:gd name="connsiteY3" fmla="*/ 527755 h 527755"/>
+                  <a:gd name="connsiteX4" fmla="*/ 61 w 187961"/>
+                  <a:gd name="connsiteY4" fmla="*/ 192756 h 527755"/>
+                  <a:gd name="connsiteX0" fmla="*/ 61 w 187961"/>
+                  <a:gd name="connsiteY0" fmla="*/ 192756 h 527755"/>
+                  <a:gd name="connsiteX1" fmla="*/ 83851 w 187961"/>
+                  <a:gd name="connsiteY1" fmla="*/ 0 h 527755"/>
+                  <a:gd name="connsiteX2" fmla="*/ 187961 w 187961"/>
+                  <a:gd name="connsiteY2" fmla="*/ 192756 h 527755"/>
+                  <a:gd name="connsiteX3" fmla="*/ 94011 w 187961"/>
+                  <a:gd name="connsiteY3" fmla="*/ 527755 h 527755"/>
+                  <a:gd name="connsiteX4" fmla="*/ 61 w 187961"/>
+                  <a:gd name="connsiteY4" fmla="*/ 192756 h 527755"/>
+                  <a:gd name="connsiteX0" fmla="*/ 61 w 187961"/>
+                  <a:gd name="connsiteY0" fmla="*/ 192756 h 527755"/>
+                  <a:gd name="connsiteX1" fmla="*/ 83851 w 187961"/>
+                  <a:gd name="connsiteY1" fmla="*/ 0 h 527755"/>
+                  <a:gd name="connsiteX2" fmla="*/ 187961 w 187961"/>
+                  <a:gd name="connsiteY2" fmla="*/ 192756 h 527755"/>
+                  <a:gd name="connsiteX3" fmla="*/ 94011 w 187961"/>
+                  <a:gd name="connsiteY3" fmla="*/ 527755 h 527755"/>
+                  <a:gd name="connsiteX4" fmla="*/ 61 w 187961"/>
+                  <a:gd name="connsiteY4" fmla="*/ 192756 h 527755"/>
+                  <a:gd name="connsiteX0" fmla="*/ 61 w 187961"/>
+                  <a:gd name="connsiteY0" fmla="*/ 192756 h 527755"/>
+                  <a:gd name="connsiteX1" fmla="*/ 83851 w 187961"/>
+                  <a:gd name="connsiteY1" fmla="*/ 0 h 527755"/>
+                  <a:gd name="connsiteX2" fmla="*/ 187961 w 187961"/>
+                  <a:gd name="connsiteY2" fmla="*/ 192756 h 527755"/>
+                  <a:gd name="connsiteX3" fmla="*/ 94011 w 187961"/>
+                  <a:gd name="connsiteY3" fmla="*/ 527755 h 527755"/>
+                  <a:gd name="connsiteX4" fmla="*/ 61 w 187961"/>
+                  <a:gd name="connsiteY4" fmla="*/ 192756 h 527755"/>
+                  <a:gd name="connsiteX0" fmla="*/ 61 w 187961"/>
+                  <a:gd name="connsiteY0" fmla="*/ 192756 h 527755"/>
+                  <a:gd name="connsiteX1" fmla="*/ 83851 w 187961"/>
+                  <a:gd name="connsiteY1" fmla="*/ 0 h 527755"/>
+                  <a:gd name="connsiteX2" fmla="*/ 187961 w 187961"/>
+                  <a:gd name="connsiteY2" fmla="*/ 192756 h 527755"/>
+                  <a:gd name="connsiteX3" fmla="*/ 94011 w 187961"/>
+                  <a:gd name="connsiteY3" fmla="*/ 527755 h 527755"/>
+                  <a:gd name="connsiteX4" fmla="*/ 61 w 187961"/>
+                  <a:gd name="connsiteY4" fmla="*/ 192756 h 527755"/>
+                  <a:gd name="connsiteX0" fmla="*/ 61 w 187961"/>
+                  <a:gd name="connsiteY0" fmla="*/ 192756 h 527755"/>
+                  <a:gd name="connsiteX1" fmla="*/ 83851 w 187961"/>
+                  <a:gd name="connsiteY1" fmla="*/ 0 h 527755"/>
+                  <a:gd name="connsiteX2" fmla="*/ 187961 w 187961"/>
+                  <a:gd name="connsiteY2" fmla="*/ 192756 h 527755"/>
+                  <a:gd name="connsiteX3" fmla="*/ 94011 w 187961"/>
+                  <a:gd name="connsiteY3" fmla="*/ 527755 h 527755"/>
+                  <a:gd name="connsiteX4" fmla="*/ 61 w 187961"/>
+                  <a:gd name="connsiteY4" fmla="*/ 192756 h 527755"/>
+                  <a:gd name="connsiteX0" fmla="*/ 61 w 187961"/>
+                  <a:gd name="connsiteY0" fmla="*/ 192756 h 527755"/>
+                  <a:gd name="connsiteX1" fmla="*/ 83851 w 187961"/>
+                  <a:gd name="connsiteY1" fmla="*/ 0 h 527755"/>
+                  <a:gd name="connsiteX2" fmla="*/ 187961 w 187961"/>
+                  <a:gd name="connsiteY2" fmla="*/ 192756 h 527755"/>
+                  <a:gd name="connsiteX3" fmla="*/ 94011 w 187961"/>
+                  <a:gd name="connsiteY3" fmla="*/ 527755 h 527755"/>
+                  <a:gd name="connsiteX4" fmla="*/ 61 w 187961"/>
+                  <a:gd name="connsiteY4" fmla="*/ 192756 h 527755"/>
+                  <a:gd name="connsiteX0" fmla="*/ 61 w 187961"/>
+                  <a:gd name="connsiteY0" fmla="*/ 192756 h 527755"/>
+                  <a:gd name="connsiteX1" fmla="*/ 83851 w 187961"/>
+                  <a:gd name="connsiteY1" fmla="*/ 0 h 527755"/>
+                  <a:gd name="connsiteX2" fmla="*/ 187961 w 187961"/>
+                  <a:gd name="connsiteY2" fmla="*/ 192756 h 527755"/>
+                  <a:gd name="connsiteX3" fmla="*/ 94011 w 187961"/>
+                  <a:gd name="connsiteY3" fmla="*/ 527755 h 527755"/>
+                  <a:gd name="connsiteX4" fmla="*/ 61 w 187961"/>
+                  <a:gd name="connsiteY4" fmla="*/ 192756 h 527755"/>
+                  <a:gd name="connsiteX0" fmla="*/ 61 w 187961"/>
+                  <a:gd name="connsiteY0" fmla="*/ 192756 h 527755"/>
+                  <a:gd name="connsiteX1" fmla="*/ 83851 w 187961"/>
+                  <a:gd name="connsiteY1" fmla="*/ 0 h 527755"/>
+                  <a:gd name="connsiteX2" fmla="*/ 187961 w 187961"/>
+                  <a:gd name="connsiteY2" fmla="*/ 192756 h 527755"/>
+                  <a:gd name="connsiteX3" fmla="*/ 94011 w 187961"/>
+                  <a:gd name="connsiteY3" fmla="*/ 527755 h 527755"/>
+                  <a:gd name="connsiteX4" fmla="*/ 61 w 187961"/>
+                  <a:gd name="connsiteY4" fmla="*/ 192756 h 527755"/>
+                  <a:gd name="connsiteX0" fmla="*/ 61 w 187961"/>
+                  <a:gd name="connsiteY0" fmla="*/ 192756 h 527755"/>
+                  <a:gd name="connsiteX1" fmla="*/ 83851 w 187961"/>
+                  <a:gd name="connsiteY1" fmla="*/ 0 h 527755"/>
+                  <a:gd name="connsiteX2" fmla="*/ 187961 w 187961"/>
+                  <a:gd name="connsiteY2" fmla="*/ 192756 h 527755"/>
+                  <a:gd name="connsiteX3" fmla="*/ 94011 w 187961"/>
+                  <a:gd name="connsiteY3" fmla="*/ 527755 h 527755"/>
+                  <a:gd name="connsiteX4" fmla="*/ 61 w 187961"/>
+                  <a:gd name="connsiteY4" fmla="*/ 192756 h 527755"/>
+                  <a:gd name="connsiteX0" fmla="*/ 20 w 245024"/>
+                  <a:gd name="connsiteY0" fmla="*/ 196022 h 527776"/>
+                  <a:gd name="connsiteX1" fmla="*/ 140914 w 245024"/>
+                  <a:gd name="connsiteY1" fmla="*/ 21 h 527776"/>
+                  <a:gd name="connsiteX2" fmla="*/ 245024 w 245024"/>
+                  <a:gd name="connsiteY2" fmla="*/ 192777 h 527776"/>
+                  <a:gd name="connsiteX3" fmla="*/ 151074 w 245024"/>
+                  <a:gd name="connsiteY3" fmla="*/ 527776 h 527776"/>
+                  <a:gd name="connsiteX4" fmla="*/ 20 w 245024"/>
+                  <a:gd name="connsiteY4" fmla="*/ 196022 h 527776"/>
+                  <a:gd name="connsiteX0" fmla="*/ 20 w 245565"/>
+                  <a:gd name="connsiteY0" fmla="*/ 196008 h 527762"/>
+                  <a:gd name="connsiteX1" fmla="*/ 140914 w 245565"/>
+                  <a:gd name="connsiteY1" fmla="*/ 7 h 527762"/>
+                  <a:gd name="connsiteX2" fmla="*/ 245565 w 245565"/>
+                  <a:gd name="connsiteY2" fmla="*/ 194215 h 527762"/>
+                  <a:gd name="connsiteX3" fmla="*/ 151074 w 245565"/>
+                  <a:gd name="connsiteY3" fmla="*/ 527762 h 527762"/>
+                  <a:gd name="connsiteX4" fmla="*/ 20 w 245565"/>
+                  <a:gd name="connsiteY4" fmla="*/ 196008 h 527762"/>
+                  <a:gd name="connsiteX0" fmla="*/ 20 w 246094"/>
+                  <a:gd name="connsiteY0" fmla="*/ 196002 h 527756"/>
+                  <a:gd name="connsiteX1" fmla="*/ 140914 w 246094"/>
+                  <a:gd name="connsiteY1" fmla="*/ 1 h 527756"/>
+                  <a:gd name="connsiteX2" fmla="*/ 245565 w 246094"/>
+                  <a:gd name="connsiteY2" fmla="*/ 194209 h 527756"/>
+                  <a:gd name="connsiteX3" fmla="*/ 151074 w 246094"/>
+                  <a:gd name="connsiteY3" fmla="*/ 527756 h 527756"/>
+                  <a:gd name="connsiteX4" fmla="*/ 20 w 246094"/>
+                  <a:gd name="connsiteY4" fmla="*/ 196002 h 527756"/>
+                  <a:gd name="connsiteX0" fmla="*/ 48 w 246122"/>
+                  <a:gd name="connsiteY0" fmla="*/ 196035 h 527789"/>
+                  <a:gd name="connsiteX1" fmla="*/ 140942 w 246122"/>
+                  <a:gd name="connsiteY1" fmla="*/ 34 h 527789"/>
+                  <a:gd name="connsiteX2" fmla="*/ 245593 w 246122"/>
+                  <a:gd name="connsiteY2" fmla="*/ 194242 h 527789"/>
+                  <a:gd name="connsiteX3" fmla="*/ 151102 w 246122"/>
+                  <a:gd name="connsiteY3" fmla="*/ 527789 h 527789"/>
+                  <a:gd name="connsiteX4" fmla="*/ 48 w 246122"/>
+                  <a:gd name="connsiteY4" fmla="*/ 196035 h 527789"/>
+                  <a:gd name="connsiteX0" fmla="*/ 19 w 190356"/>
+                  <a:gd name="connsiteY0" fmla="*/ 196030 h 527784"/>
+                  <a:gd name="connsiteX1" fmla="*/ 140913 w 190356"/>
+                  <a:gd name="connsiteY1" fmla="*/ 29 h 527784"/>
+                  <a:gd name="connsiteX2" fmla="*/ 152690 w 190356"/>
+                  <a:gd name="connsiteY2" fmla="*/ 182599 h 527784"/>
+                  <a:gd name="connsiteX3" fmla="*/ 151073 w 190356"/>
+                  <a:gd name="connsiteY3" fmla="*/ 527784 h 527784"/>
+                  <a:gd name="connsiteX4" fmla="*/ 19 w 190356"/>
+                  <a:gd name="connsiteY4" fmla="*/ 196030 h 527784"/>
+                  <a:gd name="connsiteX0" fmla="*/ 92 w 197623"/>
+                  <a:gd name="connsiteY0" fmla="*/ 198010 h 529764"/>
+                  <a:gd name="connsiteX1" fmla="*/ 140986 w 197623"/>
+                  <a:gd name="connsiteY1" fmla="*/ 2009 h 529764"/>
+                  <a:gd name="connsiteX2" fmla="*/ 152763 w 197623"/>
+                  <a:gd name="connsiteY2" fmla="*/ 184579 h 529764"/>
+                  <a:gd name="connsiteX3" fmla="*/ 151146 w 197623"/>
+                  <a:gd name="connsiteY3" fmla="*/ 529764 h 529764"/>
+                  <a:gd name="connsiteX4" fmla="*/ 92 w 197623"/>
+                  <a:gd name="connsiteY4" fmla="*/ 198010 h 529764"/>
+                  <a:gd name="connsiteX0" fmla="*/ 92 w 197623"/>
+                  <a:gd name="connsiteY0" fmla="*/ 198010 h 529764"/>
+                  <a:gd name="connsiteX1" fmla="*/ 140986 w 197623"/>
+                  <a:gd name="connsiteY1" fmla="*/ 2009 h 529764"/>
+                  <a:gd name="connsiteX2" fmla="*/ 152763 w 197623"/>
+                  <a:gd name="connsiteY2" fmla="*/ 184579 h 529764"/>
+                  <a:gd name="connsiteX3" fmla="*/ 151146 w 197623"/>
+                  <a:gd name="connsiteY3" fmla="*/ 529764 h 529764"/>
+                  <a:gd name="connsiteX4" fmla="*/ 92 w 197623"/>
+                  <a:gd name="connsiteY4" fmla="*/ 198010 h 529764"/>
+                  <a:gd name="connsiteX0" fmla="*/ 19 w 191216"/>
+                  <a:gd name="connsiteY0" fmla="*/ 196472 h 528226"/>
+                  <a:gd name="connsiteX1" fmla="*/ 140913 w 191216"/>
+                  <a:gd name="connsiteY1" fmla="*/ 471 h 528226"/>
+                  <a:gd name="connsiteX2" fmla="*/ 155757 w 191216"/>
+                  <a:gd name="connsiteY2" fmla="*/ 249374 h 528226"/>
+                  <a:gd name="connsiteX3" fmla="*/ 151073 w 191216"/>
+                  <a:gd name="connsiteY3" fmla="*/ 528226 h 528226"/>
+                  <a:gd name="connsiteX4" fmla="*/ 19 w 191216"/>
+                  <a:gd name="connsiteY4" fmla="*/ 196472 h 528226"/>
+                  <a:gd name="connsiteX0" fmla="*/ 43 w 191240"/>
+                  <a:gd name="connsiteY0" fmla="*/ 196392 h 528146"/>
+                  <a:gd name="connsiteX1" fmla="*/ 140937 w 191240"/>
+                  <a:gd name="connsiteY1" fmla="*/ 391 h 528146"/>
+                  <a:gd name="connsiteX2" fmla="*/ 155781 w 191240"/>
+                  <a:gd name="connsiteY2" fmla="*/ 249294 h 528146"/>
+                  <a:gd name="connsiteX3" fmla="*/ 151097 w 191240"/>
+                  <a:gd name="connsiteY3" fmla="*/ 528146 h 528146"/>
+                  <a:gd name="connsiteX4" fmla="*/ 43 w 191240"/>
+                  <a:gd name="connsiteY4" fmla="*/ 196392 h 528146"/>
+                  <a:gd name="connsiteX0" fmla="*/ 18 w 182293"/>
+                  <a:gd name="connsiteY0" fmla="*/ 196264 h 528018"/>
+                  <a:gd name="connsiteX1" fmla="*/ 140912 w 182293"/>
+                  <a:gd name="connsiteY1" fmla="*/ 263 h 528018"/>
+                  <a:gd name="connsiteX2" fmla="*/ 115957 w 182293"/>
+                  <a:gd name="connsiteY2" fmla="*/ 235061 h 528018"/>
+                  <a:gd name="connsiteX3" fmla="*/ 151072 w 182293"/>
+                  <a:gd name="connsiteY3" fmla="*/ 528018 h 528018"/>
+                  <a:gd name="connsiteX4" fmla="*/ 18 w 182293"/>
+                  <a:gd name="connsiteY4" fmla="*/ 196264 h 528018"/>
+                  <a:gd name="connsiteX0" fmla="*/ 37 w 182312"/>
+                  <a:gd name="connsiteY0" fmla="*/ 196230 h 527984"/>
+                  <a:gd name="connsiteX1" fmla="*/ 140931 w 182312"/>
+                  <a:gd name="connsiteY1" fmla="*/ 229 h 527984"/>
+                  <a:gd name="connsiteX2" fmla="*/ 115976 w 182312"/>
+                  <a:gd name="connsiteY2" fmla="*/ 235027 h 527984"/>
+                  <a:gd name="connsiteX3" fmla="*/ 151091 w 182312"/>
+                  <a:gd name="connsiteY3" fmla="*/ 527984 h 527984"/>
+                  <a:gd name="connsiteX4" fmla="*/ 37 w 182312"/>
+                  <a:gd name="connsiteY4" fmla="*/ 196230 h 527984"/>
+                  <a:gd name="connsiteX0" fmla="*/ 34 w 182309"/>
+                  <a:gd name="connsiteY0" fmla="*/ 199645 h 531399"/>
+                  <a:gd name="connsiteX1" fmla="*/ 140928 w 182309"/>
+                  <a:gd name="connsiteY1" fmla="*/ 3644 h 531399"/>
+                  <a:gd name="connsiteX2" fmla="*/ 115973 w 182309"/>
+                  <a:gd name="connsiteY2" fmla="*/ 238442 h 531399"/>
+                  <a:gd name="connsiteX3" fmla="*/ 151088 w 182309"/>
+                  <a:gd name="connsiteY3" fmla="*/ 531399 h 531399"/>
+                  <a:gd name="connsiteX4" fmla="*/ 34 w 182309"/>
+                  <a:gd name="connsiteY4" fmla="*/ 199645 h 531399"/>
+                  <a:gd name="connsiteX0" fmla="*/ 335 w 203165"/>
+                  <a:gd name="connsiteY0" fmla="*/ 199524 h 497072"/>
+                  <a:gd name="connsiteX1" fmla="*/ 141229 w 203165"/>
+                  <a:gd name="connsiteY1" fmla="*/ 3523 h 497072"/>
+                  <a:gd name="connsiteX2" fmla="*/ 116274 w 203165"/>
+                  <a:gd name="connsiteY2" fmla="*/ 238321 h 497072"/>
+                  <a:gd name="connsiteX3" fmla="*/ 175387 w 203165"/>
+                  <a:gd name="connsiteY3" fmla="*/ 497072 h 497072"/>
+                  <a:gd name="connsiteX4" fmla="*/ 335 w 203165"/>
+                  <a:gd name="connsiteY4" fmla="*/ 199524 h 497072"/>
+                  <a:gd name="connsiteX0" fmla="*/ 170 w 216276"/>
+                  <a:gd name="connsiteY0" fmla="*/ 212648 h 493625"/>
+                  <a:gd name="connsiteX1" fmla="*/ 154340 w 216276"/>
+                  <a:gd name="connsiteY1" fmla="*/ 76 h 493625"/>
+                  <a:gd name="connsiteX2" fmla="*/ 129385 w 216276"/>
+                  <a:gd name="connsiteY2" fmla="*/ 234874 h 493625"/>
+                  <a:gd name="connsiteX3" fmla="*/ 188498 w 216276"/>
+                  <a:gd name="connsiteY3" fmla="*/ 493625 h 493625"/>
+                  <a:gd name="connsiteX4" fmla="*/ 170 w 216276"/>
+                  <a:gd name="connsiteY4" fmla="*/ 212648 h 493625"/>
+                  <a:gd name="connsiteX0" fmla="*/ 266 w 216372"/>
+                  <a:gd name="connsiteY0" fmla="*/ 215534 h 496511"/>
+                  <a:gd name="connsiteX1" fmla="*/ 154436 w 216372"/>
+                  <a:gd name="connsiteY1" fmla="*/ 2962 h 496511"/>
+                  <a:gd name="connsiteX2" fmla="*/ 129481 w 216372"/>
+                  <a:gd name="connsiteY2" fmla="*/ 237760 h 496511"/>
+                  <a:gd name="connsiteX3" fmla="*/ 188594 w 216372"/>
+                  <a:gd name="connsiteY3" fmla="*/ 496511 h 496511"/>
+                  <a:gd name="connsiteX4" fmla="*/ 266 w 216372"/>
+                  <a:gd name="connsiteY4" fmla="*/ 215534 h 496511"/>
+                  <a:gd name="connsiteX0" fmla="*/ 291 w 216397"/>
+                  <a:gd name="connsiteY0" fmla="*/ 219066 h 500043"/>
+                  <a:gd name="connsiteX1" fmla="*/ 154461 w 216397"/>
+                  <a:gd name="connsiteY1" fmla="*/ 6494 h 500043"/>
+                  <a:gd name="connsiteX2" fmla="*/ 129506 w 216397"/>
+                  <a:gd name="connsiteY2" fmla="*/ 241292 h 500043"/>
+                  <a:gd name="connsiteX3" fmla="*/ 188619 w 216397"/>
+                  <a:gd name="connsiteY3" fmla="*/ 500043 h 500043"/>
+                  <a:gd name="connsiteX4" fmla="*/ 291 w 216397"/>
+                  <a:gd name="connsiteY4" fmla="*/ 219066 h 500043"/>
+                  <a:gd name="connsiteX0" fmla="*/ 291 w 226555"/>
+                  <a:gd name="connsiteY0" fmla="*/ 219066 h 500043"/>
+                  <a:gd name="connsiteX1" fmla="*/ 154461 w 226555"/>
+                  <a:gd name="connsiteY1" fmla="*/ 6494 h 500043"/>
+                  <a:gd name="connsiteX2" fmla="*/ 129506 w 226555"/>
+                  <a:gd name="connsiteY2" fmla="*/ 241292 h 500043"/>
+                  <a:gd name="connsiteX3" fmla="*/ 188619 w 226555"/>
+                  <a:gd name="connsiteY3" fmla="*/ 500043 h 500043"/>
+                  <a:gd name="connsiteX4" fmla="*/ 291 w 226555"/>
+                  <a:gd name="connsiteY4" fmla="*/ 219066 h 500043"/>
+                  <a:gd name="connsiteX0" fmla="*/ 545 w 226809"/>
+                  <a:gd name="connsiteY0" fmla="*/ 221397 h 502374"/>
+                  <a:gd name="connsiteX1" fmla="*/ 154715 w 226809"/>
+                  <a:gd name="connsiteY1" fmla="*/ 8825 h 502374"/>
+                  <a:gd name="connsiteX2" fmla="*/ 129760 w 226809"/>
+                  <a:gd name="connsiteY2" fmla="*/ 243623 h 502374"/>
+                  <a:gd name="connsiteX3" fmla="*/ 188873 w 226809"/>
+                  <a:gd name="connsiteY3" fmla="*/ 502374 h 502374"/>
+                  <a:gd name="connsiteX4" fmla="*/ 545 w 226809"/>
+                  <a:gd name="connsiteY4" fmla="*/ 221397 h 502374"/>
+                  <a:gd name="connsiteX0" fmla="*/ 561 w 226825"/>
+                  <a:gd name="connsiteY0" fmla="*/ 222493 h 503470"/>
+                  <a:gd name="connsiteX1" fmla="*/ 154731 w 226825"/>
+                  <a:gd name="connsiteY1" fmla="*/ 9921 h 503470"/>
+                  <a:gd name="connsiteX2" fmla="*/ 129776 w 226825"/>
+                  <a:gd name="connsiteY2" fmla="*/ 244719 h 503470"/>
+                  <a:gd name="connsiteX3" fmla="*/ 188889 w 226825"/>
+                  <a:gd name="connsiteY3" fmla="*/ 503470 h 503470"/>
+                  <a:gd name="connsiteX4" fmla="*/ 561 w 226825"/>
+                  <a:gd name="connsiteY4" fmla="*/ 222493 h 503470"/>
+                  <a:gd name="connsiteX0" fmla="*/ 561 w 225902"/>
+                  <a:gd name="connsiteY0" fmla="*/ 222493 h 503470"/>
+                  <a:gd name="connsiteX1" fmla="*/ 154731 w 225902"/>
+                  <a:gd name="connsiteY1" fmla="*/ 9921 h 503470"/>
+                  <a:gd name="connsiteX2" fmla="*/ 129776 w 225902"/>
+                  <a:gd name="connsiteY2" fmla="*/ 244719 h 503470"/>
+                  <a:gd name="connsiteX3" fmla="*/ 188889 w 225902"/>
+                  <a:gd name="connsiteY3" fmla="*/ 503470 h 503470"/>
+                  <a:gd name="connsiteX4" fmla="*/ 561 w 225902"/>
+                  <a:gd name="connsiteY4" fmla="*/ 222493 h 503470"/>
+                  <a:gd name="connsiteX0" fmla="*/ 561 w 211779"/>
+                  <a:gd name="connsiteY0" fmla="*/ 222493 h 503470"/>
+                  <a:gd name="connsiteX1" fmla="*/ 154731 w 211779"/>
+                  <a:gd name="connsiteY1" fmla="*/ 9921 h 503470"/>
+                  <a:gd name="connsiteX2" fmla="*/ 129776 w 211779"/>
+                  <a:gd name="connsiteY2" fmla="*/ 244719 h 503470"/>
+                  <a:gd name="connsiteX3" fmla="*/ 188889 w 211779"/>
+                  <a:gd name="connsiteY3" fmla="*/ 503470 h 503470"/>
+                  <a:gd name="connsiteX4" fmla="*/ 561 w 211779"/>
+                  <a:gd name="connsiteY4" fmla="*/ 222493 h 503470"/>
+                  <a:gd name="connsiteX0" fmla="*/ 169 w 212249"/>
+                  <a:gd name="connsiteY0" fmla="*/ 233491 h 493550"/>
+                  <a:gd name="connsiteX1" fmla="*/ 155201 w 212249"/>
+                  <a:gd name="connsiteY1" fmla="*/ 1 h 493550"/>
+                  <a:gd name="connsiteX2" fmla="*/ 130246 w 212249"/>
+                  <a:gd name="connsiteY2" fmla="*/ 234799 h 493550"/>
+                  <a:gd name="connsiteX3" fmla="*/ 189359 w 212249"/>
+                  <a:gd name="connsiteY3" fmla="*/ 493550 h 493550"/>
+                  <a:gd name="connsiteX4" fmla="*/ 169 w 212249"/>
+                  <a:gd name="connsiteY4" fmla="*/ 233491 h 493550"/>
+                  <a:gd name="connsiteX0" fmla="*/ 371 w 212451"/>
+                  <a:gd name="connsiteY0" fmla="*/ 236155 h 496214"/>
+                  <a:gd name="connsiteX1" fmla="*/ 155403 w 212451"/>
+                  <a:gd name="connsiteY1" fmla="*/ 2665 h 496214"/>
+                  <a:gd name="connsiteX2" fmla="*/ 130448 w 212451"/>
+                  <a:gd name="connsiteY2" fmla="*/ 237463 h 496214"/>
+                  <a:gd name="connsiteX3" fmla="*/ 189561 w 212451"/>
+                  <a:gd name="connsiteY3" fmla="*/ 496214 h 496214"/>
+                  <a:gd name="connsiteX4" fmla="*/ 371 w 212451"/>
+                  <a:gd name="connsiteY4" fmla="*/ 236155 h 496214"/>
+                  <a:gd name="connsiteX0" fmla="*/ 390 w 212470"/>
+                  <a:gd name="connsiteY0" fmla="*/ 236412 h 496471"/>
+                  <a:gd name="connsiteX1" fmla="*/ 155422 w 212470"/>
+                  <a:gd name="connsiteY1" fmla="*/ 2922 h 496471"/>
+                  <a:gd name="connsiteX2" fmla="*/ 130467 w 212470"/>
+                  <a:gd name="connsiteY2" fmla="*/ 237720 h 496471"/>
+                  <a:gd name="connsiteX3" fmla="*/ 189580 w 212470"/>
+                  <a:gd name="connsiteY3" fmla="*/ 496471 h 496471"/>
+                  <a:gd name="connsiteX4" fmla="*/ 390 w 212470"/>
+                  <a:gd name="connsiteY4" fmla="*/ 236412 h 496471"/>
+                </a:gdLst>
+                <a:ahLst/>
+                <a:cxnLst>
+                  <a:cxn ang="0">
+                    <a:pos x="connsiteX0" y="connsiteY0"/>
+                  </a:cxn>
+                  <a:cxn ang="0">
+                    <a:pos x="connsiteX1" y="connsiteY1"/>
+                  </a:cxn>
+                  <a:cxn ang="0">
+                    <a:pos x="connsiteX2" y="connsiteY2"/>
+                  </a:cxn>
+                  <a:cxn ang="0">
+                    <a:pos x="connsiteX3" y="connsiteY3"/>
+                  </a:cxn>
+                  <a:cxn ang="0">
+                    <a:pos x="connsiteX4" y="connsiteY4"/>
+                  </a:cxn>
+                </a:cxnLst>
+                <a:rect l="l" t="t" r="r" b="b"/>
+                <a:pathLst>
+                  <a:path w="212470" h="496471">
+                    <a:moveTo>
+                      <a:pt x="390" y="236412"/>
+                    </a:moveTo>
+                    <a:cubicBezTo>
+                      <a:pt x="-5303" y="154154"/>
+                      <a:pt x="51457" y="-24986"/>
+                      <a:pt x="155422" y="2922"/>
+                    </a:cubicBezTo>
+                    <a:cubicBezTo>
+                      <a:pt x="259387" y="30830"/>
+                      <a:pt x="131446" y="181151"/>
+                      <a:pt x="130467" y="237720"/>
+                    </a:cubicBezTo>
+                    <a:cubicBezTo>
+                      <a:pt x="129488" y="294289"/>
+                      <a:pt x="265099" y="465063"/>
+                      <a:pt x="189580" y="496471"/>
+                    </a:cubicBezTo>
+                    <a:cubicBezTo>
+                      <a:pt x="101172" y="492171"/>
+                      <a:pt x="6083" y="318670"/>
+                      <a:pt x="390" y="236412"/>
+                    </a:cubicBezTo>
+                    <a:close/>
+                  </a:path>
+                </a:pathLst>
+              </a:custGeom>
+              <a:solidFill>
+                <a:schemeClr val="accent4">
+                  <a:lumMod val="20000"/>
+                  <a:lumOff val="80000"/>
+                </a:schemeClr>
+              </a:solidFill>
+              <a:ln w="25400">
+                <a:solidFill>
+                  <a:schemeClr val="tx1"/>
+                </a:solidFill>
+              </a:ln>
+            </p:spPr>
+            <p:style>
+              <a:lnRef idx="2">
+                <a:schemeClr val="accent1">
+                  <a:shade val="50000"/>
+                </a:schemeClr>
+              </a:lnRef>
+              <a:fillRef idx="1">
+                <a:schemeClr val="accent1"/>
+              </a:fillRef>
+              <a:effectRef idx="0">
+                <a:schemeClr val="accent1"/>
+              </a:effectRef>
+              <a:fontRef idx="minor">
+                <a:schemeClr val="lt1"/>
+              </a:fontRef>
+            </p:style>
+            <p:txBody>
+              <a:bodyPr rtlCol="0" anchor="ctr"/>
+              <a:lstStyle/>
+              <a:p>
+                <a:pPr algn="ctr"/>
+                <a:endParaRPr lang="ko-KR" altLang="en-US" b="1" dirty="0"/>
+              </a:p>
+            </p:txBody>
+          </p:sp>
+        </p:grpSp>
+        <p:sp>
+          <p:nvSpPr>
+            <p:cNvPr id="154" name="타원 153">
+              <a:extLst>
+                <a:ext uri="{FF2B5EF4-FFF2-40B4-BE49-F238E27FC236}">
+                  <a16:creationId xmlns:a16="http://schemas.microsoft.com/office/drawing/2014/main" id="{4DE43905-47A3-4F1A-8C10-9162002EE9BB}"/>
+                </a:ext>
+              </a:extLst>
+            </p:cNvPr>
+            <p:cNvSpPr/>
+            <p:nvPr/>
+          </p:nvSpPr>
+          <p:spPr>
+            <a:xfrm rot="1168637">
+              <a:off x="2301434" y="3336105"/>
+              <a:ext cx="82105" cy="105370"/>
+            </a:xfrm>
+            <a:prstGeom prst="ellipse">
+              <a:avLst/>
+            </a:prstGeom>
+            <a:solidFill>
+              <a:schemeClr val="bg1"/>
+            </a:solidFill>
+            <a:ln w="25400">
+              <a:solidFill>
+                <a:schemeClr val="tx1"/>
+              </a:solidFill>
+            </a:ln>
+          </p:spPr>
+          <p:style>
+            <a:lnRef idx="2">
+              <a:schemeClr val="accent1">
+                <a:shade val="50000"/>
+              </a:schemeClr>
+            </a:lnRef>
+            <a:fillRef idx="1">
+              <a:schemeClr val="accent1"/>
+            </a:fillRef>
+            <a:effectRef idx="0">
+              <a:schemeClr val="accent1"/>
+            </a:effectRef>
+            <a:fontRef idx="minor">
+              <a:schemeClr val="lt1"/>
+            </a:fontRef>
+          </p:style>
+          <p:txBody>
+            <a:bodyPr rtlCol="0" anchor="ctr"/>
+            <a:lstStyle/>
+            <a:p>
+              <a:pPr algn="ctr"/>
+              <a:endParaRPr lang="ko-KR" altLang="en-US"/>
+            </a:p>
+          </p:txBody>
+        </p:sp>
+        <p:pic>
+          <p:nvPicPr>
+            <p:cNvPr id="155" name="그래픽 154" descr="물음표">
+              <a:extLst>
+                <a:ext uri="{FF2B5EF4-FFF2-40B4-BE49-F238E27FC236}">
+                  <a16:creationId xmlns:a16="http://schemas.microsoft.com/office/drawing/2014/main" id="{DF8C17F6-1172-4794-BCE4-4F56D1AE74E1}"/>
+                </a:ext>
+              </a:extLst>
+            </p:cNvPr>
+            <p:cNvPicPr>
+              <a:picLocks noChangeAspect="1"/>
+            </p:cNvPicPr>
+            <p:nvPr/>
+          </p:nvPicPr>
+          <p:blipFill>
+            <a:blip r:embed="rId10">
+              <a:extLst>
+                <a:ext uri="{28A0092B-C50C-407E-A947-70E740481C1C}">
+                  <a14:useLocalDpi xmlns:a14="http://schemas.microsoft.com/office/drawing/2010/main" val="0"/>
+                </a:ext>
+                <a:ext uri="{96DAC541-7B7A-43D3-8B79-37D633B846F1}">
+                  <asvg:svgBlip xmlns:asvg="http://schemas.microsoft.com/office/drawing/2016/SVG/main" r:embed="rId11"/>
+                </a:ext>
+              </a:extLst>
+            </a:blip>
+            <a:stretch>
+              <a:fillRect/>
+            </a:stretch>
+          </p:blipFill>
+          <p:spPr>
+            <a:xfrm rot="19800000">
+              <a:off x="1565378" y="2941922"/>
+              <a:ext cx="387346" cy="387346"/>
+            </a:xfrm>
+            <a:prstGeom prst="rect">
+              <a:avLst/>
+            </a:prstGeom>
+          </p:spPr>
+        </p:pic>
+        <p:pic>
+          <p:nvPicPr>
+            <p:cNvPr id="156" name="그래픽 155" descr="느낌표">
+              <a:extLst>
+                <a:ext uri="{FF2B5EF4-FFF2-40B4-BE49-F238E27FC236}">
+                  <a16:creationId xmlns:a16="http://schemas.microsoft.com/office/drawing/2014/main" id="{D0E722E6-0878-473B-9DC9-06056804CC94}"/>
+                </a:ext>
+              </a:extLst>
+            </p:cNvPr>
+            <p:cNvPicPr>
+              <a:picLocks noChangeAspect="1"/>
+            </p:cNvPicPr>
+            <p:nvPr/>
+          </p:nvPicPr>
+          <p:blipFill>
+            <a:blip r:embed="rId12">
+              <a:extLst>
+                <a:ext uri="{28A0092B-C50C-407E-A947-70E740481C1C}">
+                  <a14:useLocalDpi xmlns:a14="http://schemas.microsoft.com/office/drawing/2010/main" val="0"/>
+                </a:ext>
+                <a:ext uri="{96DAC541-7B7A-43D3-8B79-37D633B846F1}">
+                  <asvg:svgBlip xmlns:asvg="http://schemas.microsoft.com/office/drawing/2016/SVG/main" r:embed="rId13"/>
+                </a:ext>
+              </a:extLst>
+            </a:blip>
+            <a:stretch>
+              <a:fillRect/>
+            </a:stretch>
+          </p:blipFill>
+          <p:spPr>
+            <a:xfrm rot="900000">
+              <a:off x="2382738" y="2893059"/>
+              <a:ext cx="336293" cy="336293"/>
+            </a:xfrm>
+            <a:prstGeom prst="rect">
+              <a:avLst/>
+            </a:prstGeom>
+          </p:spPr>
+        </p:pic>
+        <p:sp>
+          <p:nvSpPr>
+            <p:cNvPr id="157" name="TextBox 156">
+              <a:extLst>
+                <a:ext uri="{FF2B5EF4-FFF2-40B4-BE49-F238E27FC236}">
+                  <a16:creationId xmlns:a16="http://schemas.microsoft.com/office/drawing/2014/main" id="{F8A75EA2-00B4-4846-8645-4FC3EAB70DA5}"/>
+                </a:ext>
+              </a:extLst>
+            </p:cNvPr>
+            <p:cNvSpPr txBox="1"/>
+            <p:nvPr/>
+          </p:nvSpPr>
+          <p:spPr>
+            <a:xfrm rot="1799106">
+              <a:off x="2483762" y="3416081"/>
+              <a:ext cx="532653" cy="203690"/>
+            </a:xfrm>
+            <a:prstGeom prst="rect">
+              <a:avLst/>
+            </a:prstGeom>
+            <a:noFill/>
+          </p:spPr>
+          <p:txBody>
+            <a:bodyPr wrap="square" rtlCol="0">
+              <a:spAutoFit/>
+            </a:bodyPr>
+            <a:lstStyle/>
+            <a:p>
+              <a:pPr algn="ctr"/>
+              <a:r>
+                <a:rPr lang="ko-KR" altLang="en-US" sz="400" b="1" dirty="0"/>
+                <a:t>물리학</a:t>
+              </a:r>
+              <a:r>
+                <a:rPr lang="en-US" altLang="ko-KR" sz="400" b="1" dirty="0"/>
+                <a:t>Ⅰ</a:t>
+              </a:r>
+              <a:endParaRPr lang="ko-KR" altLang="en-US" sz="400" b="1" dirty="0"/>
+            </a:p>
+          </p:txBody>
+        </p:sp>
+        <p:sp>
+          <p:nvSpPr>
+            <p:cNvPr id="158" name="TextBox 157">
+              <a:extLst>
+                <a:ext uri="{FF2B5EF4-FFF2-40B4-BE49-F238E27FC236}">
+                  <a16:creationId xmlns:a16="http://schemas.microsoft.com/office/drawing/2014/main" id="{66F29220-0AFC-444D-A692-BD201B8AC202}"/>
+                </a:ext>
+              </a:extLst>
+            </p:cNvPr>
+            <p:cNvSpPr txBox="1"/>
+            <p:nvPr/>
+          </p:nvSpPr>
+          <p:spPr>
+            <a:xfrm rot="1799106">
+              <a:off x="2326855" y="3635930"/>
+              <a:ext cx="555211" cy="203690"/>
+            </a:xfrm>
+            <a:prstGeom prst="rect">
+              <a:avLst/>
+            </a:prstGeom>
+            <a:noFill/>
+          </p:spPr>
+          <p:txBody>
+            <a:bodyPr wrap="square" rtlCol="0">
+              <a:spAutoFit/>
+            </a:bodyPr>
+            <a:lstStyle/>
+            <a:p>
+              <a:pPr algn="ctr"/>
+              <a:r>
+                <a:rPr lang="ko-KR" altLang="en-US" sz="400" b="1" dirty="0"/>
+                <a:t>세계지리</a:t>
+              </a:r>
+              <a:endParaRPr lang="ko-KR" altLang="en-US" sz="300" b="1" dirty="0"/>
+            </a:p>
+          </p:txBody>
+        </p:sp>
+        <p:sp>
+          <p:nvSpPr>
+            <p:cNvPr id="159" name="TextBox 158">
+              <a:extLst>
+                <a:ext uri="{FF2B5EF4-FFF2-40B4-BE49-F238E27FC236}">
+                  <a16:creationId xmlns:a16="http://schemas.microsoft.com/office/drawing/2014/main" id="{A9926E0B-51D9-43B0-9D4D-54083389E266}"/>
+                </a:ext>
+              </a:extLst>
+            </p:cNvPr>
+            <p:cNvSpPr txBox="1"/>
+            <p:nvPr/>
+          </p:nvSpPr>
+          <p:spPr>
+            <a:xfrm rot="1799106">
+              <a:off x="2446830" y="3528858"/>
+              <a:ext cx="468602" cy="203690"/>
+            </a:xfrm>
+            <a:prstGeom prst="rect">
+              <a:avLst/>
+            </a:prstGeom>
+            <a:noFill/>
+          </p:spPr>
+          <p:txBody>
+            <a:bodyPr wrap="square" rtlCol="0">
+              <a:spAutoFit/>
+            </a:bodyPr>
+            <a:lstStyle/>
+            <a:p>
+              <a:pPr algn="ctr"/>
+              <a:r>
+                <a:rPr lang="ko-KR" altLang="en-US" sz="400" b="1" dirty="0"/>
+                <a:t>미적분</a:t>
+              </a:r>
+              <a:endParaRPr lang="ko-KR" altLang="en-US" sz="500" b="1" dirty="0"/>
+            </a:p>
+          </p:txBody>
+        </p:sp>
+        <p:cxnSp>
+          <p:nvCxnSpPr>
+            <p:cNvPr id="160" name="직선 연결선 159">
+              <a:extLst>
+                <a:ext uri="{FF2B5EF4-FFF2-40B4-BE49-F238E27FC236}">
+                  <a16:creationId xmlns:a16="http://schemas.microsoft.com/office/drawing/2014/main" id="{7D738D0E-AF5E-4EF1-9D1F-2583ACBDA716}"/>
+                </a:ext>
+              </a:extLst>
+            </p:cNvPr>
+            <p:cNvCxnSpPr>
+              <a:cxnSpLocks/>
+            </p:cNvCxnSpPr>
+            <p:nvPr/>
+          </p:nvCxnSpPr>
+          <p:spPr>
+            <a:xfrm flipH="1" flipV="1">
+              <a:off x="2569369" y="3494571"/>
+              <a:ext cx="266700" cy="153888"/>
+            </a:xfrm>
+            <a:prstGeom prst="line">
+              <a:avLst/>
+            </a:prstGeom>
+            <a:ln w="12700">
+              <a:solidFill>
+                <a:schemeClr val="tx1"/>
+              </a:solidFill>
+            </a:ln>
+          </p:spPr>
+          <p:style>
+            <a:lnRef idx="1">
+              <a:schemeClr val="accent1"/>
+            </a:lnRef>
+            <a:fillRef idx="0">
+              <a:schemeClr val="accent1"/>
+            </a:fillRef>
+            <a:effectRef idx="0">
+              <a:schemeClr val="accent1"/>
+            </a:effectRef>
+            <a:fontRef idx="minor">
+              <a:schemeClr val="tx1"/>
+            </a:fontRef>
+          </p:style>
+        </p:cxnSp>
+        <p:cxnSp>
+          <p:nvCxnSpPr>
+            <p:cNvPr id="161" name="직선 연결선 160">
+              <a:extLst>
+                <a:ext uri="{FF2B5EF4-FFF2-40B4-BE49-F238E27FC236}">
+                  <a16:creationId xmlns:a16="http://schemas.microsoft.com/office/drawing/2014/main" id="{D7177DA5-FD2F-430B-BE3F-901E0352431E}"/>
+                </a:ext>
+              </a:extLst>
+            </p:cNvPr>
+            <p:cNvCxnSpPr>
+              <a:cxnSpLocks/>
+            </p:cNvCxnSpPr>
+            <p:nvPr/>
+          </p:nvCxnSpPr>
+          <p:spPr>
+            <a:xfrm flipH="1" flipV="1">
+              <a:off x="2488406" y="3607035"/>
+              <a:ext cx="280988" cy="162130"/>
+            </a:xfrm>
+            <a:prstGeom prst="line">
+              <a:avLst/>
+            </a:prstGeom>
+            <a:ln w="12700">
+              <a:solidFill>
+                <a:schemeClr val="tx1"/>
+              </a:solidFill>
+            </a:ln>
+          </p:spPr>
+          <p:style>
+            <a:lnRef idx="1">
+              <a:schemeClr val="accent1"/>
+            </a:lnRef>
+            <a:fillRef idx="0">
+              <a:schemeClr val="accent1"/>
+            </a:fillRef>
+            <a:effectRef idx="0">
+              <a:schemeClr val="accent1"/>
+            </a:effectRef>
+            <a:fontRef idx="minor">
+              <a:schemeClr val="tx1"/>
+            </a:fontRef>
+          </p:style>
+        </p:cxnSp>
+      </p:grpSp>
     </p:spTree>
     <p:extLst>
       <p:ext uri="{BB962C8B-B14F-4D97-AF65-F5344CB8AC3E}">
